--- a/presentation/Poster_Presentation.pptx
+++ b/presentation/Poster_Presentation.pptx
@@ -6132,7 +6132,7 @@
         </p:blipFill>
         <p:spPr>
           <a:xfrm>
-            <a:off x="24959822" y="10822806"/>
+            <a:off x="25029194" y="11055746"/>
             <a:ext cx="5621749" cy="2262832"/>
           </a:xfrm>
           <a:prstGeom prst="rect">
@@ -6190,7 +6190,7 @@
         </p:blipFill>
         <p:spPr>
           <a:xfrm>
-            <a:off x="24980006" y="11836059"/>
+            <a:off x="25029194" y="10669852"/>
             <a:ext cx="6375793" cy="431911"/>
           </a:xfrm>
           <a:prstGeom prst="rect">
@@ -8427,7 +8427,7 @@
             <p:spPr>
               <a:xfrm>
                 <a:off x="17536766" y="36007072"/>
-                <a:ext cx="16459200" cy="1405769"/>
+                <a:ext cx="14379798" cy="1405769"/>
               </a:xfrm>
               <a:prstGeom prst="rect">
                 <a:avLst/>
@@ -8447,7 +8447,7 @@
                 </a:pPr>
                 <a:r>
                   <a:rPr lang="en-US" sz="3000" b="1" dirty="0"/>
-                  <a:t>Simulate determining </a:t>
+                  <a:t>Determining </a:t>
                 </a:r>
                 <a14:m>
                   <m:oMath xmlns:m="http://schemas.openxmlformats.org/officeDocument/2006/math">
@@ -8529,18 +8529,7 @@
                 </a:r>
                 <a:r>
                   <a:rPr lang="en-US" sz="3000" dirty="0"/>
-                  <a:t>in logistic regression model. MNAR missingness</a:t>
-                </a:r>
-              </a:p>
-              <a:p>
-                <a:pPr>
-                  <a:lnSpc>
-                    <a:spcPct val="150000"/>
-                  </a:lnSpc>
-                </a:pPr>
-                <a:r>
-                  <a:rPr lang="en-US" sz="3000" dirty="0"/>
-                  <a:t>where </a:t>
+                  <a:t>in logistic regression model. MNAR missingness where </a:t>
                 </a:r>
                 <a:r>
                   <a:rPr lang="en-US" sz="3000" i="1" dirty="0"/>
@@ -8580,7 +8569,7 @@
             <p:spPr>
               <a:xfrm>
                 <a:off x="17536766" y="36007072"/>
-                <a:ext cx="16459200" cy="1405769"/>
+                <a:ext cx="14379798" cy="1405769"/>
               </a:xfrm>
               <a:prstGeom prst="rect">
                 <a:avLst/>
@@ -8588,7 +8577,7 @@
               <a:blipFill>
                 <a:blip r:embed="rId25"/>
                 <a:stretch>
-                  <a:fillRect l="-848" b="-13514"/>
+                  <a:fillRect l="-970" b="-13514"/>
                 </a:stretch>
               </a:blipFill>
             </p:spPr>
@@ -9525,7 +9514,7 @@
           <p:nvPr>
             <p:extLst>
               <p:ext uri="{D42A27DB-BD31-4B8C-83A1-F6EECF244321}">
-                <p14:modId xmlns:p14="http://schemas.microsoft.com/office/powerpoint/2010/main" val="360216574"/>
+                <p14:modId xmlns:p14="http://schemas.microsoft.com/office/powerpoint/2010/main" val="1889416194"/>
               </p:ext>
             </p:extLst>
           </p:nvPr>
@@ -9598,7 +9587,7 @@
                     <a:p>
                       <a:r>
                         <a:rPr lang="en-US" sz="2400" dirty="0"/>
-                        <a:t>Listwise Del (s)</a:t>
+                        <a:t>Listwise Del runtime (s)</a:t>
                       </a:r>
                     </a:p>
                   </a:txBody>
@@ -10189,6 +10178,14 @@
               <a:buFont typeface="Arial" panose="020B0604020202020204" pitchFamily="34" charset="0"/>
               <a:buChar char="•"/>
             </a:pPr>
+            <a:r>
+              <a:rPr kumimoji="1" lang="en-US" altLang="ja-JP" sz="3600" b="1" dirty="0">
+                <a:latin typeface="Times New Roman" panose="02020603050405020304" pitchFamily="18" charset="0"/>
+                <a:ea typeface="Helvetica Neue" charset="0"/>
+                <a:cs typeface="Times New Roman" panose="02020603050405020304" pitchFamily="18" charset="0"/>
+              </a:rPr>
+              <a:t>Add </a:t>
+            </a:r>
             <a:r>
               <a:rPr kumimoji="1" lang="en-US" altLang="ja-JP" sz="3600" b="1" dirty="0" err="1">
                 <a:latin typeface="Times New Roman" panose="02020603050405020304" pitchFamily="18" charset="0"/>

--- a/presentation/Poster_Presentation.pptx
+++ b/presentation/Poster_Presentation.pptx
@@ -5,15 +5,16 @@
     <p:sldMasterId id="2147483708" r:id="rId1"/>
   </p:sldMasterIdLst>
   <p:notesMasterIdLst>
-    <p:notesMasterId r:id="rId8"/>
+    <p:notesMasterId r:id="rId9"/>
   </p:notesMasterIdLst>
   <p:sldIdLst>
     <p:sldId id="259" r:id="rId2"/>
     <p:sldId id="261" r:id="rId3"/>
     <p:sldId id="260" r:id="rId4"/>
-    <p:sldId id="256" r:id="rId5"/>
-    <p:sldId id="257" r:id="rId6"/>
-    <p:sldId id="258" r:id="rId7"/>
+    <p:sldId id="262" r:id="rId5"/>
+    <p:sldId id="256" r:id="rId6"/>
+    <p:sldId id="257" r:id="rId7"/>
+    <p:sldId id="258" r:id="rId8"/>
   </p:sldIdLst>
   <p:sldSz cx="32918400" cy="16459200"/>
   <p:notesSz cx="6858000" cy="9144000"/>
@@ -794,7 +795,10 @@
           <a:bodyPr/>
           <a:lstStyle/>
           <a:p>
-            <a:endParaRPr lang="en-US" dirty="0"/>
+            <a:r>
+              <a:rPr lang="en-US" dirty="0"/>
+              <a:t>5 </a:t>
+            </a:r>
           </a:p>
         </p:txBody>
       </p:sp>
@@ -824,7 +828,7 @@
     </p:spTree>
     <p:extLst>
       <p:ext uri="{BB962C8B-B14F-4D97-AF65-F5344CB8AC3E}">
-        <p14:creationId xmlns:p14="http://schemas.microsoft.com/office/powerpoint/2010/main" val="870980868"/>
+        <p14:creationId xmlns:p14="http://schemas.microsoft.com/office/powerpoint/2010/main" val="3147870991"/>
       </p:ext>
     </p:extLst>
   </p:cSld>
@@ -913,7 +917,7 @@
     </p:spTree>
     <p:extLst>
       <p:ext uri="{BB962C8B-B14F-4D97-AF65-F5344CB8AC3E}">
-        <p14:creationId xmlns:p14="http://schemas.microsoft.com/office/powerpoint/2010/main" val="1597125195"/>
+        <p14:creationId xmlns:p14="http://schemas.microsoft.com/office/powerpoint/2010/main" val="870980868"/>
       </p:ext>
     </p:extLst>
   </p:cSld>
@@ -994,6 +998,95 @@
             <a:fld id="{95C99BD3-432F-864C-832B-770A01FF35E1}" type="slidenum">
               <a:rPr lang="en-US" smtClean="0"/>
               <a:t>6</a:t>
+            </a:fld>
+            <a:endParaRPr lang="en-US"/>
+          </a:p>
+        </p:txBody>
+      </p:sp>
+    </p:spTree>
+    <p:extLst>
+      <p:ext uri="{BB962C8B-B14F-4D97-AF65-F5344CB8AC3E}">
+        <p14:creationId xmlns:p14="http://schemas.microsoft.com/office/powerpoint/2010/main" val="1597125195"/>
+      </p:ext>
+    </p:extLst>
+  </p:cSld>
+  <p:clrMapOvr>
+    <a:masterClrMapping/>
+  </p:clrMapOvr>
+</p:notes>
+</file>
+
+<file path=ppt/notesSlides/notesSlide7.xml><?xml version="1.0" encoding="utf-8"?>
+<p:notes xmlns:a="http://schemas.openxmlformats.org/drawingml/2006/main" xmlns:r="http://schemas.openxmlformats.org/officeDocument/2006/relationships" xmlns:p="http://schemas.openxmlformats.org/presentationml/2006/main">
+  <p:cSld>
+    <p:spTree>
+      <p:nvGrpSpPr>
+        <p:cNvPr id="1" name=""/>
+        <p:cNvGrpSpPr/>
+        <p:nvPr/>
+      </p:nvGrpSpPr>
+      <p:grpSpPr>
+        <a:xfrm>
+          <a:off x="0" y="0"/>
+          <a:ext cx="0" cy="0"/>
+          <a:chOff x="0" y="0"/>
+          <a:chExt cx="0" cy="0"/>
+        </a:xfrm>
+      </p:grpSpPr>
+      <p:sp>
+        <p:nvSpPr>
+          <p:cNvPr id="2" name="Slide Image Placeholder 1"/>
+          <p:cNvSpPr>
+            <a:spLocks noGrp="1" noRot="1" noChangeAspect="1"/>
+          </p:cNvSpPr>
+          <p:nvPr>
+            <p:ph type="sldImg"/>
+          </p:nvPr>
+        </p:nvSpPr>
+        <p:spPr>
+          <a:xfrm>
+            <a:off x="342900" y="1143000"/>
+            <a:ext cx="6172200" cy="3086100"/>
+          </a:xfrm>
+        </p:spPr>
+      </p:sp>
+      <p:sp>
+        <p:nvSpPr>
+          <p:cNvPr id="3" name="Notes Placeholder 2"/>
+          <p:cNvSpPr>
+            <a:spLocks noGrp="1"/>
+          </p:cNvSpPr>
+          <p:nvPr>
+            <p:ph type="body" idx="1"/>
+          </p:nvPr>
+        </p:nvSpPr>
+        <p:spPr/>
+        <p:txBody>
+          <a:bodyPr/>
+          <a:lstStyle/>
+          <a:p>
+            <a:endParaRPr lang="en-US" dirty="0"/>
+          </a:p>
+        </p:txBody>
+      </p:sp>
+      <p:sp>
+        <p:nvSpPr>
+          <p:cNvPr id="4" name="Slide Number Placeholder 3"/>
+          <p:cNvSpPr>
+            <a:spLocks noGrp="1"/>
+          </p:cNvSpPr>
+          <p:nvPr>
+            <p:ph type="sldNum" sz="quarter" idx="5"/>
+          </p:nvPr>
+        </p:nvSpPr>
+        <p:spPr/>
+        <p:txBody>
+          <a:bodyPr/>
+          <a:lstStyle/>
+          <a:p>
+            <a:fld id="{95C99BD3-432F-864C-832B-770A01FF35E1}" type="slidenum">
+              <a:rPr lang="en-US" smtClean="0"/>
+              <a:t>7</a:t>
             </a:fld>
             <a:endParaRPr lang="en-US"/>
           </a:p>
@@ -11587,7 +11680,7 @@
         </p:nvSpPr>
         <p:spPr>
           <a:xfrm>
-            <a:off x="10604260" y="4622822"/>
+            <a:off x="10635755" y="4636792"/>
             <a:ext cx="956865" cy="276999"/>
           </a:xfrm>
           <a:prstGeom prst="rect">
@@ -11785,7 +11878,7 @@
         <p:spPr>
           <a:xfrm>
             <a:off x="10811460" y="7345794"/>
-            <a:ext cx="4947082" cy="1477328"/>
+            <a:ext cx="4947082" cy="1338828"/>
           </a:xfrm>
           <a:prstGeom prst="rect">
             <a:avLst/>
@@ -11844,13 +11937,6 @@
               <a:rPr lang="en-US" sz="900" dirty="0"/>
               <a:t>If a student’s true mark is a C, they are 50% likely to state their true mark. </a:t>
             </a:r>
-          </a:p>
-          <a:p>
-            <a:pPr marL="128588" indent="-128588">
-              <a:buFont typeface="Arial" panose="020B0604020202020204" pitchFamily="34" charset="0"/>
-              <a:buChar char="•"/>
-            </a:pPr>
-            <a:endParaRPr lang="en-US" sz="900" dirty="0"/>
           </a:p>
         </p:txBody>
       </p:sp>
@@ -17217,7 +17303,7 @@
         </p:nvSpPr>
         <p:spPr>
           <a:xfrm>
-            <a:off x="10594488" y="5764690"/>
+            <a:off x="10608262" y="5765636"/>
             <a:ext cx="5353476" cy="2729996"/>
           </a:xfrm>
           <a:prstGeom prst="rect">
@@ -17323,6 +17409,56 @@
 <file path=ppt/slides/slide3.xml><?xml version="1.0" encoding="utf-8"?>
 <p:sld xmlns:a="http://schemas.openxmlformats.org/drawingml/2006/main" xmlns:r="http://schemas.openxmlformats.org/officeDocument/2006/relationships" xmlns:p="http://schemas.openxmlformats.org/presentationml/2006/main">
   <p:cSld>
+    <p:bg>
+      <p:bgPr>
+        <a:gradFill flip="none" rotWithShape="1">
+          <a:gsLst>
+            <a:gs pos="18003">
+              <a:srgbClr val="E4EBF6"/>
+            </a:gs>
+            <a:gs pos="11994">
+              <a:srgbClr val="EAEFF8"/>
+            </a:gs>
+            <a:gs pos="18009">
+              <a:srgbClr val="E4EBF6"/>
+            </a:gs>
+            <a:gs pos="48025">
+              <a:srgbClr val="C5D4ED"/>
+            </a:gs>
+            <a:gs pos="72002">
+              <a:srgbClr val="ADC2E5"/>
+            </a:gs>
+            <a:gs pos="0">
+              <a:schemeClr val="accent1">
+                <a:lumMod val="5000"/>
+                <a:lumOff val="95000"/>
+              </a:schemeClr>
+            </a:gs>
+            <a:gs pos="74000">
+              <a:schemeClr val="accent1">
+                <a:lumMod val="45000"/>
+                <a:lumOff val="55000"/>
+              </a:schemeClr>
+            </a:gs>
+            <a:gs pos="83000">
+              <a:schemeClr val="accent1">
+                <a:lumMod val="45000"/>
+                <a:lumOff val="55000"/>
+              </a:schemeClr>
+            </a:gs>
+            <a:gs pos="100000">
+              <a:schemeClr val="accent1">
+                <a:lumMod val="30000"/>
+                <a:lumOff val="70000"/>
+              </a:schemeClr>
+            </a:gs>
+          </a:gsLst>
+          <a:lin ang="2700000" scaled="1"/>
+          <a:tileRect/>
+        </a:gradFill>
+        <a:effectLst/>
+      </p:bgPr>
+    </p:bg>
     <p:spTree>
       <p:nvGrpSpPr>
         <p:cNvPr id="1" name=""/>
@@ -17339,6 +17475,108 @@
       </p:grpSpPr>
       <p:sp>
         <p:nvSpPr>
+          <p:cNvPr id="838" name="Rectangle 837">
+            <a:extLst>
+              <a:ext uri="{FF2B5EF4-FFF2-40B4-BE49-F238E27FC236}">
+                <a16:creationId xmlns:a16="http://schemas.microsoft.com/office/drawing/2014/main" id="{FD5638E0-9574-F57B-15DC-4DD8A44F3B12}"/>
+              </a:ext>
+            </a:extLst>
+          </p:cNvPr>
+          <p:cNvSpPr/>
+          <p:nvPr/>
+        </p:nvSpPr>
+        <p:spPr>
+          <a:xfrm>
+            <a:off x="846915" y="12932052"/>
+            <a:ext cx="2689261" cy="2961790"/>
+          </a:xfrm>
+          <a:prstGeom prst="rect">
+            <a:avLst/>
+          </a:prstGeom>
+          <a:solidFill>
+            <a:schemeClr val="bg2">
+              <a:lumMod val="75000"/>
+            </a:schemeClr>
+          </a:solidFill>
+        </p:spPr>
+        <p:style>
+          <a:lnRef idx="2">
+            <a:schemeClr val="accent1">
+              <a:shade val="50000"/>
+            </a:schemeClr>
+          </a:lnRef>
+          <a:fillRef idx="1">
+            <a:schemeClr val="accent1"/>
+          </a:fillRef>
+          <a:effectRef idx="0">
+            <a:schemeClr val="accent1"/>
+          </a:effectRef>
+          <a:fontRef idx="minor">
+            <a:schemeClr val="lt1"/>
+          </a:fontRef>
+        </p:style>
+        <p:txBody>
+          <a:bodyPr rtlCol="0" anchor="ctr"/>
+          <a:lstStyle/>
+          <a:p>
+            <a:pPr algn="ctr"/>
+            <a:endParaRPr lang="en-US" sz="675"/>
+          </a:p>
+        </p:txBody>
+      </p:sp>
+      <p:sp>
+        <p:nvSpPr>
+          <p:cNvPr id="831" name="Rectangle 830">
+            <a:extLst>
+              <a:ext uri="{FF2B5EF4-FFF2-40B4-BE49-F238E27FC236}">
+                <a16:creationId xmlns:a16="http://schemas.microsoft.com/office/drawing/2014/main" id="{375A8B21-6712-591A-6365-A08E7517B14D}"/>
+              </a:ext>
+            </a:extLst>
+          </p:cNvPr>
+          <p:cNvSpPr/>
+          <p:nvPr/>
+        </p:nvSpPr>
+        <p:spPr>
+          <a:xfrm>
+            <a:off x="846916" y="10668553"/>
+            <a:ext cx="1521468" cy="1669203"/>
+          </a:xfrm>
+          <a:prstGeom prst="rect">
+            <a:avLst/>
+          </a:prstGeom>
+          <a:solidFill>
+            <a:schemeClr val="bg2">
+              <a:lumMod val="75000"/>
+            </a:schemeClr>
+          </a:solidFill>
+        </p:spPr>
+        <p:style>
+          <a:lnRef idx="2">
+            <a:schemeClr val="accent1">
+              <a:shade val="50000"/>
+            </a:schemeClr>
+          </a:lnRef>
+          <a:fillRef idx="1">
+            <a:schemeClr val="accent1"/>
+          </a:fillRef>
+          <a:effectRef idx="0">
+            <a:schemeClr val="accent1"/>
+          </a:effectRef>
+          <a:fontRef idx="minor">
+            <a:schemeClr val="lt1"/>
+          </a:fontRef>
+        </p:style>
+        <p:txBody>
+          <a:bodyPr rtlCol="0" anchor="ctr"/>
+          <a:lstStyle/>
+          <a:p>
+            <a:pPr algn="ctr"/>
+            <a:endParaRPr lang="en-US" sz="675"/>
+          </a:p>
+        </p:txBody>
+      </p:sp>
+      <p:sp>
+        <p:nvSpPr>
           <p:cNvPr id="770" name="TextBox 769">
             <a:extLst>
               <a:ext uri="{FF2B5EF4-FFF2-40B4-BE49-F238E27FC236}">
@@ -17394,8 +17632,8 @@
         </p:nvSpPr>
         <p:spPr>
           <a:xfrm>
-            <a:off x="11644499" y="1591603"/>
-            <a:ext cx="5408275" cy="646331"/>
+            <a:off x="5885632" y="1363700"/>
+            <a:ext cx="12202571" cy="646331"/>
           </a:xfrm>
           <a:prstGeom prst="rect">
             <a:avLst/>
@@ -17416,7 +17654,7 @@
                   </a:schemeClr>
                 </a:solidFill>
               </a:rPr>
-              <a:t>Leo Watson, Nathalie Moon</a:t>
+              <a:t>Leo Watson, Nathalie Moon ;  Department of Statistical Sciences</a:t>
             </a:r>
           </a:p>
         </p:txBody>
@@ -17465,8 +17703,8 @@
         </p:nvSpPr>
         <p:spPr>
           <a:xfrm>
-            <a:off x="467487" y="6627946"/>
-            <a:ext cx="10058400" cy="9496350"/>
+            <a:off x="434583" y="4470515"/>
+            <a:ext cx="10058400" cy="11653779"/>
           </a:xfrm>
           <a:prstGeom prst="rect">
             <a:avLst/>
@@ -17494,7 +17732,7 @@
           <a:lstStyle/>
           <a:p>
             <a:pPr algn="ctr"/>
-            <a:endParaRPr lang="en-US"/>
+            <a:endParaRPr lang="en-US" dirty="0"/>
           </a:p>
         </p:txBody>
       </p:sp>
@@ -17676,8 +17914,8 @@
         </p:nvSpPr>
         <p:spPr>
           <a:xfrm>
-            <a:off x="908189" y="3586805"/>
-            <a:ext cx="9434762" cy="3970318"/>
+            <a:off x="482736" y="2929609"/>
+            <a:ext cx="10098272" cy="584775"/>
           </a:xfrm>
           <a:prstGeom prst="rect">
             <a:avLst/>
@@ -17692,47 +17930,27 @@
           <a:p>
             <a:pPr fontAlgn="base"/>
             <a:r>
-              <a:rPr lang="en-US" sz="3600" dirty="0">
+              <a:rPr lang="en-US" sz="1600" dirty="0">
                 <a:solidFill>
                   <a:srgbClr val="333333"/>
                 </a:solidFill>
                 <a:latin typeface="Times New Roman" panose="02020603050405020304" pitchFamily="18" charset="0"/>
                 <a:cs typeface="Times New Roman" panose="02020603050405020304" pitchFamily="18" charset="0"/>
               </a:rPr>
-              <a:t>Analysis of </a:t>
-            </a:r>
-            <a:r>
-              <a:rPr lang="en-US" sz="3600" b="1" dirty="0">
+              <a:t>Analyzing </a:t>
+            </a:r>
+            <a:r>
+              <a:rPr lang="en-US" sz="1600" b="1" dirty="0">
                 <a:solidFill>
                   <a:srgbClr val="333333"/>
                 </a:solidFill>
                 <a:latin typeface="Times New Roman" panose="02020603050405020304" pitchFamily="18" charset="0"/>
                 <a:cs typeface="Times New Roman" panose="02020603050405020304" pitchFamily="18" charset="0"/>
               </a:rPr>
-              <a:t>missing data mechanisms </a:t>
-            </a:r>
-            <a:r>
-              <a:rPr lang="en-US" sz="3600" dirty="0">
-                <a:solidFill>
-                  <a:srgbClr val="333333"/>
-                </a:solidFill>
-                <a:latin typeface="Times New Roman" panose="02020603050405020304" pitchFamily="18" charset="0"/>
-                <a:cs typeface="Times New Roman" panose="02020603050405020304" pitchFamily="18" charset="0"/>
-              </a:rPr>
-              <a:t>and </a:t>
-            </a:r>
-            <a:r>
-              <a:rPr lang="en-US" sz="3600" b="1" dirty="0">
-                <a:solidFill>
-                  <a:srgbClr val="333333"/>
-                </a:solidFill>
-                <a:latin typeface="Times New Roman" panose="02020603050405020304" pitchFamily="18" charset="0"/>
-                <a:cs typeface="Times New Roman" panose="02020603050405020304" pitchFamily="18" charset="0"/>
-              </a:rPr>
-              <a:t>modern approaches to handling missing data</a:t>
-            </a:r>
-            <a:r>
-              <a:rPr lang="en-US" sz="3600" dirty="0">
+              <a:t>missing data mechanisms, modern approaches to handling missing data</a:t>
+            </a:r>
+            <a:r>
+              <a:rPr lang="en-US" sz="1600" dirty="0">
                 <a:solidFill>
                   <a:srgbClr val="333333"/>
                 </a:solidFill>
@@ -17742,7 +17960,7 @@
               <a:t>. </a:t>
             </a:r>
             <a:r>
-              <a:rPr lang="en-US" sz="3600" b="1" dirty="0">
+              <a:rPr lang="en-US" sz="1600" b="1" dirty="0">
                 <a:solidFill>
                   <a:srgbClr val="333333"/>
                 </a:solidFill>
@@ -17752,7 +17970,7 @@
               <a:t>Designing</a:t>
             </a:r>
             <a:r>
-              <a:rPr lang="en-US" sz="3600" dirty="0">
+              <a:rPr lang="en-US" sz="1600" dirty="0">
                 <a:solidFill>
                   <a:srgbClr val="333333"/>
                 </a:solidFill>
@@ -17762,7 +17980,7 @@
               <a:t> </a:t>
             </a:r>
             <a:r>
-              <a:rPr lang="en-US" sz="3600" b="1" dirty="0">
+              <a:rPr lang="en-US" sz="1600" b="1" dirty="0">
                 <a:solidFill>
                   <a:srgbClr val="333333"/>
                 </a:solidFill>
@@ -17772,37 +17990,22 @@
               <a:t>R simulations </a:t>
             </a:r>
             <a:r>
-              <a:rPr lang="en-US" sz="3600" dirty="0">
+              <a:rPr lang="en-US" sz="1600" dirty="0">
                 <a:solidFill>
                   <a:srgbClr val="333333"/>
                 </a:solidFill>
                 <a:latin typeface="Times New Roman" panose="02020603050405020304" pitchFamily="18" charset="0"/>
                 <a:cs typeface="Times New Roman" panose="02020603050405020304" pitchFamily="18" charset="0"/>
               </a:rPr>
-              <a:t>to investigate hypotheses about imputation technique.</a:t>
-            </a:r>
-            <a:br>
-              <a:rPr lang="en-US" sz="3600" dirty="0">
-                <a:solidFill>
-                  <a:srgbClr val="333333"/>
-                </a:solidFill>
-                <a:latin typeface="Times New Roman" panose="02020603050405020304" pitchFamily="18" charset="0"/>
-                <a:cs typeface="Times New Roman" panose="02020603050405020304" pitchFamily="18" charset="0"/>
-              </a:rPr>
-            </a:br>
-            <a:endParaRPr lang="en-US" sz="3600" dirty="0">
+              <a:t>to investigate hypotheses about imputation techniques.</a:t>
+            </a:r>
+            <a:endParaRPr lang="en-US" sz="1600" dirty="0">
               <a:solidFill>
                 <a:srgbClr val="000000"/>
               </a:solidFill>
               <a:latin typeface="Times New Roman" panose="02020603050405020304" pitchFamily="18" charset="0"/>
               <a:cs typeface="Times New Roman" panose="02020603050405020304" pitchFamily="18" charset="0"/>
             </a:endParaRPr>
-          </a:p>
-          <a:p>
-            <a:br>
-              <a:rPr lang="en-US" sz="3600" dirty="0"/>
-            </a:br>
-            <a:endParaRPr lang="en-US" sz="3600" dirty="0"/>
           </a:p>
         </p:txBody>
       </p:sp>
@@ -17821,7 +18024,7 @@
         <p:spPr>
           <a:xfrm>
             <a:off x="467487" y="2364787"/>
-            <a:ext cx="10058400" cy="830997"/>
+            <a:ext cx="10058400" cy="461665"/>
           </a:xfrm>
           <a:prstGeom prst="rect">
             <a:avLst/>
@@ -17842,7 +18045,7 @@
           <a:lstStyle/>
           <a:p>
             <a:r>
-              <a:rPr lang="en-US" altLang="ja-JP" sz="4800" b="1" dirty="0">
+              <a:rPr lang="en-US" altLang="ja-JP" sz="2400" b="1" dirty="0">
                 <a:solidFill>
                   <a:schemeClr val="bg1"/>
                 </a:solidFill>
@@ -17852,7 +18055,7 @@
               </a:rPr>
               <a:t> Abstract</a:t>
             </a:r>
-            <a:endParaRPr kumimoji="1" lang="ja-JP" altLang="en-US" sz="4800" b="1" dirty="0">
+            <a:endParaRPr kumimoji="1" lang="ja-JP" altLang="en-US" sz="2400" b="1" dirty="0">
               <a:solidFill>
                 <a:schemeClr val="bg1"/>
               </a:solidFill>
@@ -17877,8 +18080,8 @@
         </p:nvSpPr>
         <p:spPr>
           <a:xfrm>
-            <a:off x="467487" y="6627946"/>
-            <a:ext cx="10058400" cy="830997"/>
+            <a:off x="438913" y="4008851"/>
+            <a:ext cx="10058400" cy="461665"/>
           </a:xfrm>
           <a:prstGeom prst="rect">
             <a:avLst/>
@@ -17899,7 +18102,7 @@
           <a:lstStyle/>
           <a:p>
             <a:r>
-              <a:rPr lang="en-US" altLang="ja-JP" sz="4800" b="1" dirty="0">
+              <a:rPr lang="en-US" altLang="ja-JP" sz="2400" b="1" dirty="0">
                 <a:solidFill>
                   <a:schemeClr val="bg1"/>
                 </a:solidFill>
@@ -17907,9 +18110,9 @@
                 <a:ea typeface="Helvetica Neue" charset="0"/>
                 <a:cs typeface="Helvetica Neue" charset="0"/>
               </a:rPr>
-              <a:t> INTRODUCTION</a:t>
-            </a:r>
-            <a:endParaRPr kumimoji="1" lang="ja-JP" altLang="en-US" sz="4800" b="1" dirty="0">
+              <a:t> Introduction</a:t>
+            </a:r>
+            <a:endParaRPr kumimoji="1" lang="ja-JP" altLang="en-US" sz="2400" b="1" dirty="0">
               <a:solidFill>
                 <a:schemeClr val="bg1"/>
               </a:solidFill>
@@ -17934,8 +18137,8 @@
         </p:nvSpPr>
         <p:spPr>
           <a:xfrm>
-            <a:off x="438913" y="2341912"/>
-            <a:ext cx="10058400" cy="3940902"/>
+            <a:off x="438913" y="2341913"/>
+            <a:ext cx="10058400" cy="1172471"/>
           </a:xfrm>
           <a:prstGeom prst="rect">
             <a:avLst/>
@@ -18003,23 +18206,36 @@
           <a:lstStyle/>
           <a:p>
             <a:r>
-              <a:rPr lang="en-US" altLang="ja-JP" sz="4800" b="1" dirty="0">
+              <a:rPr lang="en-US" altLang="ja-JP" sz="2400" b="1" dirty="0">
                 <a:solidFill>
                   <a:schemeClr val="bg1"/>
                 </a:solidFill>
-                <a:latin typeface="Helvetica Neue" charset="0"/>
-                <a:ea typeface="Helvetica Neue" charset="0"/>
-                <a:cs typeface="Helvetica Neue" charset="0"/>
+                <a:latin typeface="Helvetica Neue" panose="02000503000000020004" pitchFamily="2" charset="0"/>
+                <a:ea typeface="Helvetica Neue" panose="02000503000000020004" pitchFamily="2" charset="0"/>
+                <a:cs typeface="Helvetica Neue" panose="02000503000000020004" pitchFamily="2" charset="0"/>
               </a:rPr>
-              <a:t>Investigation 1</a:t>
-            </a:r>
-            <a:endParaRPr kumimoji="1" lang="ja-JP" altLang="en-US" sz="4800" b="1" dirty="0">
+              <a:t>Investigation (1): </a:t>
+            </a:r>
+          </a:p>
+          <a:p>
+            <a:r>
+              <a:rPr lang="en-US" sz="2400" i="1" dirty="0">
+                <a:solidFill>
+                  <a:schemeClr val="bg1"/>
+                </a:solidFill>
+                <a:latin typeface="Helvetica Neue" panose="02000503000000020004" pitchFamily="2" charset="0"/>
+                <a:ea typeface="Helvetica Neue" panose="02000503000000020004" pitchFamily="2" charset="0"/>
+                <a:cs typeface="Helvetica Neue" panose="02000503000000020004" pitchFamily="2" charset="0"/>
+              </a:rPr>
+              <a:t>Multiple Imputation under varying degrees of MCAR, MAR, MNAR</a:t>
+            </a:r>
+            <a:endParaRPr kumimoji="1" lang="ja-JP" altLang="en-US" sz="2400" b="1" i="1" dirty="0">
               <a:solidFill>
                 <a:schemeClr val="bg1"/>
               </a:solidFill>
-              <a:latin typeface="Helvetica Neue" charset="0"/>
+              <a:latin typeface="Helvetica Neue" panose="02000503000000020004" pitchFamily="2" charset="0"/>
               <a:ea typeface="Helvetica Neue" charset="0"/>
-              <a:cs typeface="Helvetica Neue" charset="0"/>
+              <a:cs typeface="Helvetica Neue" panose="02000503000000020004" pitchFamily="2" charset="0"/>
             </a:endParaRPr>
           </a:p>
         </p:txBody>
@@ -18039,7 +18255,7 @@
         <p:spPr>
           <a:xfrm>
             <a:off x="22454411" y="2341911"/>
-            <a:ext cx="10048904" cy="830997"/>
+            <a:ext cx="10048904" cy="461665"/>
           </a:xfrm>
           <a:prstGeom prst="rect">
             <a:avLst/>
@@ -18060,7 +18276,7 @@
           <a:lstStyle/>
           <a:p>
             <a:r>
-              <a:rPr lang="en-US" altLang="ja-JP" sz="4800" b="1" dirty="0">
+              <a:rPr lang="en-US" altLang="ja-JP" sz="2400" b="1" dirty="0">
                 <a:solidFill>
                   <a:schemeClr val="bg1"/>
                 </a:solidFill>
@@ -18070,7 +18286,7 @@
               </a:rPr>
               <a:t>Investigation 2</a:t>
             </a:r>
-            <a:endParaRPr kumimoji="1" lang="ja-JP" altLang="en-US" sz="4800" b="1" dirty="0">
+            <a:endParaRPr kumimoji="1" lang="ja-JP" altLang="en-US" sz="2400" b="1" dirty="0">
               <a:solidFill>
                 <a:schemeClr val="bg1"/>
               </a:solidFill>
@@ -18111,6 +18327,3504 @@
           </a:prstGeom>
         </p:spPr>
       </p:pic>
+      <p:sp>
+        <p:nvSpPr>
+          <p:cNvPr id="62" name="TextBox 61">
+            <a:extLst>
+              <a:ext uri="{FF2B5EF4-FFF2-40B4-BE49-F238E27FC236}">
+                <a16:creationId xmlns:a16="http://schemas.microsoft.com/office/drawing/2014/main" id="{3BF09BE0-64DC-B462-E3B0-D0727CB13B5A}"/>
+              </a:ext>
+            </a:extLst>
+          </p:cNvPr>
+          <p:cNvSpPr txBox="1"/>
+          <p:nvPr/>
+        </p:nvSpPr>
+        <p:spPr>
+          <a:xfrm>
+            <a:off x="482736" y="4625485"/>
+            <a:ext cx="1548694" cy="369332"/>
+          </a:xfrm>
+          <a:prstGeom prst="rect">
+            <a:avLst/>
+          </a:prstGeom>
+          <a:noFill/>
+        </p:spPr>
+        <p:txBody>
+          <a:bodyPr wrap="none" rtlCol="0">
+            <a:spAutoFit/>
+          </a:bodyPr>
+          <a:lstStyle/>
+          <a:p>
+            <a:r>
+              <a:rPr lang="en-US" b="1" u="sng" dirty="0">
+                <a:solidFill>
+                  <a:schemeClr val="accent2"/>
+                </a:solidFill>
+              </a:rPr>
+              <a:t>MOTIVATIONS</a:t>
+            </a:r>
+          </a:p>
+        </p:txBody>
+      </p:sp>
+      <p:sp>
+        <p:nvSpPr>
+          <p:cNvPr id="768" name="TextBox 767">
+            <a:extLst>
+              <a:ext uri="{FF2B5EF4-FFF2-40B4-BE49-F238E27FC236}">
+                <a16:creationId xmlns:a16="http://schemas.microsoft.com/office/drawing/2014/main" id="{29C532AC-5E15-3B7E-A363-B91A8D273872}"/>
+              </a:ext>
+            </a:extLst>
+          </p:cNvPr>
+          <p:cNvSpPr txBox="1"/>
+          <p:nvPr/>
+        </p:nvSpPr>
+        <p:spPr>
+          <a:xfrm rot="10800000" flipV="1">
+            <a:off x="482736" y="6168794"/>
+            <a:ext cx="4681243" cy="369332"/>
+          </a:xfrm>
+          <a:prstGeom prst="rect">
+            <a:avLst/>
+          </a:prstGeom>
+          <a:noFill/>
+        </p:spPr>
+        <p:txBody>
+          <a:bodyPr wrap="square" rtlCol="0">
+            <a:spAutoFit/>
+          </a:bodyPr>
+          <a:lstStyle/>
+          <a:p>
+            <a:r>
+              <a:rPr lang="en-US" b="1" u="sng" dirty="0">
+                <a:solidFill>
+                  <a:schemeClr val="accent2"/>
+                </a:solidFill>
+              </a:rPr>
+              <a:t>DEFINITIONS</a:t>
+            </a:r>
+          </a:p>
+        </p:txBody>
+      </p:sp>
+      <p:sp>
+        <p:nvSpPr>
+          <p:cNvPr id="769" name="TextBox 768">
+            <a:extLst>
+              <a:ext uri="{FF2B5EF4-FFF2-40B4-BE49-F238E27FC236}">
+                <a16:creationId xmlns:a16="http://schemas.microsoft.com/office/drawing/2014/main" id="{57712033-79B4-D12E-E743-1ED066014C7C}"/>
+              </a:ext>
+            </a:extLst>
+          </p:cNvPr>
+          <p:cNvSpPr txBox="1"/>
+          <p:nvPr/>
+        </p:nvSpPr>
+        <p:spPr>
+          <a:xfrm>
+            <a:off x="795318" y="5083929"/>
+            <a:ext cx="9810022" cy="738664"/>
+          </a:xfrm>
+          <a:prstGeom prst="rect">
+            <a:avLst/>
+          </a:prstGeom>
+          <a:noFill/>
+        </p:spPr>
+        <p:txBody>
+          <a:bodyPr wrap="square" rtlCol="0">
+            <a:spAutoFit/>
+          </a:bodyPr>
+          <a:lstStyle/>
+          <a:p>
+            <a:pPr marL="214307" indent="-214307">
+              <a:buFont typeface="Arial" panose="020B0604020202020204" pitchFamily="34" charset="0"/>
+              <a:buChar char="•"/>
+            </a:pPr>
+            <a:r>
+              <a:rPr lang="en-US" sz="1400" dirty="0"/>
+              <a:t>Missing data everywhere in the real world but often troublesome &amp; swept under the rug.</a:t>
+            </a:r>
+          </a:p>
+          <a:p>
+            <a:pPr marL="214307" indent="-214307">
+              <a:buFont typeface="Arial" panose="020B0604020202020204" pitchFamily="34" charset="0"/>
+              <a:buChar char="•"/>
+            </a:pPr>
+            <a:r>
+              <a:rPr lang="en-US" sz="1400" dirty="0"/>
+              <a:t>Look into modern imputation techniques &amp; their pros/cons</a:t>
+            </a:r>
+          </a:p>
+          <a:p>
+            <a:pPr marL="671507" lvl="1" indent="-214307">
+              <a:buFont typeface="Arial" panose="020B0604020202020204" pitchFamily="34" charset="0"/>
+              <a:buChar char="•"/>
+            </a:pPr>
+            <a:r>
+              <a:rPr lang="en-US" sz="1400" dirty="0"/>
+              <a:t>Specifically, runtime and how to optimize it without sacrificing bias, error, and other performance measures.</a:t>
+            </a:r>
+          </a:p>
+        </p:txBody>
+      </p:sp>
+      <p:sp>
+        <p:nvSpPr>
+          <p:cNvPr id="781" name="TextBox 780">
+            <a:extLst>
+              <a:ext uri="{FF2B5EF4-FFF2-40B4-BE49-F238E27FC236}">
+                <a16:creationId xmlns:a16="http://schemas.microsoft.com/office/drawing/2014/main" id="{4F68CF3B-14CD-844D-1D3D-C384DAB5629E}"/>
+              </a:ext>
+            </a:extLst>
+          </p:cNvPr>
+          <p:cNvSpPr txBox="1"/>
+          <p:nvPr/>
+        </p:nvSpPr>
+        <p:spPr>
+          <a:xfrm>
+            <a:off x="795318" y="6622765"/>
+            <a:ext cx="2621102" cy="369332"/>
+          </a:xfrm>
+          <a:prstGeom prst="rect">
+            <a:avLst/>
+          </a:prstGeom>
+          <a:noFill/>
+        </p:spPr>
+        <p:txBody>
+          <a:bodyPr wrap="none" rtlCol="0">
+            <a:spAutoFit/>
+          </a:bodyPr>
+          <a:lstStyle/>
+          <a:p>
+            <a:r>
+              <a:rPr lang="en-US" u="sng" dirty="0">
+                <a:solidFill>
+                  <a:schemeClr val="accent2">
+                    <a:lumMod val="75000"/>
+                  </a:schemeClr>
+                </a:solidFill>
+              </a:rPr>
+              <a:t>Missing Data Mechanisms</a:t>
+            </a:r>
+          </a:p>
+        </p:txBody>
+      </p:sp>
+      <p:sp>
+        <p:nvSpPr>
+          <p:cNvPr id="782" name="TextBox 781">
+            <a:extLst>
+              <a:ext uri="{FF2B5EF4-FFF2-40B4-BE49-F238E27FC236}">
+                <a16:creationId xmlns:a16="http://schemas.microsoft.com/office/drawing/2014/main" id="{55061B7E-2956-03FD-A530-AEAEC6B8DACC}"/>
+              </a:ext>
+            </a:extLst>
+          </p:cNvPr>
+          <p:cNvSpPr txBox="1"/>
+          <p:nvPr/>
+        </p:nvSpPr>
+        <p:spPr>
+          <a:xfrm>
+            <a:off x="808334" y="9999311"/>
+            <a:ext cx="2329677" cy="369332"/>
+          </a:xfrm>
+          <a:prstGeom prst="rect">
+            <a:avLst/>
+          </a:prstGeom>
+          <a:noFill/>
+        </p:spPr>
+        <p:txBody>
+          <a:bodyPr wrap="none" rtlCol="0">
+            <a:spAutoFit/>
+          </a:bodyPr>
+          <a:lstStyle/>
+          <a:p>
+            <a:r>
+              <a:rPr lang="en-US" u="sng" dirty="0">
+                <a:solidFill>
+                  <a:schemeClr val="accent2">
+                    <a:lumMod val="75000"/>
+                  </a:schemeClr>
+                </a:solidFill>
+              </a:rPr>
+              <a:t>Imputation Techniques</a:t>
+            </a:r>
+          </a:p>
+        </p:txBody>
+      </p:sp>
+      <p:sp>
+        <p:nvSpPr>
+          <p:cNvPr id="784" name="TextBox 783">
+            <a:extLst>
+              <a:ext uri="{FF2B5EF4-FFF2-40B4-BE49-F238E27FC236}">
+                <a16:creationId xmlns:a16="http://schemas.microsoft.com/office/drawing/2014/main" id="{FEEC3823-FFA9-1D60-5F75-86E754FC2310}"/>
+              </a:ext>
+            </a:extLst>
+          </p:cNvPr>
+          <p:cNvSpPr txBox="1"/>
+          <p:nvPr/>
+        </p:nvSpPr>
+        <p:spPr>
+          <a:xfrm>
+            <a:off x="745266" y="7069042"/>
+            <a:ext cx="9631373" cy="523220"/>
+          </a:xfrm>
+          <a:prstGeom prst="rect">
+            <a:avLst/>
+          </a:prstGeom>
+          <a:noFill/>
+        </p:spPr>
+        <p:txBody>
+          <a:bodyPr wrap="square" rtlCol="0">
+            <a:spAutoFit/>
+          </a:bodyPr>
+          <a:lstStyle/>
+          <a:p>
+            <a:r>
+              <a:rPr lang="en-US" sz="1400" b="1" dirty="0"/>
+              <a:t>MCAR</a:t>
+            </a:r>
+            <a:r>
+              <a:rPr lang="en-US" sz="1400" dirty="0"/>
+              <a:t>: Probability of missingness for data points in a dataset is constant.</a:t>
+            </a:r>
+          </a:p>
+          <a:p>
+            <a:pPr marL="385763" lvl="1" indent="-214313">
+              <a:buFont typeface="Arial" panose="020B0604020202020204" pitchFamily="34" charset="0"/>
+              <a:buChar char="•"/>
+            </a:pPr>
+            <a:r>
+              <a:rPr lang="en-US" sz="1400" dirty="0"/>
+              <a:t>Each student’s mark is stored in a spreadsheet but following a computer update 10% of the data is deleted at random. </a:t>
+            </a:r>
+          </a:p>
+        </p:txBody>
+      </p:sp>
+      <p:sp>
+        <p:nvSpPr>
+          <p:cNvPr id="786" name="TextBox 785">
+            <a:extLst>
+              <a:ext uri="{FF2B5EF4-FFF2-40B4-BE49-F238E27FC236}">
+                <a16:creationId xmlns:a16="http://schemas.microsoft.com/office/drawing/2014/main" id="{6BEC09DC-2167-DB11-8847-E6164E951DDB}"/>
+              </a:ext>
+            </a:extLst>
+          </p:cNvPr>
+          <p:cNvSpPr txBox="1"/>
+          <p:nvPr/>
+        </p:nvSpPr>
+        <p:spPr>
+          <a:xfrm>
+            <a:off x="731180" y="7626022"/>
+            <a:ext cx="10003405" cy="954107"/>
+          </a:xfrm>
+          <a:prstGeom prst="rect">
+            <a:avLst/>
+          </a:prstGeom>
+          <a:noFill/>
+        </p:spPr>
+        <p:txBody>
+          <a:bodyPr wrap="square" rtlCol="0">
+            <a:spAutoFit/>
+          </a:bodyPr>
+          <a:lstStyle/>
+          <a:p>
+            <a:r>
+              <a:rPr lang="en-US" sz="1400" b="1" dirty="0"/>
+              <a:t>MAR</a:t>
+            </a:r>
+            <a:r>
+              <a:rPr lang="en-US" sz="1400" dirty="0"/>
+              <a:t>: Probability of missingness is dependent on some observed variable of the dataset.</a:t>
+            </a:r>
+          </a:p>
+          <a:p>
+            <a:pPr marL="300038" lvl="1" indent="-128588">
+              <a:buFont typeface="Arial" panose="020B0604020202020204" pitchFamily="34" charset="0"/>
+              <a:buChar char="•"/>
+            </a:pPr>
+            <a:r>
+              <a:rPr lang="en-US" sz="1400" dirty="0"/>
+              <a:t> Most students joined a class from day 1, but some students joined late from the waitlist. 10% of students who joined on time missed submitting the first problem set, while 30% of late students missed the first problem set. </a:t>
+            </a:r>
+          </a:p>
+          <a:p>
+            <a:pPr marL="300038" lvl="1" indent="-128588">
+              <a:buFont typeface="Arial" panose="020B0604020202020204" pitchFamily="34" charset="0"/>
+              <a:buChar char="•"/>
+            </a:pPr>
+            <a:endParaRPr lang="en-US" sz="1400" dirty="0"/>
+          </a:p>
+        </p:txBody>
+      </p:sp>
+      <p:sp>
+        <p:nvSpPr>
+          <p:cNvPr id="808" name="TextBox 807">
+            <a:extLst>
+              <a:ext uri="{FF2B5EF4-FFF2-40B4-BE49-F238E27FC236}">
+                <a16:creationId xmlns:a16="http://schemas.microsoft.com/office/drawing/2014/main" id="{21AF47E1-32BF-2A27-09B4-6F544BAA453F}"/>
+              </a:ext>
+            </a:extLst>
+          </p:cNvPr>
+          <p:cNvSpPr txBox="1"/>
+          <p:nvPr/>
+        </p:nvSpPr>
+        <p:spPr>
+          <a:xfrm>
+            <a:off x="716185" y="8413957"/>
+            <a:ext cx="9631373" cy="1384995"/>
+          </a:xfrm>
+          <a:prstGeom prst="rect">
+            <a:avLst/>
+          </a:prstGeom>
+          <a:noFill/>
+        </p:spPr>
+        <p:txBody>
+          <a:bodyPr wrap="square" rtlCol="0">
+            <a:spAutoFit/>
+          </a:bodyPr>
+          <a:lstStyle/>
+          <a:p>
+            <a:r>
+              <a:rPr lang="en-US" sz="1400" b="1" dirty="0"/>
+              <a:t>MNAR</a:t>
+            </a:r>
+            <a:r>
+              <a:rPr lang="en-US" sz="1400" dirty="0"/>
+              <a:t>: Probability of missingness dependent on true value of the data point.</a:t>
+            </a:r>
+          </a:p>
+          <a:p>
+            <a:r>
+              <a:rPr lang="en-US" sz="1400" dirty="0"/>
+              <a:t>	• Due to a system failure, the instructor loses all the students’ marks. The instructor requests the students to calculate and share their final marks to the instructor. If they don’t, the instructor will input that they got a B. </a:t>
+            </a:r>
+          </a:p>
+          <a:p>
+            <a:r>
+              <a:rPr lang="en-US" sz="1400" b="1" dirty="0"/>
+              <a:t>		– </a:t>
+            </a:r>
+            <a:r>
+              <a:rPr lang="en-US" sz="1400" dirty="0"/>
+              <a:t>If a student’s true mark is an A, they are 90% likely to state their true mark. </a:t>
+            </a:r>
+          </a:p>
+          <a:p>
+            <a:r>
+              <a:rPr lang="en-US" sz="1400" b="1" dirty="0"/>
+              <a:t>	– </a:t>
+            </a:r>
+            <a:r>
+              <a:rPr lang="en-US" sz="1400" dirty="0"/>
+              <a:t>If a student’s true mark is a C, they are 50% likely to state their true mark. </a:t>
+            </a:r>
+          </a:p>
+          <a:p>
+            <a:pPr marL="128588" indent="-128588">
+              <a:buFont typeface="Arial" panose="020B0604020202020204" pitchFamily="34" charset="0"/>
+              <a:buChar char="•"/>
+            </a:pPr>
+            <a:endParaRPr lang="en-US" sz="1400" dirty="0"/>
+          </a:p>
+        </p:txBody>
+      </p:sp>
+      <p:sp>
+        <p:nvSpPr>
+          <p:cNvPr id="816" name="TextBox 815">
+            <a:extLst>
+              <a:ext uri="{FF2B5EF4-FFF2-40B4-BE49-F238E27FC236}">
+                <a16:creationId xmlns:a16="http://schemas.microsoft.com/office/drawing/2014/main" id="{F5480F97-296F-881D-D489-C84CF733F7CA}"/>
+              </a:ext>
+            </a:extLst>
+          </p:cNvPr>
+          <p:cNvSpPr txBox="1"/>
+          <p:nvPr/>
+        </p:nvSpPr>
+        <p:spPr>
+          <a:xfrm>
+            <a:off x="846915" y="10681192"/>
+            <a:ext cx="1590906" cy="1815882"/>
+          </a:xfrm>
+          <a:prstGeom prst="rect">
+            <a:avLst/>
+          </a:prstGeom>
+          <a:noFill/>
+        </p:spPr>
+        <p:txBody>
+          <a:bodyPr wrap="square" rtlCol="0">
+            <a:spAutoFit/>
+          </a:bodyPr>
+          <a:lstStyle/>
+          <a:p>
+            <a:r>
+              <a:rPr lang="en-US" sz="1400" b="1" dirty="0"/>
+              <a:t>Listwise Deletion</a:t>
+            </a:r>
+            <a:r>
+              <a:rPr lang="en-US" sz="1400" dirty="0"/>
+              <a:t>: Eliminates all observations containing ANY missing values in variables of interest</a:t>
+            </a:r>
+          </a:p>
+          <a:p>
+            <a:r>
+              <a:rPr lang="en-US" sz="1400" dirty="0"/>
+              <a:t> </a:t>
+            </a:r>
+          </a:p>
+        </p:txBody>
+      </p:sp>
+      <p:sp>
+        <p:nvSpPr>
+          <p:cNvPr id="817" name="TextBox 816">
+            <a:extLst>
+              <a:ext uri="{FF2B5EF4-FFF2-40B4-BE49-F238E27FC236}">
+                <a16:creationId xmlns:a16="http://schemas.microsoft.com/office/drawing/2014/main" id="{F1BC8F01-AC3B-D3FB-B510-E9241D26B3A9}"/>
+              </a:ext>
+            </a:extLst>
+          </p:cNvPr>
+          <p:cNvSpPr txBox="1"/>
+          <p:nvPr/>
+        </p:nvSpPr>
+        <p:spPr>
+          <a:xfrm>
+            <a:off x="862972" y="13000742"/>
+            <a:ext cx="2689261" cy="2893100"/>
+          </a:xfrm>
+          <a:prstGeom prst="rect">
+            <a:avLst/>
+          </a:prstGeom>
+          <a:noFill/>
+        </p:spPr>
+        <p:txBody>
+          <a:bodyPr wrap="square" rtlCol="0">
+            <a:spAutoFit/>
+          </a:bodyPr>
+          <a:lstStyle/>
+          <a:p>
+            <a:r>
+              <a:rPr lang="en-US" sz="1400" b="1" dirty="0"/>
+              <a:t>Multiple Imputation</a:t>
+            </a:r>
+            <a:r>
+              <a:rPr lang="en-US" sz="1400" dirty="0"/>
+              <a:t>:</a:t>
+            </a:r>
+          </a:p>
+          <a:p>
+            <a:pPr marL="342900" lvl="1" indent="-171450">
+              <a:buFont typeface="+mj-lt"/>
+              <a:buAutoNum type="arabicPeriod"/>
+            </a:pPr>
+            <a:r>
+              <a:rPr lang="en-US" sz="1400" dirty="0"/>
+              <a:t>Takes incomplete dataset and creates multiple copies of it.</a:t>
+            </a:r>
+          </a:p>
+          <a:p>
+            <a:pPr marL="342900" lvl="1" indent="-171450">
+              <a:buFont typeface="+mj-lt"/>
+              <a:buAutoNum type="arabicPeriod"/>
+            </a:pPr>
+            <a:r>
+              <a:rPr lang="en-US" sz="1400" dirty="0"/>
+              <a:t>Impute incomplete columns with plausible values through an iterative predictive method for each copy</a:t>
+            </a:r>
+          </a:p>
+          <a:p>
+            <a:pPr marL="342900" lvl="1" indent="-171450">
+              <a:buFont typeface="+mj-lt"/>
+              <a:buAutoNum type="arabicPeriod"/>
+            </a:pPr>
+            <a:r>
+              <a:rPr lang="en-US" sz="1400" dirty="0"/>
+              <a:t>Obtain estimate for parameter of interest for each copy</a:t>
+            </a:r>
+          </a:p>
+          <a:p>
+            <a:pPr marL="342900" lvl="1" indent="-171450">
+              <a:buFont typeface="+mj-lt"/>
+              <a:buAutoNum type="arabicPeriod"/>
+            </a:pPr>
+            <a:r>
+              <a:rPr lang="en-US" sz="1400" dirty="0"/>
+              <a:t>Pool estimators together to create a single pooled estimate.</a:t>
+            </a:r>
+          </a:p>
+        </p:txBody>
+      </p:sp>
+      <p:pic>
+        <p:nvPicPr>
+          <p:cNvPr id="818" name="Picture 817">
+            <a:extLst>
+              <a:ext uri="{FF2B5EF4-FFF2-40B4-BE49-F238E27FC236}">
+                <a16:creationId xmlns:a16="http://schemas.microsoft.com/office/drawing/2014/main" id="{CC14EB81-0EF0-2560-B837-A8A46291B9D8}"/>
+              </a:ext>
+            </a:extLst>
+          </p:cNvPr>
+          <p:cNvPicPr>
+            <a:picLocks noChangeAspect="1"/>
+          </p:cNvPicPr>
+          <p:nvPr/>
+        </p:nvPicPr>
+        <p:blipFill>
+          <a:blip r:embed="rId5"/>
+          <a:stretch>
+            <a:fillRect/>
+          </a:stretch>
+        </p:blipFill>
+        <p:spPr>
+          <a:xfrm>
+            <a:off x="2480740" y="10494857"/>
+            <a:ext cx="7780880" cy="2212269"/>
+          </a:xfrm>
+          <a:prstGeom prst="rect">
+            <a:avLst/>
+          </a:prstGeom>
+        </p:spPr>
+      </p:pic>
+      <p:pic>
+        <p:nvPicPr>
+          <p:cNvPr id="819" name="Picture 818">
+            <a:extLst>
+              <a:ext uri="{FF2B5EF4-FFF2-40B4-BE49-F238E27FC236}">
+                <a16:creationId xmlns:a16="http://schemas.microsoft.com/office/drawing/2014/main" id="{468DC013-D21F-BE92-934D-F5C1DF3CC168}"/>
+              </a:ext>
+            </a:extLst>
+          </p:cNvPr>
+          <p:cNvPicPr>
+            <a:picLocks noChangeAspect="1"/>
+          </p:cNvPicPr>
+          <p:nvPr/>
+        </p:nvPicPr>
+        <p:blipFill>
+          <a:blip r:embed="rId6"/>
+          <a:stretch>
+            <a:fillRect/>
+          </a:stretch>
+        </p:blipFill>
+        <p:spPr>
+          <a:xfrm>
+            <a:off x="4288219" y="13062299"/>
+            <a:ext cx="5434081" cy="2730453"/>
+          </a:xfrm>
+          <a:prstGeom prst="rect">
+            <a:avLst/>
+          </a:prstGeom>
+        </p:spPr>
+      </p:pic>
+      <p:sp>
+        <p:nvSpPr>
+          <p:cNvPr id="820" name="正方形/長方形 17">
+            <a:extLst>
+              <a:ext uri="{FF2B5EF4-FFF2-40B4-BE49-F238E27FC236}">
+                <a16:creationId xmlns:a16="http://schemas.microsoft.com/office/drawing/2014/main" id="{D237B2C3-4D98-988E-A393-267BDBBB8FF0}"/>
+              </a:ext>
+            </a:extLst>
+          </p:cNvPr>
+          <p:cNvSpPr/>
+          <p:nvPr/>
+        </p:nvSpPr>
+        <p:spPr>
+          <a:xfrm>
+            <a:off x="648263" y="5016362"/>
+            <a:ext cx="9810023" cy="954108"/>
+          </a:xfrm>
+          <a:prstGeom prst="rect">
+            <a:avLst/>
+          </a:prstGeom>
+          <a:noFill/>
+          <a:ln w="34925">
+            <a:solidFill>
+              <a:schemeClr val="accent2"/>
+            </a:solidFill>
+          </a:ln>
+        </p:spPr>
+        <p:style>
+          <a:lnRef idx="2">
+            <a:schemeClr val="accent1">
+              <a:shade val="50000"/>
+            </a:schemeClr>
+          </a:lnRef>
+          <a:fillRef idx="1">
+            <a:schemeClr val="accent1"/>
+          </a:fillRef>
+          <a:effectRef idx="0">
+            <a:schemeClr val="accent1"/>
+          </a:effectRef>
+          <a:fontRef idx="minor">
+            <a:schemeClr val="lt1"/>
+          </a:fontRef>
+        </p:style>
+        <p:txBody>
+          <a:bodyPr rtlCol="0" anchor="ctr"/>
+          <a:lstStyle/>
+          <a:p>
+            <a:pPr algn="ctr"/>
+            <a:endParaRPr kumimoji="1" lang="ja-JP" altLang="en-US" sz="675"/>
+          </a:p>
+        </p:txBody>
+      </p:sp>
+      <p:sp>
+        <p:nvSpPr>
+          <p:cNvPr id="824" name="正方形/長方形 17">
+            <a:extLst>
+              <a:ext uri="{FF2B5EF4-FFF2-40B4-BE49-F238E27FC236}">
+                <a16:creationId xmlns:a16="http://schemas.microsoft.com/office/drawing/2014/main" id="{C08AFA42-7BEF-5A0A-7E52-FD34B65960D5}"/>
+              </a:ext>
+            </a:extLst>
+          </p:cNvPr>
+          <p:cNvSpPr/>
+          <p:nvPr/>
+        </p:nvSpPr>
+        <p:spPr>
+          <a:xfrm>
+            <a:off x="648264" y="6591987"/>
+            <a:ext cx="9775733" cy="3114935"/>
+          </a:xfrm>
+          <a:prstGeom prst="rect">
+            <a:avLst/>
+          </a:prstGeom>
+          <a:noFill/>
+          <a:ln w="34925">
+            <a:solidFill>
+              <a:schemeClr val="accent2"/>
+            </a:solidFill>
+          </a:ln>
+        </p:spPr>
+        <p:style>
+          <a:lnRef idx="2">
+            <a:schemeClr val="accent1">
+              <a:shade val="50000"/>
+            </a:schemeClr>
+          </a:lnRef>
+          <a:fillRef idx="1">
+            <a:schemeClr val="accent1"/>
+          </a:fillRef>
+          <a:effectRef idx="0">
+            <a:schemeClr val="accent1"/>
+          </a:effectRef>
+          <a:fontRef idx="minor">
+            <a:schemeClr val="lt1"/>
+          </a:fontRef>
+        </p:style>
+        <p:txBody>
+          <a:bodyPr rtlCol="0" anchor="ctr"/>
+          <a:lstStyle/>
+          <a:p>
+            <a:pPr algn="ctr"/>
+            <a:endParaRPr kumimoji="1" lang="ja-JP" altLang="en-US" sz="675"/>
+          </a:p>
+        </p:txBody>
+      </p:sp>
+      <p:sp>
+        <p:nvSpPr>
+          <p:cNvPr id="825" name="正方形/長方形 17">
+            <a:extLst>
+              <a:ext uri="{FF2B5EF4-FFF2-40B4-BE49-F238E27FC236}">
+                <a16:creationId xmlns:a16="http://schemas.microsoft.com/office/drawing/2014/main" id="{74F39CCD-8AF2-39A6-9BBF-483D53F238E2}"/>
+              </a:ext>
+            </a:extLst>
+          </p:cNvPr>
+          <p:cNvSpPr/>
+          <p:nvPr/>
+        </p:nvSpPr>
+        <p:spPr>
+          <a:xfrm>
+            <a:off x="648263" y="9976748"/>
+            <a:ext cx="9810023" cy="6078284"/>
+          </a:xfrm>
+          <a:prstGeom prst="rect">
+            <a:avLst/>
+          </a:prstGeom>
+          <a:noFill/>
+          <a:ln w="34925">
+            <a:solidFill>
+              <a:schemeClr val="accent2"/>
+            </a:solidFill>
+          </a:ln>
+        </p:spPr>
+        <p:style>
+          <a:lnRef idx="2">
+            <a:schemeClr val="accent1">
+              <a:shade val="50000"/>
+            </a:schemeClr>
+          </a:lnRef>
+          <a:fillRef idx="1">
+            <a:schemeClr val="accent1"/>
+          </a:fillRef>
+          <a:effectRef idx="0">
+            <a:schemeClr val="accent1"/>
+          </a:effectRef>
+          <a:fontRef idx="minor">
+            <a:schemeClr val="lt1"/>
+          </a:fontRef>
+        </p:style>
+        <p:txBody>
+          <a:bodyPr rtlCol="0" anchor="ctr"/>
+          <a:lstStyle/>
+          <a:p>
+            <a:pPr algn="ctr"/>
+            <a:endParaRPr kumimoji="1" lang="ja-JP" altLang="en-US" sz="675"/>
+          </a:p>
+        </p:txBody>
+      </p:sp>
+      <p:cxnSp>
+        <p:nvCxnSpPr>
+          <p:cNvPr id="840" name="Straight Connector 839">
+            <a:extLst>
+              <a:ext uri="{FF2B5EF4-FFF2-40B4-BE49-F238E27FC236}">
+                <a16:creationId xmlns:a16="http://schemas.microsoft.com/office/drawing/2014/main" id="{BE115A7B-2FAD-4003-A521-94C3108ECFF0}"/>
+              </a:ext>
+            </a:extLst>
+          </p:cNvPr>
+          <p:cNvCxnSpPr/>
+          <p:nvPr/>
+        </p:nvCxnSpPr>
+        <p:spPr>
+          <a:xfrm>
+            <a:off x="648263" y="12847919"/>
+            <a:ext cx="9844720" cy="0"/>
+          </a:xfrm>
+          <a:prstGeom prst="line">
+            <a:avLst/>
+          </a:prstGeom>
+          <a:ln w="38100">
+            <a:solidFill>
+              <a:schemeClr val="accent2">
+                <a:alpha val="16386"/>
+              </a:schemeClr>
+            </a:solidFill>
+          </a:ln>
+        </p:spPr>
+        <p:style>
+          <a:lnRef idx="1">
+            <a:schemeClr val="accent4"/>
+          </a:lnRef>
+          <a:fillRef idx="0">
+            <a:schemeClr val="accent4"/>
+          </a:fillRef>
+          <a:effectRef idx="0">
+            <a:schemeClr val="accent4"/>
+          </a:effectRef>
+          <a:fontRef idx="minor">
+            <a:schemeClr val="tx1"/>
+          </a:fontRef>
+        </p:style>
+      </p:cxnSp>
+      <mc:AlternateContent xmlns:mc="http://schemas.openxmlformats.org/markup-compatibility/2006">
+        <mc:Choice xmlns:a14="http://schemas.microsoft.com/office/drawing/2010/main" Requires="a14">
+          <p:sp>
+            <p:nvSpPr>
+              <p:cNvPr id="842" name="TextBox 841">
+                <a:extLst>
+                  <a:ext uri="{FF2B5EF4-FFF2-40B4-BE49-F238E27FC236}">
+                    <a16:creationId xmlns:a16="http://schemas.microsoft.com/office/drawing/2014/main" id="{4C3D72B9-7407-86D5-C8B5-324031B4EAF5}"/>
+                  </a:ext>
+                </a:extLst>
+              </p:cNvPr>
+              <p:cNvSpPr txBox="1"/>
+              <p:nvPr/>
+            </p:nvSpPr>
+            <p:spPr>
+              <a:xfrm>
+                <a:off x="18246380" y="4788747"/>
+                <a:ext cx="2799251" cy="1717201"/>
+              </a:xfrm>
+              <a:prstGeom prst="rect">
+                <a:avLst/>
+              </a:prstGeom>
+              <a:noFill/>
+            </p:spPr>
+            <p:txBody>
+              <a:bodyPr wrap="square" rtlCol="0">
+                <a:spAutoFit/>
+              </a:bodyPr>
+              <a:lstStyle/>
+              <a:p>
+                <a:pPr>
+                  <a:lnSpc>
+                    <a:spcPct val="150000"/>
+                  </a:lnSpc>
+                </a:pPr>
+                <a:r>
+                  <a:rPr lang="en-US" sz="1400" b="1" dirty="0"/>
+                  <a:t>Complete Data Model</a:t>
+                </a:r>
+                <a:r>
+                  <a:rPr lang="en-US" sz="1400" b="1" dirty="0">
+                    <a:sym typeface="Wingdings" pitchFamily="2" charset="2"/>
+                  </a:rPr>
+                  <a:t>s:</a:t>
+                </a:r>
+                <a:endParaRPr lang="en-US" sz="1400" b="1" dirty="0"/>
+              </a:p>
+              <a:p>
+                <a:pPr marL="300038" lvl="1" indent="-128588">
+                  <a:lnSpc>
+                    <a:spcPct val="150000"/>
+                  </a:lnSpc>
+                  <a:buFont typeface="+mj-lt"/>
+                  <a:buAutoNum type="arabicPeriod"/>
+                </a:pPr>
+                <a:r>
+                  <a:rPr lang="en-US" sz="1400" dirty="0"/>
+                  <a:t> MCAR: </a:t>
+                </a:r>
+                <a14:m>
+                  <m:oMath xmlns:m="http://schemas.openxmlformats.org/officeDocument/2006/math">
+                    <m:sSub>
+                      <m:sSubPr>
+                        <m:ctrlPr>
+                          <a:rPr lang="en-US" sz="1400" i="1">
+                            <a:latin typeface="Cambria Math" panose="02040503050406030204" pitchFamily="18" charset="0"/>
+                          </a:rPr>
+                        </m:ctrlPr>
+                      </m:sSubPr>
+                      <m:e>
+                        <m:r>
+                          <a:rPr lang="en-US" sz="1400" i="1">
+                            <a:latin typeface="Cambria Math" panose="02040503050406030204" pitchFamily="18" charset="0"/>
+                          </a:rPr>
+                          <m:t>𝑦</m:t>
+                        </m:r>
+                      </m:e>
+                      <m:sub>
+                        <m:r>
+                          <a:rPr lang="en-US" sz="1400" i="1">
+                            <a:latin typeface="Cambria Math" panose="02040503050406030204" pitchFamily="18" charset="0"/>
+                          </a:rPr>
+                          <m:t>𝑖</m:t>
+                        </m:r>
+                      </m:sub>
+                    </m:sSub>
+                    <m:r>
+                      <a:rPr lang="en-US" sz="1400" i="1">
+                        <a:latin typeface="Cambria Math" panose="02040503050406030204" pitchFamily="18" charset="0"/>
+                      </a:rPr>
+                      <m:t>=</m:t>
+                    </m:r>
+                    <m:sSub>
+                      <m:sSubPr>
+                        <m:ctrlPr>
+                          <a:rPr lang="en-US" sz="1400" i="1">
+                            <a:latin typeface="Cambria Math" panose="02040503050406030204" pitchFamily="18" charset="0"/>
+                          </a:rPr>
+                        </m:ctrlPr>
+                      </m:sSubPr>
+                      <m:e>
+                        <m:r>
+                          <a:rPr lang="en-US" sz="1400" i="1">
+                            <a:latin typeface="Cambria Math" panose="02040503050406030204" pitchFamily="18" charset="0"/>
+                          </a:rPr>
+                          <m:t>𝑥</m:t>
+                        </m:r>
+                      </m:e>
+                      <m:sub>
+                        <m:r>
+                          <a:rPr lang="en-US" sz="1400" i="1">
+                            <a:latin typeface="Cambria Math" panose="02040503050406030204" pitchFamily="18" charset="0"/>
+                          </a:rPr>
+                          <m:t>𝑖</m:t>
+                        </m:r>
+                      </m:sub>
+                    </m:sSub>
+                    <m:sSub>
+                      <m:sSubPr>
+                        <m:ctrlPr>
+                          <a:rPr lang="en-US" sz="1400" i="1">
+                            <a:latin typeface="Cambria Math" panose="02040503050406030204" pitchFamily="18" charset="0"/>
+                          </a:rPr>
+                        </m:ctrlPr>
+                      </m:sSubPr>
+                      <m:e>
+                        <m:r>
+                          <a:rPr lang="en-US" sz="1400" i="1">
+                            <a:latin typeface="Cambria Math" panose="02040503050406030204" pitchFamily="18" charset="0"/>
+                          </a:rPr>
+                          <m:t>𝛽</m:t>
+                        </m:r>
+                      </m:e>
+                      <m:sub>
+                        <m:r>
+                          <a:rPr lang="en-US" sz="1400" i="1">
+                            <a:latin typeface="Cambria Math" panose="02040503050406030204" pitchFamily="18" charset="0"/>
+                          </a:rPr>
+                          <m:t>1,</m:t>
+                        </m:r>
+                      </m:sub>
+                    </m:sSub>
+                    <m:r>
+                      <a:rPr lang="en-US" sz="1400" i="1">
+                        <a:latin typeface="Cambria Math" panose="02040503050406030204" pitchFamily="18" charset="0"/>
+                      </a:rPr>
+                      <m:t>+</m:t>
+                    </m:r>
+                    <m:sSub>
+                      <m:sSubPr>
+                        <m:ctrlPr>
+                          <a:rPr lang="en-US" sz="1400" i="1">
+                            <a:latin typeface="Cambria Math" panose="02040503050406030204" pitchFamily="18" charset="0"/>
+                          </a:rPr>
+                        </m:ctrlPr>
+                      </m:sSubPr>
+                      <m:e>
+                        <m:r>
+                          <a:rPr lang="en-US" sz="1400" i="1">
+                            <a:latin typeface="Cambria Math" panose="02040503050406030204" pitchFamily="18" charset="0"/>
+                          </a:rPr>
+                          <m:t>𝜖</m:t>
+                        </m:r>
+                      </m:e>
+                      <m:sub>
+                        <m:r>
+                          <a:rPr lang="en-US" sz="1400" i="1">
+                            <a:latin typeface="Cambria Math" panose="02040503050406030204" pitchFamily="18" charset="0"/>
+                          </a:rPr>
+                          <m:t>𝑖</m:t>
+                        </m:r>
+                      </m:sub>
+                    </m:sSub>
+                  </m:oMath>
+                </a14:m>
+                <a:endParaRPr lang="en-US" sz="1400" dirty="0"/>
+              </a:p>
+              <a:p>
+                <a:pPr marL="300038" lvl="1" indent="-128588">
+                  <a:lnSpc>
+                    <a:spcPct val="150000"/>
+                  </a:lnSpc>
+                  <a:buFont typeface="+mj-lt"/>
+                  <a:buAutoNum type="arabicPeriod"/>
+                </a:pPr>
+                <a:r>
+                  <a:rPr lang="en-US" sz="1400" dirty="0"/>
+                  <a:t> MAR: </a:t>
+                </a:r>
+                <a14:m>
+                  <m:oMath xmlns:m="http://schemas.openxmlformats.org/officeDocument/2006/math">
+                    <m:sSub>
+                      <m:sSubPr>
+                        <m:ctrlPr>
+                          <a:rPr lang="en-US" sz="1400" i="1">
+                            <a:latin typeface="Cambria Math" panose="02040503050406030204" pitchFamily="18" charset="0"/>
+                          </a:rPr>
+                        </m:ctrlPr>
+                      </m:sSubPr>
+                      <m:e>
+                        <m:r>
+                          <a:rPr lang="en-US" sz="1400" i="1">
+                            <a:latin typeface="Cambria Math" panose="02040503050406030204" pitchFamily="18" charset="0"/>
+                          </a:rPr>
+                          <m:t>𝑦</m:t>
+                        </m:r>
+                      </m:e>
+                      <m:sub>
+                        <m:r>
+                          <a:rPr lang="en-US" sz="1400" i="1">
+                            <a:latin typeface="Cambria Math" panose="02040503050406030204" pitchFamily="18" charset="0"/>
+                          </a:rPr>
+                          <m:t>𝑖</m:t>
+                        </m:r>
+                      </m:sub>
+                    </m:sSub>
+                    <m:r>
+                      <a:rPr lang="en-US" sz="1400" i="1">
+                        <a:latin typeface="Cambria Math" panose="02040503050406030204" pitchFamily="18" charset="0"/>
+                      </a:rPr>
+                      <m:t>=</m:t>
+                    </m:r>
+                    <m:sSub>
+                      <m:sSubPr>
+                        <m:ctrlPr>
+                          <a:rPr lang="en-US" sz="1400" i="1">
+                            <a:latin typeface="Cambria Math" panose="02040503050406030204" pitchFamily="18" charset="0"/>
+                          </a:rPr>
+                        </m:ctrlPr>
+                      </m:sSubPr>
+                      <m:e>
+                        <m:r>
+                          <a:rPr lang="en-US" sz="1400" i="1">
+                            <a:latin typeface="Cambria Math" panose="02040503050406030204" pitchFamily="18" charset="0"/>
+                          </a:rPr>
+                          <m:t>𝑥</m:t>
+                        </m:r>
+                      </m:e>
+                      <m:sub>
+                        <m:r>
+                          <a:rPr lang="en-US" sz="1400" i="1">
+                            <a:latin typeface="Cambria Math" panose="02040503050406030204" pitchFamily="18" charset="0"/>
+                          </a:rPr>
+                          <m:t>1,</m:t>
+                        </m:r>
+                        <m:r>
+                          <a:rPr lang="en-US" sz="1400" i="1">
+                            <a:latin typeface="Cambria Math" panose="02040503050406030204" pitchFamily="18" charset="0"/>
+                          </a:rPr>
+                          <m:t>𝑖</m:t>
+                        </m:r>
+                      </m:sub>
+                    </m:sSub>
+                    <m:sSub>
+                      <m:sSubPr>
+                        <m:ctrlPr>
+                          <a:rPr lang="en-US" sz="1400" i="1">
+                            <a:latin typeface="Cambria Math" panose="02040503050406030204" pitchFamily="18" charset="0"/>
+                          </a:rPr>
+                        </m:ctrlPr>
+                      </m:sSubPr>
+                      <m:e>
+                        <m:r>
+                          <a:rPr lang="en-US" sz="1400" i="1">
+                            <a:latin typeface="Cambria Math" panose="02040503050406030204" pitchFamily="18" charset="0"/>
+                          </a:rPr>
+                          <m:t>𝛽</m:t>
+                        </m:r>
+                      </m:e>
+                      <m:sub>
+                        <m:r>
+                          <a:rPr lang="en-US" sz="1400" i="1">
+                            <a:latin typeface="Cambria Math" panose="02040503050406030204" pitchFamily="18" charset="0"/>
+                          </a:rPr>
+                          <m:t>1</m:t>
+                        </m:r>
+                      </m:sub>
+                    </m:sSub>
+                    <m:r>
+                      <a:rPr lang="en-US" sz="1400" i="1">
+                        <a:latin typeface="Cambria Math" panose="02040503050406030204" pitchFamily="18" charset="0"/>
+                      </a:rPr>
+                      <m:t>+</m:t>
+                    </m:r>
+                    <m:sSub>
+                      <m:sSubPr>
+                        <m:ctrlPr>
+                          <a:rPr lang="en-US" sz="1400" i="1">
+                            <a:latin typeface="Cambria Math" panose="02040503050406030204" pitchFamily="18" charset="0"/>
+                          </a:rPr>
+                        </m:ctrlPr>
+                      </m:sSubPr>
+                      <m:e>
+                        <m:r>
+                          <a:rPr lang="en-US" sz="1400" i="1">
+                            <a:latin typeface="Cambria Math" panose="02040503050406030204" pitchFamily="18" charset="0"/>
+                          </a:rPr>
+                          <m:t>𝑥</m:t>
+                        </m:r>
+                      </m:e>
+                      <m:sub>
+                        <m:r>
+                          <a:rPr lang="en-US" sz="1400" i="1">
+                            <a:latin typeface="Cambria Math" panose="02040503050406030204" pitchFamily="18" charset="0"/>
+                          </a:rPr>
+                          <m:t>2,</m:t>
+                        </m:r>
+                        <m:r>
+                          <a:rPr lang="en-US" sz="1400" i="1">
+                            <a:latin typeface="Cambria Math" panose="02040503050406030204" pitchFamily="18" charset="0"/>
+                          </a:rPr>
+                          <m:t>𝑖</m:t>
+                        </m:r>
+                      </m:sub>
+                    </m:sSub>
+                    <m:sSub>
+                      <m:sSubPr>
+                        <m:ctrlPr>
+                          <a:rPr lang="en-US" sz="1400" i="1">
+                            <a:latin typeface="Cambria Math" panose="02040503050406030204" pitchFamily="18" charset="0"/>
+                          </a:rPr>
+                        </m:ctrlPr>
+                      </m:sSubPr>
+                      <m:e>
+                        <m:r>
+                          <a:rPr lang="en-US" sz="1400" i="1">
+                            <a:latin typeface="Cambria Math" panose="02040503050406030204" pitchFamily="18" charset="0"/>
+                          </a:rPr>
+                          <m:t>𝛽</m:t>
+                        </m:r>
+                      </m:e>
+                      <m:sub>
+                        <m:r>
+                          <a:rPr lang="en-US" sz="1400" i="1">
+                            <a:latin typeface="Cambria Math" panose="02040503050406030204" pitchFamily="18" charset="0"/>
+                          </a:rPr>
+                          <m:t>2</m:t>
+                        </m:r>
+                      </m:sub>
+                    </m:sSub>
+                    <m:r>
+                      <a:rPr lang="en-US" sz="1400" i="1">
+                        <a:latin typeface="Cambria Math" panose="02040503050406030204" pitchFamily="18" charset="0"/>
+                      </a:rPr>
+                      <m:t>+</m:t>
+                    </m:r>
+                    <m:sSub>
+                      <m:sSubPr>
+                        <m:ctrlPr>
+                          <a:rPr lang="en-US" sz="1400" i="1">
+                            <a:latin typeface="Cambria Math" panose="02040503050406030204" pitchFamily="18" charset="0"/>
+                          </a:rPr>
+                        </m:ctrlPr>
+                      </m:sSubPr>
+                      <m:e>
+                        <m:r>
+                          <a:rPr lang="en-US" sz="1400" i="1">
+                            <a:latin typeface="Cambria Math" panose="02040503050406030204" pitchFamily="18" charset="0"/>
+                          </a:rPr>
+                          <m:t>𝜖</m:t>
+                        </m:r>
+                      </m:e>
+                      <m:sub>
+                        <m:r>
+                          <a:rPr lang="en-US" sz="1400" i="1">
+                            <a:latin typeface="Cambria Math" panose="02040503050406030204" pitchFamily="18" charset="0"/>
+                          </a:rPr>
+                          <m:t>𝑖</m:t>
+                        </m:r>
+                      </m:sub>
+                    </m:sSub>
+                  </m:oMath>
+                </a14:m>
+                <a:endParaRPr lang="en-US" sz="1400" dirty="0"/>
+              </a:p>
+              <a:p>
+                <a:pPr marL="300038" lvl="1" indent="-128588">
+                  <a:lnSpc>
+                    <a:spcPct val="150000"/>
+                  </a:lnSpc>
+                  <a:buFont typeface="+mj-lt"/>
+                  <a:buAutoNum type="arabicPeriod"/>
+                </a:pPr>
+                <a:r>
+                  <a:rPr lang="en-US" sz="1400" dirty="0"/>
+                  <a:t> MNAR: </a:t>
+                </a:r>
+                <a14:m>
+                  <m:oMath xmlns:m="http://schemas.openxmlformats.org/officeDocument/2006/math">
+                    <m:sSub>
+                      <m:sSubPr>
+                        <m:ctrlPr>
+                          <a:rPr lang="en-US" sz="1400" i="1">
+                            <a:latin typeface="Cambria Math" panose="02040503050406030204" pitchFamily="18" charset="0"/>
+                          </a:rPr>
+                        </m:ctrlPr>
+                      </m:sSubPr>
+                      <m:e>
+                        <m:r>
+                          <a:rPr lang="en-US" sz="1400" i="1">
+                            <a:latin typeface="Cambria Math" panose="02040503050406030204" pitchFamily="18" charset="0"/>
+                          </a:rPr>
+                          <m:t>𝑦</m:t>
+                        </m:r>
+                      </m:e>
+                      <m:sub>
+                        <m:r>
+                          <a:rPr lang="en-US" sz="1400" i="1">
+                            <a:latin typeface="Cambria Math" panose="02040503050406030204" pitchFamily="18" charset="0"/>
+                          </a:rPr>
+                          <m:t>𝑖</m:t>
+                        </m:r>
+                      </m:sub>
+                    </m:sSub>
+                    <m:r>
+                      <a:rPr lang="en-US" sz="1400" i="1">
+                        <a:latin typeface="Cambria Math" panose="02040503050406030204" pitchFamily="18" charset="0"/>
+                      </a:rPr>
+                      <m:t>=</m:t>
+                    </m:r>
+                    <m:sSub>
+                      <m:sSubPr>
+                        <m:ctrlPr>
+                          <a:rPr lang="en-US" sz="1400" i="1">
+                            <a:latin typeface="Cambria Math" panose="02040503050406030204" pitchFamily="18" charset="0"/>
+                          </a:rPr>
+                        </m:ctrlPr>
+                      </m:sSubPr>
+                      <m:e>
+                        <m:r>
+                          <a:rPr lang="en-US" sz="1400" i="1">
+                            <a:latin typeface="Cambria Math" panose="02040503050406030204" pitchFamily="18" charset="0"/>
+                          </a:rPr>
+                          <m:t>𝑥</m:t>
+                        </m:r>
+                      </m:e>
+                      <m:sub>
+                        <m:r>
+                          <a:rPr lang="en-US" sz="1400" i="1">
+                            <a:latin typeface="Cambria Math" panose="02040503050406030204" pitchFamily="18" charset="0"/>
+                          </a:rPr>
+                          <m:t>𝑖</m:t>
+                        </m:r>
+                      </m:sub>
+                    </m:sSub>
+                    <m:sSub>
+                      <m:sSubPr>
+                        <m:ctrlPr>
+                          <a:rPr lang="en-US" sz="1400" i="1">
+                            <a:latin typeface="Cambria Math" panose="02040503050406030204" pitchFamily="18" charset="0"/>
+                          </a:rPr>
+                        </m:ctrlPr>
+                      </m:sSubPr>
+                      <m:e>
+                        <m:r>
+                          <a:rPr lang="en-US" sz="1400" i="1">
+                            <a:latin typeface="Cambria Math" panose="02040503050406030204" pitchFamily="18" charset="0"/>
+                          </a:rPr>
+                          <m:t>𝛽</m:t>
+                        </m:r>
+                      </m:e>
+                      <m:sub>
+                        <m:r>
+                          <a:rPr lang="en-US" sz="1400" i="1">
+                            <a:latin typeface="Cambria Math" panose="02040503050406030204" pitchFamily="18" charset="0"/>
+                          </a:rPr>
+                          <m:t>1,</m:t>
+                        </m:r>
+                      </m:sub>
+                    </m:sSub>
+                    <m:r>
+                      <a:rPr lang="en-US" sz="1400" i="1">
+                        <a:latin typeface="Cambria Math" panose="02040503050406030204" pitchFamily="18" charset="0"/>
+                      </a:rPr>
+                      <m:t>+</m:t>
+                    </m:r>
+                    <m:sSub>
+                      <m:sSubPr>
+                        <m:ctrlPr>
+                          <a:rPr lang="en-US" sz="1400" i="1">
+                            <a:latin typeface="Cambria Math" panose="02040503050406030204" pitchFamily="18" charset="0"/>
+                          </a:rPr>
+                        </m:ctrlPr>
+                      </m:sSubPr>
+                      <m:e>
+                        <m:r>
+                          <a:rPr lang="en-US" sz="1400" i="1">
+                            <a:latin typeface="Cambria Math" panose="02040503050406030204" pitchFamily="18" charset="0"/>
+                          </a:rPr>
+                          <m:t>𝜖</m:t>
+                        </m:r>
+                      </m:e>
+                      <m:sub>
+                        <m:r>
+                          <a:rPr lang="en-US" sz="1400" i="1">
+                            <a:latin typeface="Cambria Math" panose="02040503050406030204" pitchFamily="18" charset="0"/>
+                          </a:rPr>
+                          <m:t>𝑖</m:t>
+                        </m:r>
+                      </m:sub>
+                    </m:sSub>
+                  </m:oMath>
+                </a14:m>
+                <a:endParaRPr lang="en-US" sz="1400" dirty="0"/>
+              </a:p>
+              <a:p>
+                <a:pPr marL="128588" indent="-128588">
+                  <a:lnSpc>
+                    <a:spcPct val="150000"/>
+                  </a:lnSpc>
+                  <a:buFont typeface="+mj-lt"/>
+                  <a:buAutoNum type="arabicPeriod"/>
+                </a:pPr>
+                <a:endParaRPr lang="en-US" sz="1400" dirty="0"/>
+              </a:p>
+            </p:txBody>
+          </p:sp>
+        </mc:Choice>
+        <mc:Fallback>
+          <p:sp>
+            <p:nvSpPr>
+              <p:cNvPr id="842" name="TextBox 841">
+                <a:extLst>
+                  <a:ext uri="{FF2B5EF4-FFF2-40B4-BE49-F238E27FC236}">
+                    <a16:creationId xmlns:a16="http://schemas.microsoft.com/office/drawing/2014/main" id="{4C3D72B9-7407-86D5-C8B5-324031B4EAF5}"/>
+                  </a:ext>
+                </a:extLst>
+              </p:cNvPr>
+              <p:cNvSpPr txBox="1">
+                <a:spLocks noRot="1" noChangeAspect="1" noMove="1" noResize="1" noEditPoints="1" noAdjustHandles="1" noChangeArrowheads="1" noChangeShapeType="1" noTextEdit="1"/>
+              </p:cNvSpPr>
+              <p:nvPr/>
+            </p:nvSpPr>
+            <p:spPr>
+              <a:xfrm>
+                <a:off x="18246380" y="4788747"/>
+                <a:ext cx="2799251" cy="1717201"/>
+              </a:xfrm>
+              <a:prstGeom prst="rect">
+                <a:avLst/>
+              </a:prstGeom>
+              <a:blipFill>
+                <a:blip r:embed="rId7"/>
+                <a:stretch>
+                  <a:fillRect l="-452"/>
+                </a:stretch>
+              </a:blipFill>
+            </p:spPr>
+            <p:txBody>
+              <a:bodyPr/>
+              <a:lstStyle/>
+              <a:p>
+                <a:r>
+                  <a:rPr lang="en-US">
+                    <a:noFill/>
+                  </a:rPr>
+                  <a:t> </a:t>
+                </a:r>
+              </a:p>
+            </p:txBody>
+          </p:sp>
+        </mc:Fallback>
+      </mc:AlternateContent>
+      <p:pic>
+        <p:nvPicPr>
+          <p:cNvPr id="843" name="Picture 842" descr="Graphical user interface, text, application, chat or text message&#10;&#10;Description automatically generated">
+            <a:extLst>
+              <a:ext uri="{FF2B5EF4-FFF2-40B4-BE49-F238E27FC236}">
+                <a16:creationId xmlns:a16="http://schemas.microsoft.com/office/drawing/2014/main" id="{A844ED1F-C030-30C0-1B3D-D4129F011111}"/>
+              </a:ext>
+            </a:extLst>
+          </p:cNvPr>
+          <p:cNvPicPr>
+            <a:picLocks noChangeAspect="1"/>
+          </p:cNvPicPr>
+          <p:nvPr/>
+        </p:nvPicPr>
+        <p:blipFill rotWithShape="1">
+          <a:blip r:embed="rId8"/>
+          <a:srcRect l="-457" t="-577" r="35842" b="2707"/>
+          <a:stretch/>
+        </p:blipFill>
+        <p:spPr>
+          <a:xfrm>
+            <a:off x="23519768" y="6017382"/>
+            <a:ext cx="2580214" cy="1379587"/>
+          </a:xfrm>
+          <a:prstGeom prst="rect">
+            <a:avLst/>
+          </a:prstGeom>
+        </p:spPr>
+      </p:pic>
+      <p:pic>
+        <p:nvPicPr>
+          <p:cNvPr id="844" name="Picture 843" descr="A picture containing logo&#10;&#10;Description automatically generated">
+            <a:extLst>
+              <a:ext uri="{FF2B5EF4-FFF2-40B4-BE49-F238E27FC236}">
+                <a16:creationId xmlns:a16="http://schemas.microsoft.com/office/drawing/2014/main" id="{28DA62CF-4797-4753-CA5F-F9B31F62CC26}"/>
+              </a:ext>
+            </a:extLst>
+          </p:cNvPr>
+          <p:cNvPicPr>
+            <a:picLocks noChangeAspect="1"/>
+          </p:cNvPicPr>
+          <p:nvPr/>
+        </p:nvPicPr>
+        <p:blipFill rotWithShape="1">
+          <a:blip r:embed="rId9"/>
+          <a:srcRect r="39707" b="1110"/>
+          <a:stretch/>
+        </p:blipFill>
+        <p:spPr>
+          <a:xfrm>
+            <a:off x="23510954" y="5350417"/>
+            <a:ext cx="2561470" cy="757274"/>
+          </a:xfrm>
+          <a:prstGeom prst="rect">
+            <a:avLst/>
+          </a:prstGeom>
+        </p:spPr>
+      </p:pic>
+      <p:pic>
+        <p:nvPicPr>
+          <p:cNvPr id="845" name="Picture 844" descr="A picture containing graphical user interface&#10;&#10;Description automatically generated">
+            <a:extLst>
+              <a:ext uri="{FF2B5EF4-FFF2-40B4-BE49-F238E27FC236}">
+                <a16:creationId xmlns:a16="http://schemas.microsoft.com/office/drawing/2014/main" id="{0519BF7D-6703-9205-C7B3-58A43B1A401A}"/>
+              </a:ext>
+            </a:extLst>
+          </p:cNvPr>
+          <p:cNvPicPr>
+            <a:picLocks noChangeAspect="1"/>
+          </p:cNvPicPr>
+          <p:nvPr/>
+        </p:nvPicPr>
+        <p:blipFill rotWithShape="1">
+          <a:blip r:embed="rId10"/>
+          <a:srcRect r="47678" b="-494"/>
+          <a:stretch/>
+        </p:blipFill>
+        <p:spPr>
+          <a:xfrm>
+            <a:off x="23519767" y="4794436"/>
+            <a:ext cx="2222809" cy="681334"/>
+          </a:xfrm>
+          <a:prstGeom prst="rect">
+            <a:avLst/>
+          </a:prstGeom>
+        </p:spPr>
+      </p:pic>
+      <p:pic>
+        <p:nvPicPr>
+          <p:cNvPr id="846" name="Picture 845" descr="Text&#10;&#10;Description automatically generated">
+            <a:extLst>
+              <a:ext uri="{FF2B5EF4-FFF2-40B4-BE49-F238E27FC236}">
+                <a16:creationId xmlns:a16="http://schemas.microsoft.com/office/drawing/2014/main" id="{AA278546-AEC3-B2CF-632E-AE0C472B3616}"/>
+              </a:ext>
+            </a:extLst>
+          </p:cNvPr>
+          <p:cNvPicPr>
+            <a:picLocks noChangeAspect="1"/>
+          </p:cNvPicPr>
+          <p:nvPr/>
+        </p:nvPicPr>
+        <p:blipFill rotWithShape="1">
+          <a:blip r:embed="rId11"/>
+          <a:srcRect t="1" r="33869" b="460"/>
+          <a:stretch/>
+        </p:blipFill>
+        <p:spPr>
+          <a:xfrm>
+            <a:off x="23519768" y="4042544"/>
+            <a:ext cx="2574223" cy="869059"/>
+          </a:xfrm>
+          <a:prstGeom prst="rect">
+            <a:avLst/>
+          </a:prstGeom>
+        </p:spPr>
+      </p:pic>
+      <p:pic>
+        <p:nvPicPr>
+          <p:cNvPr id="847" name="Picture 846" descr="Text&#10;&#10;Description automatically generated with medium confidence">
+            <a:extLst>
+              <a:ext uri="{FF2B5EF4-FFF2-40B4-BE49-F238E27FC236}">
+                <a16:creationId xmlns:a16="http://schemas.microsoft.com/office/drawing/2014/main" id="{EBA14750-CA94-DAC3-1B69-FEB988D23C4F}"/>
+              </a:ext>
+            </a:extLst>
+          </p:cNvPr>
+          <p:cNvPicPr>
+            <a:picLocks noChangeAspect="1"/>
+          </p:cNvPicPr>
+          <p:nvPr/>
+        </p:nvPicPr>
+        <p:blipFill rotWithShape="1">
+          <a:blip r:embed="rId12"/>
+          <a:srcRect r="48588" b="1014"/>
+          <a:stretch/>
+        </p:blipFill>
+        <p:spPr>
+          <a:xfrm>
+            <a:off x="26289738" y="5197102"/>
+            <a:ext cx="2159078" cy="869059"/>
+          </a:xfrm>
+          <a:prstGeom prst="rect">
+            <a:avLst/>
+          </a:prstGeom>
+        </p:spPr>
+      </p:pic>
+      <p:pic>
+        <p:nvPicPr>
+          <p:cNvPr id="848" name="Picture 847" descr="Text&#10;&#10;Description automatically generated">
+            <a:extLst>
+              <a:ext uri="{FF2B5EF4-FFF2-40B4-BE49-F238E27FC236}">
+                <a16:creationId xmlns:a16="http://schemas.microsoft.com/office/drawing/2014/main" id="{F3EA541B-65D9-4BB8-248C-5F4B44BE2242}"/>
+              </a:ext>
+            </a:extLst>
+          </p:cNvPr>
+          <p:cNvPicPr>
+            <a:picLocks noChangeAspect="1"/>
+          </p:cNvPicPr>
+          <p:nvPr/>
+        </p:nvPicPr>
+        <p:blipFill rotWithShape="1">
+          <a:blip r:embed="rId13"/>
+          <a:srcRect r="18638" b="3007"/>
+          <a:stretch/>
+        </p:blipFill>
+        <p:spPr>
+          <a:xfrm>
+            <a:off x="26263723" y="6085341"/>
+            <a:ext cx="2580213" cy="1302246"/>
+          </a:xfrm>
+          <a:prstGeom prst="rect">
+            <a:avLst/>
+          </a:prstGeom>
+        </p:spPr>
+      </p:pic>
+      <p:pic>
+        <p:nvPicPr>
+          <p:cNvPr id="849" name="Picture 848">
+            <a:extLst>
+              <a:ext uri="{FF2B5EF4-FFF2-40B4-BE49-F238E27FC236}">
+                <a16:creationId xmlns:a16="http://schemas.microsoft.com/office/drawing/2014/main" id="{0D110C46-97EB-7E4D-DFAF-E0ADB195FB94}"/>
+              </a:ext>
+            </a:extLst>
+          </p:cNvPr>
+          <p:cNvPicPr>
+            <a:picLocks noChangeAspect="1"/>
+          </p:cNvPicPr>
+          <p:nvPr/>
+        </p:nvPicPr>
+        <p:blipFill rotWithShape="1">
+          <a:blip r:embed="rId14"/>
+          <a:srcRect t="-9705" r="42362" b="-1"/>
+          <a:stretch/>
+        </p:blipFill>
+        <p:spPr>
+          <a:xfrm>
+            <a:off x="26289738" y="5068977"/>
+            <a:ext cx="2448670" cy="165879"/>
+          </a:xfrm>
+          <a:prstGeom prst="rect">
+            <a:avLst/>
+          </a:prstGeom>
+        </p:spPr>
+      </p:pic>
+      <p:sp>
+        <p:nvSpPr>
+          <p:cNvPr id="850" name="正方形/長方形 17">
+            <a:extLst>
+              <a:ext uri="{FF2B5EF4-FFF2-40B4-BE49-F238E27FC236}">
+                <a16:creationId xmlns:a16="http://schemas.microsoft.com/office/drawing/2014/main" id="{BB35B240-CE9E-297E-EA83-72509E66AECE}"/>
+              </a:ext>
+            </a:extLst>
+          </p:cNvPr>
+          <p:cNvSpPr/>
+          <p:nvPr/>
+        </p:nvSpPr>
+        <p:spPr>
+          <a:xfrm>
+            <a:off x="23480078" y="3889504"/>
+            <a:ext cx="2661496" cy="3585312"/>
+          </a:xfrm>
+          <a:prstGeom prst="rect">
+            <a:avLst/>
+          </a:prstGeom>
+          <a:noFill/>
+          <a:ln w="34925">
+            <a:solidFill>
+              <a:schemeClr val="accent2"/>
+            </a:solidFill>
+          </a:ln>
+        </p:spPr>
+        <p:style>
+          <a:lnRef idx="2">
+            <a:schemeClr val="accent1">
+              <a:shade val="50000"/>
+            </a:schemeClr>
+          </a:lnRef>
+          <a:fillRef idx="1">
+            <a:schemeClr val="accent1"/>
+          </a:fillRef>
+          <a:effectRef idx="0">
+            <a:schemeClr val="accent1"/>
+          </a:effectRef>
+          <a:fontRef idx="minor">
+            <a:schemeClr val="lt1"/>
+          </a:fontRef>
+        </p:style>
+        <p:txBody>
+          <a:bodyPr rtlCol="0" anchor="ctr"/>
+          <a:lstStyle/>
+          <a:p>
+            <a:pPr algn="ctr"/>
+            <a:endParaRPr kumimoji="1" lang="ja-JP" altLang="en-US" sz="675"/>
+          </a:p>
+        </p:txBody>
+      </p:sp>
+      <p:sp>
+        <p:nvSpPr>
+          <p:cNvPr id="851" name="正方形/長方形 17">
+            <a:extLst>
+              <a:ext uri="{FF2B5EF4-FFF2-40B4-BE49-F238E27FC236}">
+                <a16:creationId xmlns:a16="http://schemas.microsoft.com/office/drawing/2014/main" id="{1412A99F-5006-7166-46EE-EFD8F59CF1A9}"/>
+              </a:ext>
+            </a:extLst>
+          </p:cNvPr>
+          <p:cNvSpPr/>
+          <p:nvPr/>
+        </p:nvSpPr>
+        <p:spPr>
+          <a:xfrm>
+            <a:off x="26186644" y="3884581"/>
+            <a:ext cx="2661496" cy="3585312"/>
+          </a:xfrm>
+          <a:prstGeom prst="rect">
+            <a:avLst/>
+          </a:prstGeom>
+          <a:noFill/>
+          <a:ln w="34925">
+            <a:solidFill>
+              <a:schemeClr val="accent2"/>
+            </a:solidFill>
+          </a:ln>
+        </p:spPr>
+        <p:style>
+          <a:lnRef idx="2">
+            <a:schemeClr val="accent1">
+              <a:shade val="50000"/>
+            </a:schemeClr>
+          </a:lnRef>
+          <a:fillRef idx="1">
+            <a:schemeClr val="accent1"/>
+          </a:fillRef>
+          <a:effectRef idx="0">
+            <a:schemeClr val="accent1"/>
+          </a:effectRef>
+          <a:fontRef idx="minor">
+            <a:schemeClr val="lt1"/>
+          </a:fontRef>
+        </p:style>
+        <p:txBody>
+          <a:bodyPr rtlCol="0" anchor="ctr"/>
+          <a:lstStyle/>
+          <a:p>
+            <a:pPr algn="ctr"/>
+            <a:endParaRPr kumimoji="1" lang="ja-JP" altLang="en-US" sz="675"/>
+          </a:p>
+        </p:txBody>
+      </p:sp>
+      <p:graphicFrame>
+        <p:nvGraphicFramePr>
+          <p:cNvPr id="852" name="Table 2">
+            <a:extLst>
+              <a:ext uri="{FF2B5EF4-FFF2-40B4-BE49-F238E27FC236}">
+                <a16:creationId xmlns:a16="http://schemas.microsoft.com/office/drawing/2014/main" id="{FBEDA757-8B7B-5AFE-32A6-7911EC3B7182}"/>
+              </a:ext>
+            </a:extLst>
+          </p:cNvPr>
+          <p:cNvGraphicFramePr>
+            <a:graphicFrameLocks/>
+          </p:cNvGraphicFramePr>
+          <p:nvPr>
+            <p:extLst>
+              <p:ext uri="{D42A27DB-BD31-4B8C-83A1-F6EECF244321}">
+                <p14:modId xmlns:p14="http://schemas.microsoft.com/office/powerpoint/2010/main" val="3256650668"/>
+              </p:ext>
+            </p:extLst>
+          </p:nvPr>
+        </p:nvGraphicFramePr>
+        <p:xfrm>
+          <a:off x="23905078" y="7512373"/>
+          <a:ext cx="4463070" cy="1516220"/>
+        </p:xfrm>
+        <a:graphic>
+          <a:graphicData uri="http://schemas.openxmlformats.org/drawingml/2006/table">
+            <a:tbl>
+              <a:tblPr firstRow="1" bandRow="1">
+                <a:tableStyleId>{5C22544A-7EE6-4342-B048-85BDC9FD1C3A}</a:tableStyleId>
+              </a:tblPr>
+              <a:tblGrid>
+                <a:gridCol w="892614">
+                  <a:extLst>
+                    <a:ext uri="{9D8B030D-6E8A-4147-A177-3AD203B41FA5}">
+                      <a16:colId xmlns:a16="http://schemas.microsoft.com/office/drawing/2014/main" val="2639204986"/>
+                    </a:ext>
+                  </a:extLst>
+                </a:gridCol>
+                <a:gridCol w="892614">
+                  <a:extLst>
+                    <a:ext uri="{9D8B030D-6E8A-4147-A177-3AD203B41FA5}">
+                      <a16:colId xmlns:a16="http://schemas.microsoft.com/office/drawing/2014/main" val="2690891796"/>
+                    </a:ext>
+                  </a:extLst>
+                </a:gridCol>
+                <a:gridCol w="892614">
+                  <a:extLst>
+                    <a:ext uri="{9D8B030D-6E8A-4147-A177-3AD203B41FA5}">
+                      <a16:colId xmlns:a16="http://schemas.microsoft.com/office/drawing/2014/main" val="3723378948"/>
+                    </a:ext>
+                  </a:extLst>
+                </a:gridCol>
+                <a:gridCol w="892614">
+                  <a:extLst>
+                    <a:ext uri="{9D8B030D-6E8A-4147-A177-3AD203B41FA5}">
+                      <a16:colId xmlns:a16="http://schemas.microsoft.com/office/drawing/2014/main" val="1498371569"/>
+                    </a:ext>
+                  </a:extLst>
+                </a:gridCol>
+                <a:gridCol w="892614">
+                  <a:extLst>
+                    <a:ext uri="{9D8B030D-6E8A-4147-A177-3AD203B41FA5}">
+                      <a16:colId xmlns:a16="http://schemas.microsoft.com/office/drawing/2014/main" val="889807820"/>
+                    </a:ext>
+                  </a:extLst>
+                </a:gridCol>
+              </a:tblGrid>
+              <a:tr h="175591">
+                <a:tc>
+                  <a:txBody>
+                    <a:bodyPr/>
+                    <a:lstStyle/>
+                    <a:p>
+                      <a:endParaRPr lang="en-US" sz="900" dirty="0"/>
+                    </a:p>
+                  </a:txBody>
+                  <a:tcPr marL="34290" marR="34290" marT="17145" marB="17145">
+                    <a:lnTlToBr w="12700" cap="flat" cmpd="sng" algn="ctr">
+                      <a:solidFill>
+                        <a:schemeClr val="tx1"/>
+                      </a:solidFill>
+                      <a:prstDash val="solid"/>
+                      <a:round/>
+                      <a:headEnd type="none" w="med" len="med"/>
+                      <a:tailEnd type="none" w="med" len="med"/>
+                    </a:lnTlToBr>
+                    <a:solidFill>
+                      <a:schemeClr val="tx2"/>
+                    </a:solidFill>
+                  </a:tcPr>
+                </a:tc>
+                <a:tc>
+                  <a:txBody>
+                    <a:bodyPr/>
+                    <a:lstStyle/>
+                    <a:p>
+                      <a:r>
+                        <a:rPr lang="en-US" sz="900" dirty="0"/>
+                        <a:t>Estimate</a:t>
+                      </a:r>
+                    </a:p>
+                  </a:txBody>
+                  <a:tcPr marL="34290" marR="34290" marT="17145" marB="17145"/>
+                </a:tc>
+                <a:tc>
+                  <a:txBody>
+                    <a:bodyPr/>
+                    <a:lstStyle/>
+                    <a:p>
+                      <a:r>
+                        <a:rPr lang="en-US" sz="900" dirty="0"/>
+                        <a:t>PB</a:t>
+                      </a:r>
+                    </a:p>
+                  </a:txBody>
+                  <a:tcPr marL="34290" marR="34290" marT="17145" marB="17145"/>
+                </a:tc>
+                <a:tc>
+                  <a:txBody>
+                    <a:bodyPr/>
+                    <a:lstStyle/>
+                    <a:p>
+                      <a:r>
+                        <a:rPr lang="en-US" sz="900" dirty="0"/>
+                        <a:t>CR</a:t>
+                      </a:r>
+                    </a:p>
+                  </a:txBody>
+                  <a:tcPr marL="34290" marR="34290" marT="17145" marB="17145"/>
+                </a:tc>
+                <a:tc>
+                  <a:txBody>
+                    <a:bodyPr/>
+                    <a:lstStyle/>
+                    <a:p>
+                      <a:r>
+                        <a:rPr lang="en-US" sz="900" dirty="0"/>
+                        <a:t>AW</a:t>
+                      </a:r>
+                    </a:p>
+                  </a:txBody>
+                  <a:tcPr marL="34290" marR="34290" marT="17145" marB="17145"/>
+                </a:tc>
+                <a:extLst>
+                  <a:ext uri="{0D108BD9-81ED-4DB2-BD59-A6C34878D82A}">
+                    <a16:rowId xmlns:a16="http://schemas.microsoft.com/office/drawing/2014/main" val="1025636070"/>
+                  </a:ext>
+                </a:extLst>
+              </a:tr>
+              <a:tr h="175591">
+                <a:tc>
+                  <a:txBody>
+                    <a:bodyPr/>
+                    <a:lstStyle/>
+                    <a:p>
+                      <a:r>
+                        <a:rPr lang="en-US" sz="900" dirty="0"/>
+                        <a:t>MCAR</a:t>
+                      </a:r>
+                    </a:p>
+                  </a:txBody>
+                  <a:tcPr marL="34290" marR="34290" marT="17145" marB="17145">
+                    <a:solidFill>
+                      <a:schemeClr val="accent2"/>
+                    </a:solidFill>
+                  </a:tcPr>
+                </a:tc>
+                <a:tc>
+                  <a:txBody>
+                    <a:bodyPr/>
+                    <a:lstStyle/>
+                    <a:p>
+                      <a:r>
+                        <a:rPr lang="en-US" sz="900" dirty="0"/>
+                        <a:t>0.9779</a:t>
+                      </a:r>
+                    </a:p>
+                  </a:txBody>
+                  <a:tcPr marL="34290" marR="34290" marT="17145" marB="17145"/>
+                </a:tc>
+                <a:tc>
+                  <a:txBody>
+                    <a:bodyPr/>
+                    <a:lstStyle/>
+                    <a:p>
+                      <a:r>
+                        <a:rPr lang="en-US" sz="900" dirty="0"/>
+                        <a:t>2.209</a:t>
+                      </a:r>
+                    </a:p>
+                  </a:txBody>
+                  <a:tcPr marL="34290" marR="34290" marT="17145" marB="17145"/>
+                </a:tc>
+                <a:tc>
+                  <a:txBody>
+                    <a:bodyPr/>
+                    <a:lstStyle/>
+                    <a:p>
+                      <a:r>
+                        <a:rPr lang="en-US" sz="900" dirty="0"/>
+                        <a:t>0.97</a:t>
+                      </a:r>
+                    </a:p>
+                  </a:txBody>
+                  <a:tcPr marL="34290" marR="34290" marT="17145" marB="17145"/>
+                </a:tc>
+                <a:tc>
+                  <a:txBody>
+                    <a:bodyPr/>
+                    <a:lstStyle/>
+                    <a:p>
+                      <a:r>
+                        <a:rPr lang="en-US" sz="900" dirty="0"/>
+                        <a:t>0.102</a:t>
+                      </a:r>
+                    </a:p>
+                  </a:txBody>
+                  <a:tcPr marL="34290" marR="34290" marT="17145" marB="17145"/>
+                </a:tc>
+                <a:extLst>
+                  <a:ext uri="{0D108BD9-81ED-4DB2-BD59-A6C34878D82A}">
+                    <a16:rowId xmlns:a16="http://schemas.microsoft.com/office/drawing/2014/main" val="2450062889"/>
+                  </a:ext>
+                </a:extLst>
+              </a:tr>
+              <a:tr h="175591">
+                <a:tc>
+                  <a:txBody>
+                    <a:bodyPr/>
+                    <a:lstStyle/>
+                    <a:p>
+                      <a:r>
+                        <a:rPr lang="en-US" sz="900" dirty="0"/>
+                        <a:t>MAR-light</a:t>
+                      </a:r>
+                    </a:p>
+                  </a:txBody>
+                  <a:tcPr marL="34290" marR="34290" marT="17145" marB="17145">
+                    <a:solidFill>
+                      <a:schemeClr val="accent2"/>
+                    </a:solidFill>
+                  </a:tcPr>
+                </a:tc>
+                <a:tc>
+                  <a:txBody>
+                    <a:bodyPr/>
+                    <a:lstStyle/>
+                    <a:p>
+                      <a:r>
+                        <a:rPr lang="en-US" sz="900" dirty="0"/>
+                        <a:t>0.9768</a:t>
+                      </a:r>
+                    </a:p>
+                  </a:txBody>
+                  <a:tcPr marL="34290" marR="34290" marT="17145" marB="17145"/>
+                </a:tc>
+                <a:tc>
+                  <a:txBody>
+                    <a:bodyPr/>
+                    <a:lstStyle/>
+                    <a:p>
+                      <a:r>
+                        <a:rPr lang="en-US" sz="900" dirty="0"/>
+                        <a:t>2.315</a:t>
+                      </a:r>
+                    </a:p>
+                  </a:txBody>
+                  <a:tcPr marL="34290" marR="34290" marT="17145" marB="17145"/>
+                </a:tc>
+                <a:tc>
+                  <a:txBody>
+                    <a:bodyPr/>
+                    <a:lstStyle/>
+                    <a:p>
+                      <a:r>
+                        <a:rPr lang="en-US" sz="900" dirty="0"/>
+                        <a:t>0.91</a:t>
+                      </a:r>
+                    </a:p>
+                  </a:txBody>
+                  <a:tcPr marL="34290" marR="34290" marT="17145" marB="17145"/>
+                </a:tc>
+                <a:tc>
+                  <a:txBody>
+                    <a:bodyPr/>
+                    <a:lstStyle/>
+                    <a:p>
+                      <a:r>
+                        <a:rPr lang="en-US" sz="900" dirty="0"/>
+                        <a:t>0.108</a:t>
+                      </a:r>
+                    </a:p>
+                  </a:txBody>
+                  <a:tcPr marL="34290" marR="34290" marT="17145" marB="17145"/>
+                </a:tc>
+                <a:extLst>
+                  <a:ext uri="{0D108BD9-81ED-4DB2-BD59-A6C34878D82A}">
+                    <a16:rowId xmlns:a16="http://schemas.microsoft.com/office/drawing/2014/main" val="106183214"/>
+                  </a:ext>
+                </a:extLst>
+              </a:tr>
+              <a:tr h="231337">
+                <a:tc>
+                  <a:txBody>
+                    <a:bodyPr/>
+                    <a:lstStyle/>
+                    <a:p>
+                      <a:r>
+                        <a:rPr lang="en-US" sz="900" dirty="0"/>
+                        <a:t>MAR-moderate</a:t>
+                      </a:r>
+                    </a:p>
+                  </a:txBody>
+                  <a:tcPr marL="34290" marR="34290" marT="17145" marB="17145">
+                    <a:solidFill>
+                      <a:schemeClr val="accent2"/>
+                    </a:solidFill>
+                  </a:tcPr>
+                </a:tc>
+                <a:tc>
+                  <a:txBody>
+                    <a:bodyPr/>
+                    <a:lstStyle/>
+                    <a:p>
+                      <a:r>
+                        <a:rPr lang="en-US" sz="900" dirty="0"/>
+                        <a:t>0.9799</a:t>
+                      </a:r>
+                    </a:p>
+                  </a:txBody>
+                  <a:tcPr marL="34290" marR="34290" marT="17145" marB="17145"/>
+                </a:tc>
+                <a:tc>
+                  <a:txBody>
+                    <a:bodyPr/>
+                    <a:lstStyle/>
+                    <a:p>
+                      <a:r>
+                        <a:rPr lang="en-US" sz="900" dirty="0"/>
+                        <a:t>2.011</a:t>
+                      </a:r>
+                    </a:p>
+                  </a:txBody>
+                  <a:tcPr marL="34290" marR="34290" marT="17145" marB="17145"/>
+                </a:tc>
+                <a:tc>
+                  <a:txBody>
+                    <a:bodyPr/>
+                    <a:lstStyle/>
+                    <a:p>
+                      <a:r>
+                        <a:rPr lang="en-US" sz="900" dirty="0"/>
+                        <a:t>0.91</a:t>
+                      </a:r>
+                    </a:p>
+                  </a:txBody>
+                  <a:tcPr marL="34290" marR="34290" marT="17145" marB="17145"/>
+                </a:tc>
+                <a:tc>
+                  <a:txBody>
+                    <a:bodyPr/>
+                    <a:lstStyle/>
+                    <a:p>
+                      <a:r>
+                        <a:rPr lang="en-US" sz="900" dirty="0"/>
+                        <a:t>0.095</a:t>
+                      </a:r>
+                    </a:p>
+                  </a:txBody>
+                  <a:tcPr marL="34290" marR="34290" marT="17145" marB="17145"/>
+                </a:tc>
+                <a:extLst>
+                  <a:ext uri="{0D108BD9-81ED-4DB2-BD59-A6C34878D82A}">
+                    <a16:rowId xmlns:a16="http://schemas.microsoft.com/office/drawing/2014/main" val="2167119470"/>
+                  </a:ext>
+                </a:extLst>
+              </a:tr>
+              <a:tr h="175591">
+                <a:tc>
+                  <a:txBody>
+                    <a:bodyPr/>
+                    <a:lstStyle/>
+                    <a:p>
+                      <a:r>
+                        <a:rPr lang="en-US" sz="900" dirty="0"/>
+                        <a:t>MAR-heavy</a:t>
+                      </a:r>
+                    </a:p>
+                  </a:txBody>
+                  <a:tcPr marL="34290" marR="34290" marT="17145" marB="17145">
+                    <a:solidFill>
+                      <a:schemeClr val="accent2"/>
+                    </a:solidFill>
+                  </a:tcPr>
+                </a:tc>
+                <a:tc>
+                  <a:txBody>
+                    <a:bodyPr/>
+                    <a:lstStyle/>
+                    <a:p>
+                      <a:r>
+                        <a:rPr lang="en-US" sz="900" dirty="0"/>
+                        <a:t>0.9841</a:t>
+                      </a:r>
+                    </a:p>
+                  </a:txBody>
+                  <a:tcPr marL="34290" marR="34290" marT="17145" marB="17145"/>
+                </a:tc>
+                <a:tc>
+                  <a:txBody>
+                    <a:bodyPr/>
+                    <a:lstStyle/>
+                    <a:p>
+                      <a:r>
+                        <a:rPr lang="en-US" sz="900" dirty="0"/>
+                        <a:t>1.588</a:t>
+                      </a:r>
+                    </a:p>
+                  </a:txBody>
+                  <a:tcPr marL="34290" marR="34290" marT="17145" marB="17145"/>
+                </a:tc>
+                <a:tc>
+                  <a:txBody>
+                    <a:bodyPr/>
+                    <a:lstStyle/>
+                    <a:p>
+                      <a:r>
+                        <a:rPr lang="en-US" sz="900" dirty="0"/>
+                        <a:t>0.90</a:t>
+                      </a:r>
+                    </a:p>
+                  </a:txBody>
+                  <a:tcPr marL="34290" marR="34290" marT="17145" marB="17145"/>
+                </a:tc>
+                <a:tc>
+                  <a:txBody>
+                    <a:bodyPr/>
+                    <a:lstStyle/>
+                    <a:p>
+                      <a:r>
+                        <a:rPr lang="en-US" sz="900" dirty="0"/>
+                        <a:t>0.082</a:t>
+                      </a:r>
+                    </a:p>
+                  </a:txBody>
+                  <a:tcPr marL="34290" marR="34290" marT="17145" marB="17145"/>
+                </a:tc>
+                <a:extLst>
+                  <a:ext uri="{0D108BD9-81ED-4DB2-BD59-A6C34878D82A}">
+                    <a16:rowId xmlns:a16="http://schemas.microsoft.com/office/drawing/2014/main" val="4197118472"/>
+                  </a:ext>
+                </a:extLst>
+              </a:tr>
+              <a:tr h="175591">
+                <a:tc>
+                  <a:txBody>
+                    <a:bodyPr/>
+                    <a:lstStyle/>
+                    <a:p>
+                      <a:r>
+                        <a:rPr lang="en-US" sz="900" dirty="0"/>
+                        <a:t>MNAR-light</a:t>
+                      </a:r>
+                    </a:p>
+                  </a:txBody>
+                  <a:tcPr marL="34290" marR="34290" marT="17145" marB="17145">
+                    <a:solidFill>
+                      <a:schemeClr val="accent2"/>
+                    </a:solidFill>
+                  </a:tcPr>
+                </a:tc>
+                <a:tc>
+                  <a:txBody>
+                    <a:bodyPr/>
+                    <a:lstStyle/>
+                    <a:p>
+                      <a:r>
+                        <a:rPr lang="en-US" sz="900" dirty="0"/>
+                        <a:t>1.0174</a:t>
+                      </a:r>
+                    </a:p>
+                  </a:txBody>
+                  <a:tcPr marL="34290" marR="34290" marT="17145" marB="17145"/>
+                </a:tc>
+                <a:tc>
+                  <a:txBody>
+                    <a:bodyPr/>
+                    <a:lstStyle/>
+                    <a:p>
+                      <a:r>
+                        <a:rPr lang="en-US" sz="900" dirty="0"/>
+                        <a:t>1.740</a:t>
+                      </a:r>
+                    </a:p>
+                  </a:txBody>
+                  <a:tcPr marL="34290" marR="34290" marT="17145" marB="17145"/>
+                </a:tc>
+                <a:tc>
+                  <a:txBody>
+                    <a:bodyPr/>
+                    <a:lstStyle/>
+                    <a:p>
+                      <a:r>
+                        <a:rPr lang="en-US" sz="900" dirty="0"/>
+                        <a:t>0.96</a:t>
+                      </a:r>
+                    </a:p>
+                  </a:txBody>
+                  <a:tcPr marL="34290" marR="34290" marT="17145" marB="17145"/>
+                </a:tc>
+                <a:tc>
+                  <a:txBody>
+                    <a:bodyPr/>
+                    <a:lstStyle/>
+                    <a:p>
+                      <a:r>
+                        <a:rPr lang="en-US" sz="900" dirty="0"/>
+                        <a:t>0.306</a:t>
+                      </a:r>
+                    </a:p>
+                  </a:txBody>
+                  <a:tcPr marL="34290" marR="34290" marT="17145" marB="17145"/>
+                </a:tc>
+                <a:extLst>
+                  <a:ext uri="{0D108BD9-81ED-4DB2-BD59-A6C34878D82A}">
+                    <a16:rowId xmlns:a16="http://schemas.microsoft.com/office/drawing/2014/main" val="4122388607"/>
+                  </a:ext>
+                </a:extLst>
+              </a:tr>
+              <a:tr h="231337">
+                <a:tc>
+                  <a:txBody>
+                    <a:bodyPr/>
+                    <a:lstStyle/>
+                    <a:p>
+                      <a:r>
+                        <a:rPr lang="en-US" sz="900" dirty="0"/>
+                        <a:t>MNAR-moderate</a:t>
+                      </a:r>
+                    </a:p>
+                  </a:txBody>
+                  <a:tcPr marL="34290" marR="34290" marT="17145" marB="17145">
+                    <a:solidFill>
+                      <a:schemeClr val="accent2"/>
+                    </a:solidFill>
+                  </a:tcPr>
+                </a:tc>
+                <a:tc>
+                  <a:txBody>
+                    <a:bodyPr/>
+                    <a:lstStyle/>
+                    <a:p>
+                      <a:r>
+                        <a:rPr lang="en-US" sz="900" dirty="0"/>
+                        <a:t>1.0262</a:t>
+                      </a:r>
+                    </a:p>
+                  </a:txBody>
+                  <a:tcPr marL="34290" marR="34290" marT="17145" marB="17145"/>
+                </a:tc>
+                <a:tc>
+                  <a:txBody>
+                    <a:bodyPr/>
+                    <a:lstStyle/>
+                    <a:p>
+                      <a:r>
+                        <a:rPr lang="en-US" sz="900" dirty="0"/>
+                        <a:t>2.615</a:t>
+                      </a:r>
+                    </a:p>
+                  </a:txBody>
+                  <a:tcPr marL="34290" marR="34290" marT="17145" marB="17145"/>
+                </a:tc>
+                <a:tc>
+                  <a:txBody>
+                    <a:bodyPr/>
+                    <a:lstStyle/>
+                    <a:p>
+                      <a:r>
+                        <a:rPr lang="en-US" sz="900" dirty="0"/>
+                        <a:t>0.95</a:t>
+                      </a:r>
+                    </a:p>
+                  </a:txBody>
+                  <a:tcPr marL="34290" marR="34290" marT="17145" marB="17145"/>
+                </a:tc>
+                <a:tc>
+                  <a:txBody>
+                    <a:bodyPr/>
+                    <a:lstStyle/>
+                    <a:p>
+                      <a:r>
+                        <a:rPr lang="en-US" sz="900" dirty="0"/>
+                        <a:t>0.331</a:t>
+                      </a:r>
+                    </a:p>
+                  </a:txBody>
+                  <a:tcPr marL="34290" marR="34290" marT="17145" marB="17145"/>
+                </a:tc>
+                <a:extLst>
+                  <a:ext uri="{0D108BD9-81ED-4DB2-BD59-A6C34878D82A}">
+                    <a16:rowId xmlns:a16="http://schemas.microsoft.com/office/drawing/2014/main" val="1306177704"/>
+                  </a:ext>
+                </a:extLst>
+              </a:tr>
+              <a:tr h="175591">
+                <a:tc>
+                  <a:txBody>
+                    <a:bodyPr/>
+                    <a:lstStyle/>
+                    <a:p>
+                      <a:r>
+                        <a:rPr lang="en-US" sz="900" dirty="0"/>
+                        <a:t>MNAR-heavy</a:t>
+                      </a:r>
+                    </a:p>
+                  </a:txBody>
+                  <a:tcPr marL="34290" marR="34290" marT="17145" marB="17145">
+                    <a:solidFill>
+                      <a:schemeClr val="accent2"/>
+                    </a:solidFill>
+                  </a:tcPr>
+                </a:tc>
+                <a:tc>
+                  <a:txBody>
+                    <a:bodyPr/>
+                    <a:lstStyle/>
+                    <a:p>
+                      <a:r>
+                        <a:rPr lang="en-US" sz="900" dirty="0"/>
+                        <a:t>1.0485</a:t>
+                      </a:r>
+                    </a:p>
+                  </a:txBody>
+                  <a:tcPr marL="34290" marR="34290" marT="17145" marB="17145"/>
+                </a:tc>
+                <a:tc>
+                  <a:txBody>
+                    <a:bodyPr/>
+                    <a:lstStyle/>
+                    <a:p>
+                      <a:r>
+                        <a:rPr lang="en-US" sz="900" dirty="0"/>
+                        <a:t>4.853</a:t>
+                      </a:r>
+                    </a:p>
+                  </a:txBody>
+                  <a:tcPr marL="34290" marR="34290" marT="17145" marB="17145"/>
+                </a:tc>
+                <a:tc>
+                  <a:txBody>
+                    <a:bodyPr/>
+                    <a:lstStyle/>
+                    <a:p>
+                      <a:r>
+                        <a:rPr lang="en-US" sz="900" dirty="0"/>
+                        <a:t>0.88</a:t>
+                      </a:r>
+                    </a:p>
+                  </a:txBody>
+                  <a:tcPr marL="34290" marR="34290" marT="17145" marB="17145"/>
+                </a:tc>
+                <a:tc>
+                  <a:txBody>
+                    <a:bodyPr/>
+                    <a:lstStyle/>
+                    <a:p>
+                      <a:r>
+                        <a:rPr lang="en-US" sz="900" dirty="0"/>
+                        <a:t>0.388</a:t>
+                      </a:r>
+                    </a:p>
+                  </a:txBody>
+                  <a:tcPr marL="34290" marR="34290" marT="17145" marB="17145"/>
+                </a:tc>
+                <a:extLst>
+                  <a:ext uri="{0D108BD9-81ED-4DB2-BD59-A6C34878D82A}">
+                    <a16:rowId xmlns:a16="http://schemas.microsoft.com/office/drawing/2014/main" val="4228847266"/>
+                  </a:ext>
+                </a:extLst>
+              </a:tr>
+            </a:tbl>
+          </a:graphicData>
+        </a:graphic>
+      </p:graphicFrame>
+      <p:sp>
+        <p:nvSpPr>
+          <p:cNvPr id="853" name="正方形/長方形 17">
+            <a:extLst>
+              <a:ext uri="{FF2B5EF4-FFF2-40B4-BE49-F238E27FC236}">
+                <a16:creationId xmlns:a16="http://schemas.microsoft.com/office/drawing/2014/main" id="{AB984E1A-C050-AE80-0130-21003D6A6EA3}"/>
+              </a:ext>
+            </a:extLst>
+          </p:cNvPr>
+          <p:cNvSpPr/>
+          <p:nvPr/>
+        </p:nvSpPr>
+        <p:spPr>
+          <a:xfrm>
+            <a:off x="23493842" y="7481866"/>
+            <a:ext cx="5355130" cy="1579514"/>
+          </a:xfrm>
+          <a:prstGeom prst="rect">
+            <a:avLst/>
+          </a:prstGeom>
+          <a:noFill/>
+          <a:ln w="34925">
+            <a:solidFill>
+              <a:schemeClr val="accent2"/>
+            </a:solidFill>
+          </a:ln>
+        </p:spPr>
+        <p:style>
+          <a:lnRef idx="2">
+            <a:schemeClr val="accent1">
+              <a:shade val="50000"/>
+            </a:schemeClr>
+          </a:lnRef>
+          <a:fillRef idx="1">
+            <a:schemeClr val="accent1"/>
+          </a:fillRef>
+          <a:effectRef idx="0">
+            <a:schemeClr val="accent1"/>
+          </a:effectRef>
+          <a:fontRef idx="minor">
+            <a:schemeClr val="lt1"/>
+          </a:fontRef>
+        </p:style>
+        <p:txBody>
+          <a:bodyPr rtlCol="0" anchor="ctr"/>
+          <a:lstStyle/>
+          <a:p>
+            <a:pPr algn="ctr"/>
+            <a:endParaRPr kumimoji="1" lang="ja-JP" altLang="en-US" sz="675"/>
+          </a:p>
+        </p:txBody>
+      </p:sp>
+      <mc:AlternateContent xmlns:mc="http://schemas.openxmlformats.org/markup-compatibility/2006">
+        <mc:Choice xmlns:a14="http://schemas.microsoft.com/office/drawing/2010/main" Requires="a14">
+          <p:sp>
+            <p:nvSpPr>
+              <p:cNvPr id="854" name="TextBox 853">
+                <a:extLst>
+                  <a:ext uri="{FF2B5EF4-FFF2-40B4-BE49-F238E27FC236}">
+                    <a16:creationId xmlns:a16="http://schemas.microsoft.com/office/drawing/2014/main" id="{97A984DD-4B66-C8D6-60F6-7B1D8683C2B9}"/>
+                  </a:ext>
+                </a:extLst>
+              </p:cNvPr>
+              <p:cNvSpPr txBox="1"/>
+              <p:nvPr/>
+            </p:nvSpPr>
+            <p:spPr>
+              <a:xfrm>
+                <a:off x="11379785" y="4794436"/>
+                <a:ext cx="6482330" cy="2677656"/>
+              </a:xfrm>
+              <a:prstGeom prst="rect">
+                <a:avLst/>
+              </a:prstGeom>
+              <a:noFill/>
+            </p:spPr>
+            <p:txBody>
+              <a:bodyPr wrap="square" rtlCol="0">
+                <a:spAutoFit/>
+              </a:bodyPr>
+              <a:lstStyle/>
+              <a:p>
+                <a:pPr marL="285750" indent="-285750">
+                  <a:buFont typeface="Arial" panose="020B0604020202020204" pitchFamily="34" charset="0"/>
+                  <a:buChar char="•"/>
+                </a:pPr>
+                <a:r>
+                  <a:rPr lang="en-US" sz="1400" dirty="0"/>
+                  <a:t>Designed R simulations for each of MCAR, MAR, MNAR. Each simulation consists of</a:t>
+                </a:r>
+              </a:p>
+              <a:p>
+                <a:pPr marL="800100" lvl="1" indent="-342900">
+                  <a:buFont typeface="+mj-lt"/>
+                  <a:buAutoNum type="arabicPeriod"/>
+                </a:pPr>
+                <a:r>
+                  <a:rPr lang="en-US" sz="1400" dirty="0"/>
+                  <a:t>Creating data from a complete data model (specified to the </a:t>
+                </a:r>
+                <a:r>
+                  <a:rPr lang="en-US" sz="1400" dirty="0" err="1"/>
+                  <a:t>rightdddddss</a:t>
+                </a:r>
+                <a:r>
+                  <a:rPr lang="en-US" sz="1400" dirty="0"/>
+                  <a:t>)</a:t>
+                </a:r>
+              </a:p>
+              <a:p>
+                <a:pPr marL="800100" lvl="1" indent="-342900">
+                  <a:buFont typeface="+mj-lt"/>
+                  <a:buAutoNum type="arabicPeriod"/>
+                </a:pPr>
+                <a:r>
+                  <a:rPr lang="en-US" sz="1400" dirty="0"/>
+                  <a:t>Removing some of it (</a:t>
+                </a:r>
+                <a:r>
+                  <a:rPr lang="en-US" sz="1400" i="1" dirty="0"/>
+                  <a:t>how </a:t>
+                </a:r>
+                <a:r>
+                  <a:rPr lang="en-US" sz="1400" dirty="0"/>
+                  <a:t>it’s removed depends on the mechanism), </a:t>
+                </a:r>
+              </a:p>
+              <a:p>
+                <a:pPr marL="800100" lvl="1" indent="-342900">
+                  <a:buFont typeface="+mj-lt"/>
+                  <a:buAutoNum type="arabicPeriod"/>
+                </a:pPr>
+                <a:r>
+                  <a:rPr lang="en-US" sz="1400" dirty="0"/>
+                  <a:t>Imputing the data using multiple imputation</a:t>
+                </a:r>
+              </a:p>
+              <a:p>
+                <a:pPr marL="800100" lvl="1" indent="-342900">
+                  <a:buFont typeface="+mj-lt"/>
+                  <a:buAutoNum type="arabicPeriod"/>
+                </a:pPr>
+                <a:r>
+                  <a:rPr lang="en-US" sz="1400" dirty="0"/>
+                  <a:t>Obtain estimate and 95% confidence interval for </a:t>
+                </a:r>
+                <a14:m>
+                  <m:oMath xmlns:m="http://schemas.openxmlformats.org/officeDocument/2006/math">
+                    <m:sSub>
+                      <m:sSubPr>
+                        <m:ctrlPr>
+                          <a:rPr lang="en-US" sz="1400" i="1">
+                            <a:latin typeface="Cambria Math" panose="02040503050406030204" pitchFamily="18" charset="0"/>
+                          </a:rPr>
+                        </m:ctrlPr>
+                      </m:sSubPr>
+                      <m:e>
+                        <m:r>
+                          <a:rPr lang="en-US" sz="1400" i="1">
+                            <a:latin typeface="Cambria Math" panose="02040503050406030204" pitchFamily="18" charset="0"/>
+                          </a:rPr>
+                          <m:t>𝛽</m:t>
+                        </m:r>
+                      </m:e>
+                      <m:sub>
+                        <m:r>
+                          <a:rPr lang="en-US" sz="1400" i="1">
+                            <a:latin typeface="Cambria Math" panose="02040503050406030204" pitchFamily="18" charset="0"/>
+                          </a:rPr>
+                          <m:t>1</m:t>
+                        </m:r>
+                      </m:sub>
+                    </m:sSub>
+                    <m:r>
+                      <a:rPr lang="en-US" sz="1400" b="0" i="1" smtClean="0">
+                        <a:latin typeface="Cambria Math" panose="02040503050406030204" pitchFamily="18" charset="0"/>
+                      </a:rPr>
+                      <m:t>=1</m:t>
+                    </m:r>
+                  </m:oMath>
+                </a14:m>
+                <a:endParaRPr lang="en-US" sz="1400" dirty="0"/>
+              </a:p>
+              <a:p>
+                <a:pPr marL="800100" lvl="1" indent="-342900">
+                  <a:buFont typeface="+mj-lt"/>
+                  <a:buAutoNum type="arabicPeriod"/>
+                </a:pPr>
+                <a:r>
+                  <a:rPr lang="en-US" sz="1400" dirty="0"/>
+                  <a:t>Measure the performance and statistical validity of the newly minted dataset</a:t>
+                </a:r>
+              </a:p>
+              <a:p>
+                <a:pPr marL="800100" lvl="1" indent="-342900">
+                  <a:buFont typeface="+mj-lt"/>
+                  <a:buAutoNum type="arabicPeriod"/>
+                </a:pPr>
+                <a:r>
+                  <a:rPr lang="en-US" sz="1400" dirty="0"/>
+                  <a:t>Repeat 1-4 for lots of iterations (</a:t>
+                </a:r>
+                <a:r>
+                  <a:rPr lang="en-US" sz="1400" i="1" dirty="0"/>
+                  <a:t>n = 1000</a:t>
+                </a:r>
+                <a:r>
+                  <a:rPr lang="en-US" sz="1400" dirty="0"/>
+                  <a:t>)</a:t>
+                </a:r>
+              </a:p>
+              <a:p>
+                <a:pPr marL="800100" lvl="1" indent="-342900">
+                  <a:buFont typeface="+mj-lt"/>
+                  <a:buAutoNum type="arabicPeriod"/>
+                </a:pPr>
+                <a:r>
+                  <a:rPr lang="en-US" sz="1400" dirty="0"/>
+                  <a:t>Pool results</a:t>
+                </a:r>
+              </a:p>
+              <a:p>
+                <a:pPr marL="285750" indent="-285750">
+                  <a:buFont typeface="Arial" panose="020B0604020202020204" pitchFamily="34" charset="0"/>
+                  <a:buChar char="•"/>
+                </a:pPr>
+                <a:endParaRPr lang="en-US" sz="1400" dirty="0"/>
+              </a:p>
+              <a:p>
+                <a:pPr marL="285750" indent="-285750">
+                  <a:buFont typeface="Arial" panose="020B0604020202020204" pitchFamily="34" charset="0"/>
+                  <a:buChar char="•"/>
+                </a:pPr>
+                <a:endParaRPr lang="en-US" sz="1400" dirty="0"/>
+              </a:p>
+              <a:p>
+                <a:endParaRPr lang="en-US" sz="1400" dirty="0"/>
+              </a:p>
+            </p:txBody>
+          </p:sp>
+        </mc:Choice>
+        <mc:Fallback>
+          <p:sp>
+            <p:nvSpPr>
+              <p:cNvPr id="854" name="TextBox 853">
+                <a:extLst>
+                  <a:ext uri="{FF2B5EF4-FFF2-40B4-BE49-F238E27FC236}">
+                    <a16:creationId xmlns:a16="http://schemas.microsoft.com/office/drawing/2014/main" id="{97A984DD-4B66-C8D6-60F6-7B1D8683C2B9}"/>
+                  </a:ext>
+                </a:extLst>
+              </p:cNvPr>
+              <p:cNvSpPr txBox="1">
+                <a:spLocks noRot="1" noChangeAspect="1" noMove="1" noResize="1" noEditPoints="1" noAdjustHandles="1" noChangeArrowheads="1" noChangeShapeType="1" noTextEdit="1"/>
+              </p:cNvSpPr>
+              <p:nvPr/>
+            </p:nvSpPr>
+            <p:spPr>
+              <a:xfrm>
+                <a:off x="11379785" y="4794436"/>
+                <a:ext cx="6482330" cy="2677656"/>
+              </a:xfrm>
+              <a:prstGeom prst="rect">
+                <a:avLst/>
+              </a:prstGeom>
+              <a:blipFill>
+                <a:blip r:embed="rId15"/>
+                <a:stretch>
+                  <a:fillRect l="-196" t="-472"/>
+                </a:stretch>
+              </a:blipFill>
+            </p:spPr>
+            <p:txBody>
+              <a:bodyPr/>
+              <a:lstStyle/>
+              <a:p>
+                <a:r>
+                  <a:rPr lang="en-US">
+                    <a:noFill/>
+                  </a:rPr>
+                  <a:t> </a:t>
+                </a:r>
+              </a:p>
+            </p:txBody>
+          </p:sp>
+        </mc:Fallback>
+      </mc:AlternateContent>
+      <p:sp>
+        <p:nvSpPr>
+          <p:cNvPr id="855" name="TextBox 854">
+            <a:extLst>
+              <a:ext uri="{FF2B5EF4-FFF2-40B4-BE49-F238E27FC236}">
+                <a16:creationId xmlns:a16="http://schemas.microsoft.com/office/drawing/2014/main" id="{57BEA5AA-2BE0-8061-F642-61A6C8C0BC7C}"/>
+              </a:ext>
+            </a:extLst>
+          </p:cNvPr>
+          <p:cNvSpPr txBox="1"/>
+          <p:nvPr/>
+        </p:nvSpPr>
+        <p:spPr>
+          <a:xfrm>
+            <a:off x="11356045" y="4256153"/>
+            <a:ext cx="1151277" cy="369332"/>
+          </a:xfrm>
+          <a:prstGeom prst="rect">
+            <a:avLst/>
+          </a:prstGeom>
+          <a:noFill/>
+        </p:spPr>
+        <p:txBody>
+          <a:bodyPr wrap="none" rtlCol="0">
+            <a:spAutoFit/>
+          </a:bodyPr>
+          <a:lstStyle/>
+          <a:p>
+            <a:r>
+              <a:rPr lang="en-US" u="sng" dirty="0">
+                <a:solidFill>
+                  <a:schemeClr val="accent2"/>
+                </a:solidFill>
+              </a:rPr>
+              <a:t>METHODS</a:t>
+            </a:r>
+          </a:p>
+        </p:txBody>
+      </p:sp>
+      <p:sp>
+        <p:nvSpPr>
+          <p:cNvPr id="856" name="TextBox 855">
+            <a:extLst>
+              <a:ext uri="{FF2B5EF4-FFF2-40B4-BE49-F238E27FC236}">
+                <a16:creationId xmlns:a16="http://schemas.microsoft.com/office/drawing/2014/main" id="{E927DBD2-097E-14C3-ED26-BCA9C6ECE4F4}"/>
+              </a:ext>
+            </a:extLst>
+          </p:cNvPr>
+          <p:cNvSpPr txBox="1"/>
+          <p:nvPr/>
+        </p:nvSpPr>
+        <p:spPr>
+          <a:xfrm>
+            <a:off x="11335022" y="3388662"/>
+            <a:ext cx="1236300" cy="369332"/>
+          </a:xfrm>
+          <a:prstGeom prst="rect">
+            <a:avLst/>
+          </a:prstGeom>
+          <a:noFill/>
+        </p:spPr>
+        <p:txBody>
+          <a:bodyPr wrap="none" rtlCol="0">
+            <a:spAutoFit/>
+          </a:bodyPr>
+          <a:lstStyle/>
+          <a:p>
+            <a:r>
+              <a:rPr lang="en-US" u="sng" dirty="0">
+                <a:solidFill>
+                  <a:schemeClr val="accent2"/>
+                </a:solidFill>
+              </a:rPr>
+              <a:t>OBJECTIVE </a:t>
+            </a:r>
+          </a:p>
+        </p:txBody>
+      </p:sp>
+      <p:sp>
+        <p:nvSpPr>
+          <p:cNvPr id="858" name="TextBox 857">
+            <a:extLst>
+              <a:ext uri="{FF2B5EF4-FFF2-40B4-BE49-F238E27FC236}">
+                <a16:creationId xmlns:a16="http://schemas.microsoft.com/office/drawing/2014/main" id="{E28D7DF4-6C22-F18D-C6BE-08826588E1DE}"/>
+              </a:ext>
+            </a:extLst>
+          </p:cNvPr>
+          <p:cNvSpPr txBox="1"/>
+          <p:nvPr/>
+        </p:nvSpPr>
+        <p:spPr>
+          <a:xfrm>
+            <a:off x="11380517" y="3851973"/>
+            <a:ext cx="9824844" cy="307777"/>
+          </a:xfrm>
+          <a:prstGeom prst="rect">
+            <a:avLst/>
+          </a:prstGeom>
+          <a:noFill/>
+        </p:spPr>
+        <p:txBody>
+          <a:bodyPr wrap="square">
+            <a:spAutoFit/>
+          </a:bodyPr>
+          <a:lstStyle/>
+          <a:p>
+            <a:pPr marL="285750" indent="-285750">
+              <a:buFont typeface="Arial" panose="020B0604020202020204" pitchFamily="34" charset="0"/>
+              <a:buChar char="•"/>
+            </a:pPr>
+            <a:r>
+              <a:rPr lang="en-US" sz="1400" dirty="0"/>
+              <a:t>Compare the effectiveness of multiple imputation under different missing mechanisms.</a:t>
+            </a:r>
+          </a:p>
+        </p:txBody>
+      </p:sp>
+      <p:graphicFrame>
+        <p:nvGraphicFramePr>
+          <p:cNvPr id="859" name="Table 2">
+            <a:extLst>
+              <a:ext uri="{FF2B5EF4-FFF2-40B4-BE49-F238E27FC236}">
+                <a16:creationId xmlns:a16="http://schemas.microsoft.com/office/drawing/2014/main" id="{D8955F12-D71E-7750-6B4D-20B2418D4AE1}"/>
+              </a:ext>
+            </a:extLst>
+          </p:cNvPr>
+          <p:cNvGraphicFramePr>
+            <a:graphicFrameLocks/>
+          </p:cNvGraphicFramePr>
+          <p:nvPr>
+            <p:extLst>
+              <p:ext uri="{D42A27DB-BD31-4B8C-83A1-F6EECF244321}">
+                <p14:modId xmlns:p14="http://schemas.microsoft.com/office/powerpoint/2010/main" val="556610553"/>
+              </p:ext>
+            </p:extLst>
+          </p:nvPr>
+        </p:nvGraphicFramePr>
+        <p:xfrm>
+          <a:off x="11502465" y="7209973"/>
+          <a:ext cx="7577955" cy="2853686"/>
+        </p:xfrm>
+        <a:graphic>
+          <a:graphicData uri="http://schemas.openxmlformats.org/drawingml/2006/table">
+            <a:tbl>
+              <a:tblPr firstRow="1" bandRow="1">
+                <a:tableStyleId>{5C22544A-7EE6-4342-B048-85BDC9FD1C3A}</a:tableStyleId>
+              </a:tblPr>
+              <a:tblGrid>
+                <a:gridCol w="1515591">
+                  <a:extLst>
+                    <a:ext uri="{9D8B030D-6E8A-4147-A177-3AD203B41FA5}">
+                      <a16:colId xmlns:a16="http://schemas.microsoft.com/office/drawing/2014/main" val="2639204986"/>
+                    </a:ext>
+                  </a:extLst>
+                </a:gridCol>
+                <a:gridCol w="1515591">
+                  <a:extLst>
+                    <a:ext uri="{9D8B030D-6E8A-4147-A177-3AD203B41FA5}">
+                      <a16:colId xmlns:a16="http://schemas.microsoft.com/office/drawing/2014/main" val="2690891796"/>
+                    </a:ext>
+                  </a:extLst>
+                </a:gridCol>
+                <a:gridCol w="1515591">
+                  <a:extLst>
+                    <a:ext uri="{9D8B030D-6E8A-4147-A177-3AD203B41FA5}">
+                      <a16:colId xmlns:a16="http://schemas.microsoft.com/office/drawing/2014/main" val="3723378948"/>
+                    </a:ext>
+                  </a:extLst>
+                </a:gridCol>
+                <a:gridCol w="1515591">
+                  <a:extLst>
+                    <a:ext uri="{9D8B030D-6E8A-4147-A177-3AD203B41FA5}">
+                      <a16:colId xmlns:a16="http://schemas.microsoft.com/office/drawing/2014/main" val="1498371569"/>
+                    </a:ext>
+                  </a:extLst>
+                </a:gridCol>
+                <a:gridCol w="1515591">
+                  <a:extLst>
+                    <a:ext uri="{9D8B030D-6E8A-4147-A177-3AD203B41FA5}">
+                      <a16:colId xmlns:a16="http://schemas.microsoft.com/office/drawing/2014/main" val="889807820"/>
+                    </a:ext>
+                  </a:extLst>
+                </a:gridCol>
+              </a:tblGrid>
+              <a:tr h="311078">
+                <a:tc>
+                  <a:txBody>
+                    <a:bodyPr/>
+                    <a:lstStyle/>
+                    <a:p>
+                      <a:endParaRPr lang="en-US" sz="1800" dirty="0"/>
+                    </a:p>
+                  </a:txBody>
+                  <a:tcPr marL="34290" marR="34290" marT="17145" marB="17145">
+                    <a:lnTlToBr w="12700" cap="flat" cmpd="sng" algn="ctr">
+                      <a:solidFill>
+                        <a:schemeClr val="tx1"/>
+                      </a:solidFill>
+                      <a:prstDash val="solid"/>
+                      <a:round/>
+                      <a:headEnd type="none" w="med" len="med"/>
+                      <a:tailEnd type="none" w="med" len="med"/>
+                    </a:lnTlToBr>
+                    <a:solidFill>
+                      <a:schemeClr val="tx2"/>
+                    </a:solidFill>
+                  </a:tcPr>
+                </a:tc>
+                <a:tc>
+                  <a:txBody>
+                    <a:bodyPr/>
+                    <a:lstStyle/>
+                    <a:p>
+                      <a:r>
+                        <a:rPr lang="en-US" sz="1800"/>
+                        <a:t>Estimate</a:t>
+                      </a:r>
+                      <a:endParaRPr lang="en-US" sz="1800" dirty="0"/>
+                    </a:p>
+                  </a:txBody>
+                  <a:tcPr marL="34290" marR="34290" marT="17145" marB="17145"/>
+                </a:tc>
+                <a:tc>
+                  <a:txBody>
+                    <a:bodyPr/>
+                    <a:lstStyle/>
+                    <a:p>
+                      <a:r>
+                        <a:rPr lang="en-US" sz="1800"/>
+                        <a:t>Percent Bias</a:t>
+                      </a:r>
+                      <a:endParaRPr lang="en-US" sz="1800" dirty="0"/>
+                    </a:p>
+                  </a:txBody>
+                  <a:tcPr marL="34290" marR="34290" marT="17145" marB="17145"/>
+                </a:tc>
+                <a:tc>
+                  <a:txBody>
+                    <a:bodyPr/>
+                    <a:lstStyle/>
+                    <a:p>
+                      <a:r>
+                        <a:rPr lang="en-US" sz="1800"/>
+                        <a:t>Coverage Rate</a:t>
+                      </a:r>
+                      <a:endParaRPr lang="en-US" sz="1800" dirty="0"/>
+                    </a:p>
+                  </a:txBody>
+                  <a:tcPr marL="34290" marR="34290" marT="17145" marB="17145"/>
+                </a:tc>
+                <a:tc>
+                  <a:txBody>
+                    <a:bodyPr/>
+                    <a:lstStyle/>
+                    <a:p>
+                      <a:r>
+                        <a:rPr lang="en-US" sz="1800" dirty="0"/>
+                        <a:t>Average Width</a:t>
+                      </a:r>
+                    </a:p>
+                  </a:txBody>
+                  <a:tcPr marL="34290" marR="34290" marT="17145" marB="17145"/>
+                </a:tc>
+                <a:extLst>
+                  <a:ext uri="{0D108BD9-81ED-4DB2-BD59-A6C34878D82A}">
+                    <a16:rowId xmlns:a16="http://schemas.microsoft.com/office/drawing/2014/main" val="1025636070"/>
+                  </a:ext>
+                </a:extLst>
+              </a:tr>
+              <a:tr h="311078">
+                <a:tc>
+                  <a:txBody>
+                    <a:bodyPr/>
+                    <a:lstStyle/>
+                    <a:p>
+                      <a:r>
+                        <a:rPr lang="en-US" sz="1800"/>
+                        <a:t>MCAR</a:t>
+                      </a:r>
+                      <a:endParaRPr lang="en-US" sz="1800" dirty="0"/>
+                    </a:p>
+                  </a:txBody>
+                  <a:tcPr marL="34290" marR="34290" marT="17145" marB="17145">
+                    <a:solidFill>
+                      <a:schemeClr val="accent2"/>
+                    </a:solidFill>
+                  </a:tcPr>
+                </a:tc>
+                <a:tc>
+                  <a:txBody>
+                    <a:bodyPr/>
+                    <a:lstStyle/>
+                    <a:p>
+                      <a:r>
+                        <a:rPr lang="en-US" sz="1800"/>
+                        <a:t>0.9779</a:t>
+                      </a:r>
+                      <a:endParaRPr lang="en-US" sz="1800" dirty="0"/>
+                    </a:p>
+                  </a:txBody>
+                  <a:tcPr marL="34290" marR="34290" marT="17145" marB="17145"/>
+                </a:tc>
+                <a:tc>
+                  <a:txBody>
+                    <a:bodyPr/>
+                    <a:lstStyle/>
+                    <a:p>
+                      <a:r>
+                        <a:rPr lang="en-US" sz="1800"/>
+                        <a:t>2.209</a:t>
+                      </a:r>
+                      <a:endParaRPr lang="en-US" sz="1800" dirty="0"/>
+                    </a:p>
+                  </a:txBody>
+                  <a:tcPr marL="34290" marR="34290" marT="17145" marB="17145"/>
+                </a:tc>
+                <a:tc>
+                  <a:txBody>
+                    <a:bodyPr/>
+                    <a:lstStyle/>
+                    <a:p>
+                      <a:r>
+                        <a:rPr lang="en-US" sz="1800"/>
+                        <a:t>0.97</a:t>
+                      </a:r>
+                      <a:endParaRPr lang="en-US" sz="1800" dirty="0"/>
+                    </a:p>
+                  </a:txBody>
+                  <a:tcPr marL="34290" marR="34290" marT="17145" marB="17145"/>
+                </a:tc>
+                <a:tc>
+                  <a:txBody>
+                    <a:bodyPr/>
+                    <a:lstStyle/>
+                    <a:p>
+                      <a:r>
+                        <a:rPr lang="en-US" sz="1800"/>
+                        <a:t>0.102</a:t>
+                      </a:r>
+                      <a:endParaRPr lang="en-US" sz="1800" dirty="0"/>
+                    </a:p>
+                  </a:txBody>
+                  <a:tcPr marL="34290" marR="34290" marT="17145" marB="17145"/>
+                </a:tc>
+                <a:extLst>
+                  <a:ext uri="{0D108BD9-81ED-4DB2-BD59-A6C34878D82A}">
+                    <a16:rowId xmlns:a16="http://schemas.microsoft.com/office/drawing/2014/main" val="2450062889"/>
+                  </a:ext>
+                </a:extLst>
+              </a:tr>
+              <a:tr h="311078">
+                <a:tc>
+                  <a:txBody>
+                    <a:bodyPr/>
+                    <a:lstStyle/>
+                    <a:p>
+                      <a:r>
+                        <a:rPr lang="en-US" sz="1800"/>
+                        <a:t>MAR-light</a:t>
+                      </a:r>
+                      <a:endParaRPr lang="en-US" sz="1800" dirty="0"/>
+                    </a:p>
+                  </a:txBody>
+                  <a:tcPr marL="34290" marR="34290" marT="17145" marB="17145">
+                    <a:solidFill>
+                      <a:schemeClr val="accent2"/>
+                    </a:solidFill>
+                  </a:tcPr>
+                </a:tc>
+                <a:tc>
+                  <a:txBody>
+                    <a:bodyPr/>
+                    <a:lstStyle/>
+                    <a:p>
+                      <a:r>
+                        <a:rPr lang="en-US" sz="1800"/>
+                        <a:t>0.9768</a:t>
+                      </a:r>
+                      <a:endParaRPr lang="en-US" sz="1800" dirty="0"/>
+                    </a:p>
+                  </a:txBody>
+                  <a:tcPr marL="34290" marR="34290" marT="17145" marB="17145"/>
+                </a:tc>
+                <a:tc>
+                  <a:txBody>
+                    <a:bodyPr/>
+                    <a:lstStyle/>
+                    <a:p>
+                      <a:r>
+                        <a:rPr lang="en-US" sz="1800"/>
+                        <a:t>2.315</a:t>
+                      </a:r>
+                      <a:endParaRPr lang="en-US" sz="1800" dirty="0"/>
+                    </a:p>
+                  </a:txBody>
+                  <a:tcPr marL="34290" marR="34290" marT="17145" marB="17145"/>
+                </a:tc>
+                <a:tc>
+                  <a:txBody>
+                    <a:bodyPr/>
+                    <a:lstStyle/>
+                    <a:p>
+                      <a:r>
+                        <a:rPr lang="en-US" sz="1800"/>
+                        <a:t>0.91</a:t>
+                      </a:r>
+                      <a:endParaRPr lang="en-US" sz="1800" dirty="0"/>
+                    </a:p>
+                  </a:txBody>
+                  <a:tcPr marL="34290" marR="34290" marT="17145" marB="17145"/>
+                </a:tc>
+                <a:tc>
+                  <a:txBody>
+                    <a:bodyPr/>
+                    <a:lstStyle/>
+                    <a:p>
+                      <a:r>
+                        <a:rPr lang="en-US" sz="1800"/>
+                        <a:t>0.108</a:t>
+                      </a:r>
+                      <a:endParaRPr lang="en-US" sz="1800" dirty="0"/>
+                    </a:p>
+                  </a:txBody>
+                  <a:tcPr marL="34290" marR="34290" marT="17145" marB="17145"/>
+                </a:tc>
+                <a:extLst>
+                  <a:ext uri="{0D108BD9-81ED-4DB2-BD59-A6C34878D82A}">
+                    <a16:rowId xmlns:a16="http://schemas.microsoft.com/office/drawing/2014/main" val="106183214"/>
+                  </a:ext>
+                </a:extLst>
+              </a:tr>
+              <a:tr h="399626">
+                <a:tc>
+                  <a:txBody>
+                    <a:bodyPr/>
+                    <a:lstStyle/>
+                    <a:p>
+                      <a:r>
+                        <a:rPr lang="en-US" sz="1800"/>
+                        <a:t>MAR-moderate</a:t>
+                      </a:r>
+                      <a:endParaRPr lang="en-US" sz="1800" dirty="0"/>
+                    </a:p>
+                  </a:txBody>
+                  <a:tcPr marL="34290" marR="34290" marT="17145" marB="17145">
+                    <a:solidFill>
+                      <a:schemeClr val="accent2"/>
+                    </a:solidFill>
+                  </a:tcPr>
+                </a:tc>
+                <a:tc>
+                  <a:txBody>
+                    <a:bodyPr/>
+                    <a:lstStyle/>
+                    <a:p>
+                      <a:r>
+                        <a:rPr lang="en-US" sz="1800"/>
+                        <a:t>0.9799</a:t>
+                      </a:r>
+                      <a:endParaRPr lang="en-US" sz="1800" dirty="0"/>
+                    </a:p>
+                  </a:txBody>
+                  <a:tcPr marL="34290" marR="34290" marT="17145" marB="17145"/>
+                </a:tc>
+                <a:tc>
+                  <a:txBody>
+                    <a:bodyPr/>
+                    <a:lstStyle/>
+                    <a:p>
+                      <a:r>
+                        <a:rPr lang="en-US" sz="1800"/>
+                        <a:t>2.011</a:t>
+                      </a:r>
+                      <a:endParaRPr lang="en-US" sz="1800" dirty="0"/>
+                    </a:p>
+                  </a:txBody>
+                  <a:tcPr marL="34290" marR="34290" marT="17145" marB="17145"/>
+                </a:tc>
+                <a:tc>
+                  <a:txBody>
+                    <a:bodyPr/>
+                    <a:lstStyle/>
+                    <a:p>
+                      <a:r>
+                        <a:rPr lang="en-US" sz="1800"/>
+                        <a:t>0.91</a:t>
+                      </a:r>
+                      <a:endParaRPr lang="en-US" sz="1800" dirty="0"/>
+                    </a:p>
+                  </a:txBody>
+                  <a:tcPr marL="34290" marR="34290" marT="17145" marB="17145"/>
+                </a:tc>
+                <a:tc>
+                  <a:txBody>
+                    <a:bodyPr/>
+                    <a:lstStyle/>
+                    <a:p>
+                      <a:r>
+                        <a:rPr lang="en-US" sz="1800"/>
+                        <a:t>0.095</a:t>
+                      </a:r>
+                      <a:endParaRPr lang="en-US" sz="1800" dirty="0"/>
+                    </a:p>
+                  </a:txBody>
+                  <a:tcPr marL="34290" marR="34290" marT="17145" marB="17145"/>
+                </a:tc>
+                <a:extLst>
+                  <a:ext uri="{0D108BD9-81ED-4DB2-BD59-A6C34878D82A}">
+                    <a16:rowId xmlns:a16="http://schemas.microsoft.com/office/drawing/2014/main" val="2167119470"/>
+                  </a:ext>
+                </a:extLst>
+              </a:tr>
+              <a:tr h="311078">
+                <a:tc>
+                  <a:txBody>
+                    <a:bodyPr/>
+                    <a:lstStyle/>
+                    <a:p>
+                      <a:r>
+                        <a:rPr lang="en-US" sz="1800"/>
+                        <a:t>MAR-heavy</a:t>
+                      </a:r>
+                      <a:endParaRPr lang="en-US" sz="1800" dirty="0"/>
+                    </a:p>
+                  </a:txBody>
+                  <a:tcPr marL="34290" marR="34290" marT="17145" marB="17145">
+                    <a:solidFill>
+                      <a:schemeClr val="accent2"/>
+                    </a:solidFill>
+                  </a:tcPr>
+                </a:tc>
+                <a:tc>
+                  <a:txBody>
+                    <a:bodyPr/>
+                    <a:lstStyle/>
+                    <a:p>
+                      <a:r>
+                        <a:rPr lang="en-US" sz="1800"/>
+                        <a:t>0.9841</a:t>
+                      </a:r>
+                      <a:endParaRPr lang="en-US" sz="1800" dirty="0"/>
+                    </a:p>
+                  </a:txBody>
+                  <a:tcPr marL="34290" marR="34290" marT="17145" marB="17145"/>
+                </a:tc>
+                <a:tc>
+                  <a:txBody>
+                    <a:bodyPr/>
+                    <a:lstStyle/>
+                    <a:p>
+                      <a:r>
+                        <a:rPr lang="en-US" sz="1800"/>
+                        <a:t>1.588</a:t>
+                      </a:r>
+                      <a:endParaRPr lang="en-US" sz="1800" dirty="0"/>
+                    </a:p>
+                  </a:txBody>
+                  <a:tcPr marL="34290" marR="34290" marT="17145" marB="17145"/>
+                </a:tc>
+                <a:tc>
+                  <a:txBody>
+                    <a:bodyPr/>
+                    <a:lstStyle/>
+                    <a:p>
+                      <a:r>
+                        <a:rPr lang="en-US" sz="1800"/>
+                        <a:t>0.90</a:t>
+                      </a:r>
+                      <a:endParaRPr lang="en-US" sz="1800" dirty="0"/>
+                    </a:p>
+                  </a:txBody>
+                  <a:tcPr marL="34290" marR="34290" marT="17145" marB="17145"/>
+                </a:tc>
+                <a:tc>
+                  <a:txBody>
+                    <a:bodyPr/>
+                    <a:lstStyle/>
+                    <a:p>
+                      <a:r>
+                        <a:rPr lang="en-US" sz="1800"/>
+                        <a:t>0.082</a:t>
+                      </a:r>
+                      <a:endParaRPr lang="en-US" sz="1800" dirty="0"/>
+                    </a:p>
+                  </a:txBody>
+                  <a:tcPr marL="34290" marR="34290" marT="17145" marB="17145"/>
+                </a:tc>
+                <a:extLst>
+                  <a:ext uri="{0D108BD9-81ED-4DB2-BD59-A6C34878D82A}">
+                    <a16:rowId xmlns:a16="http://schemas.microsoft.com/office/drawing/2014/main" val="4197118472"/>
+                  </a:ext>
+                </a:extLst>
+              </a:tr>
+              <a:tr h="311078">
+                <a:tc>
+                  <a:txBody>
+                    <a:bodyPr/>
+                    <a:lstStyle/>
+                    <a:p>
+                      <a:r>
+                        <a:rPr lang="en-US" sz="1800"/>
+                        <a:t>MNAR-light</a:t>
+                      </a:r>
+                      <a:endParaRPr lang="en-US" sz="1800" dirty="0"/>
+                    </a:p>
+                  </a:txBody>
+                  <a:tcPr marL="34290" marR="34290" marT="17145" marB="17145">
+                    <a:solidFill>
+                      <a:schemeClr val="accent2"/>
+                    </a:solidFill>
+                  </a:tcPr>
+                </a:tc>
+                <a:tc>
+                  <a:txBody>
+                    <a:bodyPr/>
+                    <a:lstStyle/>
+                    <a:p>
+                      <a:r>
+                        <a:rPr lang="en-US" sz="1800"/>
+                        <a:t>1.0174</a:t>
+                      </a:r>
+                      <a:endParaRPr lang="en-US" sz="1800" dirty="0"/>
+                    </a:p>
+                  </a:txBody>
+                  <a:tcPr marL="34290" marR="34290" marT="17145" marB="17145"/>
+                </a:tc>
+                <a:tc>
+                  <a:txBody>
+                    <a:bodyPr/>
+                    <a:lstStyle/>
+                    <a:p>
+                      <a:r>
+                        <a:rPr lang="en-US" sz="1800"/>
+                        <a:t>1.740</a:t>
+                      </a:r>
+                      <a:endParaRPr lang="en-US" sz="1800" dirty="0"/>
+                    </a:p>
+                  </a:txBody>
+                  <a:tcPr marL="34290" marR="34290" marT="17145" marB="17145"/>
+                </a:tc>
+                <a:tc>
+                  <a:txBody>
+                    <a:bodyPr/>
+                    <a:lstStyle/>
+                    <a:p>
+                      <a:r>
+                        <a:rPr lang="en-US" sz="1800"/>
+                        <a:t>0.96</a:t>
+                      </a:r>
+                      <a:endParaRPr lang="en-US" sz="1800" dirty="0"/>
+                    </a:p>
+                  </a:txBody>
+                  <a:tcPr marL="34290" marR="34290" marT="17145" marB="17145"/>
+                </a:tc>
+                <a:tc>
+                  <a:txBody>
+                    <a:bodyPr/>
+                    <a:lstStyle/>
+                    <a:p>
+                      <a:r>
+                        <a:rPr lang="en-US" sz="1800"/>
+                        <a:t>0.306</a:t>
+                      </a:r>
+                      <a:endParaRPr lang="en-US" sz="1800" dirty="0"/>
+                    </a:p>
+                  </a:txBody>
+                  <a:tcPr marL="34290" marR="34290" marT="17145" marB="17145"/>
+                </a:tc>
+                <a:extLst>
+                  <a:ext uri="{0D108BD9-81ED-4DB2-BD59-A6C34878D82A}">
+                    <a16:rowId xmlns:a16="http://schemas.microsoft.com/office/drawing/2014/main" val="4122388607"/>
+                  </a:ext>
+                </a:extLst>
+              </a:tr>
+              <a:tr h="587592">
+                <a:tc>
+                  <a:txBody>
+                    <a:bodyPr/>
+                    <a:lstStyle/>
+                    <a:p>
+                      <a:r>
+                        <a:rPr lang="en-US" sz="1800"/>
+                        <a:t>MNAR-moderate</a:t>
+                      </a:r>
+                      <a:endParaRPr lang="en-US" sz="1800" dirty="0"/>
+                    </a:p>
+                  </a:txBody>
+                  <a:tcPr marL="34290" marR="34290" marT="17145" marB="17145">
+                    <a:solidFill>
+                      <a:schemeClr val="accent2"/>
+                    </a:solidFill>
+                  </a:tcPr>
+                </a:tc>
+                <a:tc>
+                  <a:txBody>
+                    <a:bodyPr/>
+                    <a:lstStyle/>
+                    <a:p>
+                      <a:r>
+                        <a:rPr lang="en-US" sz="1800"/>
+                        <a:t>1.0262</a:t>
+                      </a:r>
+                      <a:endParaRPr lang="en-US" sz="1800" dirty="0"/>
+                    </a:p>
+                  </a:txBody>
+                  <a:tcPr marL="34290" marR="34290" marT="17145" marB="17145"/>
+                </a:tc>
+                <a:tc>
+                  <a:txBody>
+                    <a:bodyPr/>
+                    <a:lstStyle/>
+                    <a:p>
+                      <a:r>
+                        <a:rPr lang="en-US" sz="1800"/>
+                        <a:t>2.615</a:t>
+                      </a:r>
+                      <a:endParaRPr lang="en-US" sz="1800" dirty="0"/>
+                    </a:p>
+                  </a:txBody>
+                  <a:tcPr marL="34290" marR="34290" marT="17145" marB="17145"/>
+                </a:tc>
+                <a:tc>
+                  <a:txBody>
+                    <a:bodyPr/>
+                    <a:lstStyle/>
+                    <a:p>
+                      <a:r>
+                        <a:rPr lang="en-US" sz="1800"/>
+                        <a:t>0.95</a:t>
+                      </a:r>
+                      <a:endParaRPr lang="en-US" sz="1800" dirty="0"/>
+                    </a:p>
+                  </a:txBody>
+                  <a:tcPr marL="34290" marR="34290" marT="17145" marB="17145"/>
+                </a:tc>
+                <a:tc>
+                  <a:txBody>
+                    <a:bodyPr/>
+                    <a:lstStyle/>
+                    <a:p>
+                      <a:r>
+                        <a:rPr lang="en-US" sz="1800"/>
+                        <a:t>0.331</a:t>
+                      </a:r>
+                      <a:endParaRPr lang="en-US" sz="1800" dirty="0"/>
+                    </a:p>
+                  </a:txBody>
+                  <a:tcPr marL="34290" marR="34290" marT="17145" marB="17145"/>
+                </a:tc>
+                <a:extLst>
+                  <a:ext uri="{0D108BD9-81ED-4DB2-BD59-A6C34878D82A}">
+                    <a16:rowId xmlns:a16="http://schemas.microsoft.com/office/drawing/2014/main" val="1306177704"/>
+                  </a:ext>
+                </a:extLst>
+              </a:tr>
+              <a:tr h="311078">
+                <a:tc>
+                  <a:txBody>
+                    <a:bodyPr/>
+                    <a:lstStyle/>
+                    <a:p>
+                      <a:r>
+                        <a:rPr lang="en-US" sz="1800"/>
+                        <a:t>MNAR-heavy</a:t>
+                      </a:r>
+                      <a:endParaRPr lang="en-US" sz="1800" dirty="0"/>
+                    </a:p>
+                  </a:txBody>
+                  <a:tcPr marL="34290" marR="34290" marT="17145" marB="17145">
+                    <a:solidFill>
+                      <a:schemeClr val="accent2"/>
+                    </a:solidFill>
+                  </a:tcPr>
+                </a:tc>
+                <a:tc>
+                  <a:txBody>
+                    <a:bodyPr/>
+                    <a:lstStyle/>
+                    <a:p>
+                      <a:r>
+                        <a:rPr lang="en-US" sz="1800"/>
+                        <a:t>1.0485</a:t>
+                      </a:r>
+                      <a:endParaRPr lang="en-US" sz="1800" dirty="0"/>
+                    </a:p>
+                  </a:txBody>
+                  <a:tcPr marL="34290" marR="34290" marT="17145" marB="17145"/>
+                </a:tc>
+                <a:tc>
+                  <a:txBody>
+                    <a:bodyPr/>
+                    <a:lstStyle/>
+                    <a:p>
+                      <a:r>
+                        <a:rPr lang="en-US" sz="1800"/>
+                        <a:t>4.853</a:t>
+                      </a:r>
+                      <a:endParaRPr lang="en-US" sz="1800" dirty="0"/>
+                    </a:p>
+                  </a:txBody>
+                  <a:tcPr marL="34290" marR="34290" marT="17145" marB="17145"/>
+                </a:tc>
+                <a:tc>
+                  <a:txBody>
+                    <a:bodyPr/>
+                    <a:lstStyle/>
+                    <a:p>
+                      <a:r>
+                        <a:rPr lang="en-US" sz="1800"/>
+                        <a:t>0.88</a:t>
+                      </a:r>
+                      <a:endParaRPr lang="en-US" sz="1800" dirty="0"/>
+                    </a:p>
+                  </a:txBody>
+                  <a:tcPr marL="34290" marR="34290" marT="17145" marB="17145"/>
+                </a:tc>
+                <a:tc>
+                  <a:txBody>
+                    <a:bodyPr/>
+                    <a:lstStyle/>
+                    <a:p>
+                      <a:r>
+                        <a:rPr lang="en-US" sz="1800" dirty="0"/>
+                        <a:t>0.388</a:t>
+                      </a:r>
+                    </a:p>
+                  </a:txBody>
+                  <a:tcPr marL="34290" marR="34290" marT="17145" marB="17145"/>
+                </a:tc>
+                <a:extLst>
+                  <a:ext uri="{0D108BD9-81ED-4DB2-BD59-A6C34878D82A}">
+                    <a16:rowId xmlns:a16="http://schemas.microsoft.com/office/drawing/2014/main" val="4228847266"/>
+                  </a:ext>
+                </a:extLst>
+              </a:tr>
+            </a:tbl>
+          </a:graphicData>
+        </a:graphic>
+      </p:graphicFrame>
+      <p:sp>
+        <p:nvSpPr>
+          <p:cNvPr id="860" name="TextBox 859">
+            <a:extLst>
+              <a:ext uri="{FF2B5EF4-FFF2-40B4-BE49-F238E27FC236}">
+                <a16:creationId xmlns:a16="http://schemas.microsoft.com/office/drawing/2014/main" id="{0A8603BB-4FF8-2E7A-0FEE-5EAADB55A068}"/>
+              </a:ext>
+            </a:extLst>
+          </p:cNvPr>
+          <p:cNvSpPr txBox="1"/>
+          <p:nvPr/>
+        </p:nvSpPr>
+        <p:spPr>
+          <a:xfrm>
+            <a:off x="11375581" y="6794760"/>
+            <a:ext cx="970650" cy="369332"/>
+          </a:xfrm>
+          <a:prstGeom prst="rect">
+            <a:avLst/>
+          </a:prstGeom>
+          <a:noFill/>
+        </p:spPr>
+        <p:txBody>
+          <a:bodyPr wrap="none" rtlCol="0">
+            <a:spAutoFit/>
+          </a:bodyPr>
+          <a:lstStyle/>
+          <a:p>
+            <a:r>
+              <a:rPr lang="en-US" u="sng" dirty="0">
+                <a:solidFill>
+                  <a:schemeClr val="accent2"/>
+                </a:solidFill>
+              </a:rPr>
+              <a:t>RESULTS</a:t>
+            </a:r>
+          </a:p>
+        </p:txBody>
+      </p:sp>
     </p:spTree>
     <p:extLst>
       <p:ext uri="{BB962C8B-B14F-4D97-AF65-F5344CB8AC3E}">
@@ -18125,6 +21839,1422 @@
 </file>
 
 <file path=ppt/slides/slide4.xml><?xml version="1.0" encoding="utf-8"?>
+<p:sld xmlns:a="http://schemas.openxmlformats.org/drawingml/2006/main" xmlns:r="http://schemas.openxmlformats.org/officeDocument/2006/relationships" xmlns:p="http://schemas.openxmlformats.org/presentationml/2006/main">
+  <p:cSld>
+    <p:spTree>
+      <p:nvGrpSpPr>
+        <p:cNvPr id="1" name=""/>
+        <p:cNvGrpSpPr/>
+        <p:nvPr/>
+      </p:nvGrpSpPr>
+      <p:grpSpPr>
+        <a:xfrm>
+          <a:off x="0" y="0"/>
+          <a:ext cx="0" cy="0"/>
+          <a:chOff x="0" y="0"/>
+          <a:chExt cx="0" cy="0"/>
+        </a:xfrm>
+      </p:grpSpPr>
+      <p:sp>
+        <p:nvSpPr>
+          <p:cNvPr id="770" name="TextBox 769">
+            <a:extLst>
+              <a:ext uri="{FF2B5EF4-FFF2-40B4-BE49-F238E27FC236}">
+                <a16:creationId xmlns:a16="http://schemas.microsoft.com/office/drawing/2014/main" id="{938DA395-CBCF-EE45-5154-7BD952451EDA}"/>
+              </a:ext>
+            </a:extLst>
+          </p:cNvPr>
+          <p:cNvSpPr txBox="1"/>
+          <p:nvPr/>
+        </p:nvSpPr>
+        <p:spPr>
+          <a:xfrm>
+            <a:off x="5468113" y="19874"/>
+            <a:ext cx="26504126" cy="1446678"/>
+          </a:xfrm>
+          <a:prstGeom prst="rect">
+            <a:avLst/>
+          </a:prstGeom>
+          <a:noFill/>
+        </p:spPr>
+        <p:txBody>
+          <a:bodyPr wrap="square">
+            <a:spAutoFit/>
+          </a:bodyPr>
+          <a:lstStyle/>
+          <a:p>
+            <a:r>
+              <a:rPr lang="en-US" sz="8801" dirty="0">
+                <a:solidFill>
+                  <a:schemeClr val="accent2">
+                    <a:lumMod val="75000"/>
+                  </a:schemeClr>
+                </a:solidFill>
+                <a:latin typeface="Times New Roman" panose="02020603050405020304" pitchFamily="18" charset="0"/>
+                <a:cs typeface="Times New Roman" panose="02020603050405020304" pitchFamily="18" charset="0"/>
+              </a:rPr>
+              <a:t>Effects of missing data on statistical analysis</a:t>
+            </a:r>
+          </a:p>
+        </p:txBody>
+      </p:sp>
+      <p:sp>
+        <p:nvSpPr>
+          <p:cNvPr id="771" name="TextBox 770">
+            <a:extLst>
+              <a:ext uri="{FF2B5EF4-FFF2-40B4-BE49-F238E27FC236}">
+                <a16:creationId xmlns:a16="http://schemas.microsoft.com/office/drawing/2014/main" id="{EA9B3F00-C122-DCD0-8A19-03DCB8912605}"/>
+              </a:ext>
+            </a:extLst>
+          </p:cNvPr>
+          <p:cNvSpPr txBox="1"/>
+          <p:nvPr/>
+        </p:nvSpPr>
+        <p:spPr>
+          <a:xfrm>
+            <a:off x="12412557" y="1506250"/>
+            <a:ext cx="5408275" cy="646331"/>
+          </a:xfrm>
+          <a:prstGeom prst="rect">
+            <a:avLst/>
+          </a:prstGeom>
+          <a:noFill/>
+        </p:spPr>
+        <p:txBody>
+          <a:bodyPr wrap="none" rtlCol="0">
+            <a:spAutoFit/>
+          </a:bodyPr>
+          <a:lstStyle/>
+          <a:p>
+            <a:r>
+              <a:rPr lang="en-US" sz="3600" dirty="0">
+                <a:solidFill>
+                  <a:schemeClr val="accent2">
+                    <a:lumMod val="75000"/>
+                  </a:schemeClr>
+                </a:solidFill>
+              </a:rPr>
+              <a:t>Leo Watson, Nathalie Moon</a:t>
+            </a:r>
+          </a:p>
+        </p:txBody>
+      </p:sp>
+      <p:pic>
+        <p:nvPicPr>
+          <p:cNvPr id="772" name="Picture 771">
+            <a:extLst>
+              <a:ext uri="{FF2B5EF4-FFF2-40B4-BE49-F238E27FC236}">
+                <a16:creationId xmlns:a16="http://schemas.microsoft.com/office/drawing/2014/main" id="{0FC03FE9-1126-DCCD-DA9F-A804DFD43C50}"/>
+              </a:ext>
+            </a:extLst>
+          </p:cNvPr>
+          <p:cNvPicPr>
+            <a:picLocks noChangeAspect="1"/>
+          </p:cNvPicPr>
+          <p:nvPr/>
+        </p:nvPicPr>
+        <p:blipFill>
+          <a:blip r:embed="rId3"/>
+          <a:stretch>
+            <a:fillRect/>
+          </a:stretch>
+        </p:blipFill>
+        <p:spPr>
+          <a:xfrm>
+            <a:off x="29517976" y="334905"/>
+            <a:ext cx="2454263" cy="1817676"/>
+          </a:xfrm>
+          <a:prstGeom prst="rect">
+            <a:avLst/>
+          </a:prstGeom>
+        </p:spPr>
+      </p:pic>
+      <p:sp>
+        <p:nvSpPr>
+          <p:cNvPr id="28" name="Rectangle 27">
+            <a:extLst>
+              <a:ext uri="{FF2B5EF4-FFF2-40B4-BE49-F238E27FC236}">
+                <a16:creationId xmlns:a16="http://schemas.microsoft.com/office/drawing/2014/main" id="{009FDB95-9D43-ACB4-D339-F77839759C70}"/>
+              </a:ext>
+            </a:extLst>
+          </p:cNvPr>
+          <p:cNvSpPr/>
+          <p:nvPr/>
+        </p:nvSpPr>
+        <p:spPr>
+          <a:xfrm>
+            <a:off x="379462" y="6070937"/>
+            <a:ext cx="10058400" cy="10053358"/>
+          </a:xfrm>
+          <a:prstGeom prst="rect">
+            <a:avLst/>
+          </a:prstGeom>
+          <a:noFill/>
+        </p:spPr>
+        <p:style>
+          <a:lnRef idx="2">
+            <a:schemeClr val="accent1">
+              <a:shade val="50000"/>
+            </a:schemeClr>
+          </a:lnRef>
+          <a:fillRef idx="1">
+            <a:schemeClr val="accent1"/>
+          </a:fillRef>
+          <a:effectRef idx="0">
+            <a:schemeClr val="accent1"/>
+          </a:effectRef>
+          <a:fontRef idx="minor">
+            <a:schemeClr val="lt1"/>
+          </a:fontRef>
+        </p:style>
+        <p:txBody>
+          <a:bodyPr rtlCol="0" anchor="ctr"/>
+          <a:lstStyle/>
+          <a:p>
+            <a:pPr algn="ctr"/>
+            <a:endParaRPr lang="en-US"/>
+          </a:p>
+        </p:txBody>
+      </p:sp>
+      <p:sp>
+        <p:nvSpPr>
+          <p:cNvPr id="34" name="Rectangle 33">
+            <a:extLst>
+              <a:ext uri="{FF2B5EF4-FFF2-40B4-BE49-F238E27FC236}">
+                <a16:creationId xmlns:a16="http://schemas.microsoft.com/office/drawing/2014/main" id="{5303368D-E585-3A07-B4E4-ACC4BAF4C62E}"/>
+              </a:ext>
+            </a:extLst>
+          </p:cNvPr>
+          <p:cNvSpPr/>
+          <p:nvPr/>
+        </p:nvSpPr>
+        <p:spPr>
+          <a:xfrm>
+            <a:off x="11172959" y="2341911"/>
+            <a:ext cx="10058400" cy="13782384"/>
+          </a:xfrm>
+          <a:prstGeom prst="rect">
+            <a:avLst/>
+          </a:prstGeom>
+          <a:noFill/>
+        </p:spPr>
+        <p:style>
+          <a:lnRef idx="2">
+            <a:schemeClr val="accent1">
+              <a:shade val="50000"/>
+            </a:schemeClr>
+          </a:lnRef>
+          <a:fillRef idx="1">
+            <a:schemeClr val="accent1"/>
+          </a:fillRef>
+          <a:effectRef idx="0">
+            <a:schemeClr val="accent1"/>
+          </a:effectRef>
+          <a:fontRef idx="minor">
+            <a:schemeClr val="lt1"/>
+          </a:fontRef>
+        </p:style>
+        <p:txBody>
+          <a:bodyPr rtlCol="0" anchor="ctr"/>
+          <a:lstStyle/>
+          <a:p>
+            <a:pPr algn="ctr"/>
+            <a:endParaRPr lang="en-US"/>
+          </a:p>
+        </p:txBody>
+      </p:sp>
+      <p:sp>
+        <p:nvSpPr>
+          <p:cNvPr id="36" name="Rectangle 35">
+            <a:extLst>
+              <a:ext uri="{FF2B5EF4-FFF2-40B4-BE49-F238E27FC236}">
+                <a16:creationId xmlns:a16="http://schemas.microsoft.com/office/drawing/2014/main" id="{51729CC2-67FC-3219-2C9B-961E2B1358C5}"/>
+              </a:ext>
+            </a:extLst>
+          </p:cNvPr>
+          <p:cNvSpPr/>
+          <p:nvPr/>
+        </p:nvSpPr>
+        <p:spPr>
+          <a:xfrm>
+            <a:off x="22449663" y="2341911"/>
+            <a:ext cx="10058400" cy="13782384"/>
+          </a:xfrm>
+          <a:prstGeom prst="rect">
+            <a:avLst/>
+          </a:prstGeom>
+          <a:noFill/>
+        </p:spPr>
+        <p:style>
+          <a:lnRef idx="2">
+            <a:schemeClr val="accent1">
+              <a:shade val="50000"/>
+            </a:schemeClr>
+          </a:lnRef>
+          <a:fillRef idx="1">
+            <a:schemeClr val="accent1"/>
+          </a:fillRef>
+          <a:effectRef idx="0">
+            <a:schemeClr val="accent1"/>
+          </a:effectRef>
+          <a:fontRef idx="minor">
+            <a:schemeClr val="lt1"/>
+          </a:fontRef>
+        </p:style>
+        <p:txBody>
+          <a:bodyPr rtlCol="0" anchor="ctr"/>
+          <a:lstStyle/>
+          <a:p>
+            <a:pPr algn="ctr"/>
+            <a:endParaRPr lang="en-US"/>
+          </a:p>
+        </p:txBody>
+      </p:sp>
+      <p:sp>
+        <p:nvSpPr>
+          <p:cNvPr id="38" name="TextBox 37">
+            <a:extLst>
+              <a:ext uri="{FF2B5EF4-FFF2-40B4-BE49-F238E27FC236}">
+                <a16:creationId xmlns:a16="http://schemas.microsoft.com/office/drawing/2014/main" id="{21307BA7-E164-3AA0-EBCC-46A81AD53AD7}"/>
+              </a:ext>
+            </a:extLst>
+          </p:cNvPr>
+          <p:cNvSpPr txBox="1"/>
+          <p:nvPr/>
+        </p:nvSpPr>
+        <p:spPr>
+          <a:xfrm>
+            <a:off x="22718427" y="11506759"/>
+            <a:ext cx="3158237" cy="830997"/>
+          </a:xfrm>
+          <a:prstGeom prst="rect">
+            <a:avLst/>
+          </a:prstGeom>
+          <a:noFill/>
+        </p:spPr>
+        <p:txBody>
+          <a:bodyPr wrap="none" rtlCol="0">
+            <a:spAutoFit/>
+          </a:bodyPr>
+          <a:lstStyle/>
+          <a:p>
+            <a:r>
+              <a:rPr lang="en-US" sz="4800" dirty="0"/>
+              <a:t>Conclusions</a:t>
+            </a:r>
+          </a:p>
+        </p:txBody>
+      </p:sp>
+      <p:sp>
+        <p:nvSpPr>
+          <p:cNvPr id="40" name="TextBox 39">
+            <a:extLst>
+              <a:ext uri="{FF2B5EF4-FFF2-40B4-BE49-F238E27FC236}">
+                <a16:creationId xmlns:a16="http://schemas.microsoft.com/office/drawing/2014/main" id="{18D9E7AB-4689-6F53-0AE0-AF964B52D6C1}"/>
+              </a:ext>
+            </a:extLst>
+          </p:cNvPr>
+          <p:cNvSpPr txBox="1"/>
+          <p:nvPr/>
+        </p:nvSpPr>
+        <p:spPr>
+          <a:xfrm>
+            <a:off x="23480078" y="12847919"/>
+            <a:ext cx="4793172" cy="830997"/>
+          </a:xfrm>
+          <a:prstGeom prst="rect">
+            <a:avLst/>
+          </a:prstGeom>
+          <a:noFill/>
+        </p:spPr>
+        <p:txBody>
+          <a:bodyPr wrap="none" rtlCol="0">
+            <a:spAutoFit/>
+          </a:bodyPr>
+          <a:lstStyle/>
+          <a:p>
+            <a:r>
+              <a:rPr lang="en-US" sz="4800" dirty="0"/>
+              <a:t>Acknowledgments</a:t>
+            </a:r>
+          </a:p>
+        </p:txBody>
+      </p:sp>
+      <p:sp>
+        <p:nvSpPr>
+          <p:cNvPr id="42" name="TextBox 41">
+            <a:extLst>
+              <a:ext uri="{FF2B5EF4-FFF2-40B4-BE49-F238E27FC236}">
+                <a16:creationId xmlns:a16="http://schemas.microsoft.com/office/drawing/2014/main" id="{DBF23FAD-757C-84E0-C2E9-E3611844CD54}"/>
+              </a:ext>
+            </a:extLst>
+          </p:cNvPr>
+          <p:cNvSpPr txBox="1"/>
+          <p:nvPr/>
+        </p:nvSpPr>
+        <p:spPr>
+          <a:xfrm>
+            <a:off x="482736" y="3277869"/>
+            <a:ext cx="10098272" cy="584775"/>
+          </a:xfrm>
+          <a:prstGeom prst="rect">
+            <a:avLst/>
+          </a:prstGeom>
+          <a:noFill/>
+        </p:spPr>
+        <p:txBody>
+          <a:bodyPr wrap="square">
+            <a:spAutoFit/>
+          </a:bodyPr>
+          <a:lstStyle/>
+          <a:p>
+            <a:pPr fontAlgn="base"/>
+            <a:r>
+              <a:rPr lang="en-US" sz="1600" dirty="0">
+                <a:solidFill>
+                  <a:srgbClr val="333333"/>
+                </a:solidFill>
+                <a:latin typeface="Times New Roman" panose="02020603050405020304" pitchFamily="18" charset="0"/>
+                <a:cs typeface="Times New Roman" panose="02020603050405020304" pitchFamily="18" charset="0"/>
+              </a:rPr>
+              <a:t>Analyzing </a:t>
+            </a:r>
+            <a:r>
+              <a:rPr lang="en-US" sz="1600" b="1" dirty="0">
+                <a:solidFill>
+                  <a:srgbClr val="333333"/>
+                </a:solidFill>
+                <a:latin typeface="Times New Roman" panose="02020603050405020304" pitchFamily="18" charset="0"/>
+                <a:cs typeface="Times New Roman" panose="02020603050405020304" pitchFamily="18" charset="0"/>
+              </a:rPr>
+              <a:t>missing data mechanisms, modern approaches to handling missing data</a:t>
+            </a:r>
+            <a:r>
+              <a:rPr lang="en-US" sz="1600" dirty="0">
+                <a:solidFill>
+                  <a:srgbClr val="333333"/>
+                </a:solidFill>
+                <a:latin typeface="Times New Roman" panose="02020603050405020304" pitchFamily="18" charset="0"/>
+                <a:cs typeface="Times New Roman" panose="02020603050405020304" pitchFamily="18" charset="0"/>
+              </a:rPr>
+              <a:t>. </a:t>
+            </a:r>
+            <a:r>
+              <a:rPr lang="en-US" sz="1600" b="1" dirty="0">
+                <a:solidFill>
+                  <a:srgbClr val="333333"/>
+                </a:solidFill>
+                <a:latin typeface="Times New Roman" panose="02020603050405020304" pitchFamily="18" charset="0"/>
+                <a:cs typeface="Times New Roman" panose="02020603050405020304" pitchFamily="18" charset="0"/>
+              </a:rPr>
+              <a:t>Designing</a:t>
+            </a:r>
+            <a:r>
+              <a:rPr lang="en-US" sz="1600" dirty="0">
+                <a:solidFill>
+                  <a:srgbClr val="333333"/>
+                </a:solidFill>
+                <a:latin typeface="Times New Roman" panose="02020603050405020304" pitchFamily="18" charset="0"/>
+                <a:cs typeface="Times New Roman" panose="02020603050405020304" pitchFamily="18" charset="0"/>
+              </a:rPr>
+              <a:t> </a:t>
+            </a:r>
+            <a:r>
+              <a:rPr lang="en-US" sz="1600" b="1" dirty="0">
+                <a:solidFill>
+                  <a:srgbClr val="333333"/>
+                </a:solidFill>
+                <a:latin typeface="Times New Roman" panose="02020603050405020304" pitchFamily="18" charset="0"/>
+                <a:cs typeface="Times New Roman" panose="02020603050405020304" pitchFamily="18" charset="0"/>
+              </a:rPr>
+              <a:t>R simulations </a:t>
+            </a:r>
+            <a:r>
+              <a:rPr lang="en-US" sz="1600" dirty="0">
+                <a:solidFill>
+                  <a:srgbClr val="333333"/>
+                </a:solidFill>
+                <a:latin typeface="Times New Roman" panose="02020603050405020304" pitchFamily="18" charset="0"/>
+                <a:cs typeface="Times New Roman" panose="02020603050405020304" pitchFamily="18" charset="0"/>
+              </a:rPr>
+              <a:t>to investigate hypotheses about imputation techniques.</a:t>
+            </a:r>
+            <a:endParaRPr lang="en-US" sz="1600" dirty="0">
+              <a:solidFill>
+                <a:srgbClr val="000000"/>
+              </a:solidFill>
+              <a:latin typeface="Times New Roman" panose="02020603050405020304" pitchFamily="18" charset="0"/>
+              <a:cs typeface="Times New Roman" panose="02020603050405020304" pitchFamily="18" charset="0"/>
+            </a:endParaRPr>
+          </a:p>
+        </p:txBody>
+      </p:sp>
+      <p:sp>
+        <p:nvSpPr>
+          <p:cNvPr id="45" name="テキスト ボックス 7">
+            <a:extLst>
+              <a:ext uri="{FF2B5EF4-FFF2-40B4-BE49-F238E27FC236}">
+                <a16:creationId xmlns:a16="http://schemas.microsoft.com/office/drawing/2014/main" id="{EF729A7A-CE13-6F97-11DF-80055F2FD596}"/>
+              </a:ext>
+            </a:extLst>
+          </p:cNvPr>
+          <p:cNvSpPr txBox="1"/>
+          <p:nvPr/>
+        </p:nvSpPr>
+        <p:spPr>
+          <a:xfrm>
+            <a:off x="467487" y="2364787"/>
+            <a:ext cx="10058400" cy="830997"/>
+          </a:xfrm>
+          <a:prstGeom prst="rect">
+            <a:avLst/>
+          </a:prstGeom>
+          <a:solidFill>
+            <a:schemeClr val="accent2"/>
+          </a:solidFill>
+          <a:ln>
+            <a:solidFill>
+              <a:schemeClr val="accent2"/>
+            </a:solidFill>
+          </a:ln>
+        </p:spPr>
+        <p:txBody>
+          <a:bodyPr wrap="square" rtlCol="0">
+            <a:spAutoFit/>
+          </a:bodyPr>
+          <a:lstStyle/>
+          <a:p>
+            <a:r>
+              <a:rPr lang="en-US" altLang="ja-JP" sz="4800" b="1" dirty="0">
+                <a:solidFill>
+                  <a:schemeClr val="bg1"/>
+                </a:solidFill>
+                <a:latin typeface="Helvetica Neue" charset="0"/>
+                <a:ea typeface="Helvetica Neue" charset="0"/>
+                <a:cs typeface="Helvetica Neue" charset="0"/>
+              </a:rPr>
+              <a:t> </a:t>
+            </a:r>
+            <a:r>
+              <a:rPr lang="en-US" altLang="ja-JP" sz="4000" b="1" dirty="0">
+                <a:solidFill>
+                  <a:schemeClr val="bg1"/>
+                </a:solidFill>
+                <a:latin typeface="Helvetica Neue" charset="0"/>
+                <a:ea typeface="Helvetica Neue" charset="0"/>
+                <a:cs typeface="Helvetica Neue" charset="0"/>
+              </a:rPr>
+              <a:t>Abstract</a:t>
+            </a:r>
+            <a:endParaRPr kumimoji="1" lang="ja-JP" altLang="en-US" sz="4800" b="1" dirty="0">
+              <a:solidFill>
+                <a:schemeClr val="bg1"/>
+              </a:solidFill>
+              <a:latin typeface="Helvetica Neue" charset="0"/>
+              <a:ea typeface="Helvetica Neue" charset="0"/>
+              <a:cs typeface="Helvetica Neue" charset="0"/>
+            </a:endParaRPr>
+          </a:p>
+        </p:txBody>
+      </p:sp>
+      <p:sp>
+        <p:nvSpPr>
+          <p:cNvPr id="47" name="テキスト ボックス 16">
+            <a:extLst>
+              <a:ext uri="{FF2B5EF4-FFF2-40B4-BE49-F238E27FC236}">
+                <a16:creationId xmlns:a16="http://schemas.microsoft.com/office/drawing/2014/main" id="{DDF3BC76-851A-739D-0A2E-6D0F5D25B6CB}"/>
+              </a:ext>
+            </a:extLst>
+          </p:cNvPr>
+          <p:cNvSpPr txBox="1"/>
+          <p:nvPr/>
+        </p:nvSpPr>
+        <p:spPr>
+          <a:xfrm>
+            <a:off x="379462" y="5231354"/>
+            <a:ext cx="10058400" cy="830997"/>
+          </a:xfrm>
+          <a:prstGeom prst="rect">
+            <a:avLst/>
+          </a:prstGeom>
+          <a:solidFill>
+            <a:schemeClr val="accent2"/>
+          </a:solidFill>
+          <a:ln>
+            <a:solidFill>
+              <a:schemeClr val="accent2"/>
+            </a:solidFill>
+          </a:ln>
+        </p:spPr>
+        <p:txBody>
+          <a:bodyPr wrap="square" rtlCol="0">
+            <a:spAutoFit/>
+          </a:bodyPr>
+          <a:lstStyle/>
+          <a:p>
+            <a:r>
+              <a:rPr lang="en-US" altLang="ja-JP" sz="4800" b="1" dirty="0">
+                <a:solidFill>
+                  <a:schemeClr val="bg1"/>
+                </a:solidFill>
+                <a:latin typeface="Helvetica Neue" charset="0"/>
+                <a:ea typeface="Helvetica Neue" charset="0"/>
+                <a:cs typeface="Helvetica Neue" charset="0"/>
+              </a:rPr>
+              <a:t> Introduction</a:t>
+            </a:r>
+            <a:endParaRPr kumimoji="1" lang="ja-JP" altLang="en-US" sz="4800" b="1" dirty="0">
+              <a:solidFill>
+                <a:schemeClr val="bg1"/>
+              </a:solidFill>
+              <a:latin typeface="Helvetica Neue" charset="0"/>
+              <a:ea typeface="Helvetica Neue" charset="0"/>
+              <a:cs typeface="Helvetica Neue" charset="0"/>
+            </a:endParaRPr>
+          </a:p>
+        </p:txBody>
+      </p:sp>
+      <p:sp>
+        <p:nvSpPr>
+          <p:cNvPr id="48" name="Rectangle 47">
+            <a:extLst>
+              <a:ext uri="{FF2B5EF4-FFF2-40B4-BE49-F238E27FC236}">
+                <a16:creationId xmlns:a16="http://schemas.microsoft.com/office/drawing/2014/main" id="{20289BB8-333C-B1D4-C039-93BEE4575539}"/>
+              </a:ext>
+            </a:extLst>
+          </p:cNvPr>
+          <p:cNvSpPr/>
+          <p:nvPr/>
+        </p:nvSpPr>
+        <p:spPr>
+          <a:xfrm>
+            <a:off x="438913" y="2341913"/>
+            <a:ext cx="10058400" cy="1692703"/>
+          </a:xfrm>
+          <a:prstGeom prst="rect">
+            <a:avLst/>
+          </a:prstGeom>
+          <a:noFill/>
+        </p:spPr>
+        <p:style>
+          <a:lnRef idx="2">
+            <a:schemeClr val="accent1">
+              <a:shade val="50000"/>
+            </a:schemeClr>
+          </a:lnRef>
+          <a:fillRef idx="1">
+            <a:schemeClr val="accent1"/>
+          </a:fillRef>
+          <a:effectRef idx="0">
+            <a:schemeClr val="accent1"/>
+          </a:effectRef>
+          <a:fontRef idx="minor">
+            <a:schemeClr val="lt1"/>
+          </a:fontRef>
+        </p:style>
+        <p:txBody>
+          <a:bodyPr rtlCol="0" anchor="ctr"/>
+          <a:lstStyle/>
+          <a:p>
+            <a:pPr algn="ctr"/>
+            <a:endParaRPr lang="en-US"/>
+          </a:p>
+        </p:txBody>
+      </p:sp>
+      <p:sp>
+        <p:nvSpPr>
+          <p:cNvPr id="51" name="テキスト ボックス 7">
+            <a:extLst>
+              <a:ext uri="{FF2B5EF4-FFF2-40B4-BE49-F238E27FC236}">
+                <a16:creationId xmlns:a16="http://schemas.microsoft.com/office/drawing/2014/main" id="{587DD216-E9A4-ACCF-3325-9FE88E18EB33}"/>
+              </a:ext>
+            </a:extLst>
+          </p:cNvPr>
+          <p:cNvSpPr txBox="1"/>
+          <p:nvPr/>
+        </p:nvSpPr>
+        <p:spPr>
+          <a:xfrm>
+            <a:off x="11182455" y="2364787"/>
+            <a:ext cx="10048904" cy="830997"/>
+          </a:xfrm>
+          <a:prstGeom prst="rect">
+            <a:avLst/>
+          </a:prstGeom>
+          <a:solidFill>
+            <a:schemeClr val="accent2"/>
+          </a:solidFill>
+          <a:ln>
+            <a:solidFill>
+              <a:schemeClr val="accent2"/>
+            </a:solidFill>
+          </a:ln>
+        </p:spPr>
+        <p:txBody>
+          <a:bodyPr wrap="square" rtlCol="0">
+            <a:spAutoFit/>
+          </a:bodyPr>
+          <a:lstStyle/>
+          <a:p>
+            <a:r>
+              <a:rPr lang="en-US" altLang="ja-JP" sz="4800" b="1" dirty="0">
+                <a:solidFill>
+                  <a:schemeClr val="bg1"/>
+                </a:solidFill>
+                <a:latin typeface="Helvetica Neue" charset="0"/>
+                <a:ea typeface="Helvetica Neue" charset="0"/>
+                <a:cs typeface="Helvetica Neue" charset="0"/>
+              </a:rPr>
+              <a:t>Investigation 1</a:t>
+            </a:r>
+            <a:endParaRPr kumimoji="1" lang="ja-JP" altLang="en-US" sz="4800" b="1" dirty="0">
+              <a:solidFill>
+                <a:schemeClr val="bg1"/>
+              </a:solidFill>
+              <a:latin typeface="Helvetica Neue" charset="0"/>
+              <a:ea typeface="Helvetica Neue" charset="0"/>
+              <a:cs typeface="Helvetica Neue" charset="0"/>
+            </a:endParaRPr>
+          </a:p>
+        </p:txBody>
+      </p:sp>
+      <p:sp>
+        <p:nvSpPr>
+          <p:cNvPr id="57" name="テキスト ボックス 7">
+            <a:extLst>
+              <a:ext uri="{FF2B5EF4-FFF2-40B4-BE49-F238E27FC236}">
+                <a16:creationId xmlns:a16="http://schemas.microsoft.com/office/drawing/2014/main" id="{FD2B723D-6B33-3E12-0830-D729A9A7587D}"/>
+              </a:ext>
+            </a:extLst>
+          </p:cNvPr>
+          <p:cNvSpPr txBox="1"/>
+          <p:nvPr/>
+        </p:nvSpPr>
+        <p:spPr>
+          <a:xfrm>
+            <a:off x="22454411" y="2341911"/>
+            <a:ext cx="10048904" cy="830997"/>
+          </a:xfrm>
+          <a:prstGeom prst="rect">
+            <a:avLst/>
+          </a:prstGeom>
+          <a:solidFill>
+            <a:schemeClr val="accent2"/>
+          </a:solidFill>
+          <a:ln>
+            <a:solidFill>
+              <a:schemeClr val="accent2"/>
+            </a:solidFill>
+          </a:ln>
+        </p:spPr>
+        <p:txBody>
+          <a:bodyPr wrap="square" rtlCol="0">
+            <a:spAutoFit/>
+          </a:bodyPr>
+          <a:lstStyle/>
+          <a:p>
+            <a:r>
+              <a:rPr lang="en-US" altLang="ja-JP" sz="4800" b="1" dirty="0">
+                <a:solidFill>
+                  <a:schemeClr val="bg1"/>
+                </a:solidFill>
+                <a:latin typeface="Helvetica Neue" charset="0"/>
+                <a:ea typeface="Helvetica Neue" charset="0"/>
+                <a:cs typeface="Helvetica Neue" charset="0"/>
+              </a:rPr>
+              <a:t>Investigation 2</a:t>
+            </a:r>
+            <a:endParaRPr kumimoji="1" lang="ja-JP" altLang="en-US" sz="4800" b="1" dirty="0">
+              <a:solidFill>
+                <a:schemeClr val="bg1"/>
+              </a:solidFill>
+              <a:latin typeface="Helvetica Neue" charset="0"/>
+              <a:ea typeface="Helvetica Neue" charset="0"/>
+              <a:cs typeface="Helvetica Neue" charset="0"/>
+            </a:endParaRPr>
+          </a:p>
+        </p:txBody>
+      </p:sp>
+      <p:pic>
+        <p:nvPicPr>
+          <p:cNvPr id="60" name="Picture 59" descr="Background pattern&#10;&#10;Description automatically generated">
+            <a:extLst>
+              <a:ext uri="{FF2B5EF4-FFF2-40B4-BE49-F238E27FC236}">
+                <a16:creationId xmlns:a16="http://schemas.microsoft.com/office/drawing/2014/main" id="{E5EC2968-63C2-5502-2594-602368C7D6AB}"/>
+              </a:ext>
+            </a:extLst>
+          </p:cNvPr>
+          <p:cNvPicPr>
+            <a:picLocks noChangeAspect="1"/>
+          </p:cNvPicPr>
+          <p:nvPr/>
+        </p:nvPicPr>
+        <p:blipFill>
+          <a:blip r:embed="rId4"/>
+          <a:stretch>
+            <a:fillRect/>
+          </a:stretch>
+        </p:blipFill>
+        <p:spPr>
+          <a:xfrm>
+            <a:off x="467486" y="179104"/>
+            <a:ext cx="1936079" cy="1936079"/>
+          </a:xfrm>
+          <a:prstGeom prst="rect">
+            <a:avLst/>
+          </a:prstGeom>
+        </p:spPr>
+      </p:pic>
+      <p:sp>
+        <p:nvSpPr>
+          <p:cNvPr id="62" name="TextBox 61">
+            <a:extLst>
+              <a:ext uri="{FF2B5EF4-FFF2-40B4-BE49-F238E27FC236}">
+                <a16:creationId xmlns:a16="http://schemas.microsoft.com/office/drawing/2014/main" id="{3BF09BE0-64DC-B462-E3B0-D0727CB13B5A}"/>
+              </a:ext>
+            </a:extLst>
+          </p:cNvPr>
+          <p:cNvSpPr txBox="1"/>
+          <p:nvPr/>
+        </p:nvSpPr>
+        <p:spPr>
+          <a:xfrm>
+            <a:off x="643629" y="6107892"/>
+            <a:ext cx="2501198" cy="646331"/>
+          </a:xfrm>
+          <a:prstGeom prst="rect">
+            <a:avLst/>
+          </a:prstGeom>
+          <a:noFill/>
+        </p:spPr>
+        <p:txBody>
+          <a:bodyPr wrap="none" rtlCol="0">
+            <a:spAutoFit/>
+          </a:bodyPr>
+          <a:lstStyle/>
+          <a:p>
+            <a:r>
+              <a:rPr lang="en-US" sz="3600" b="1" dirty="0">
+                <a:solidFill>
+                  <a:schemeClr val="accent2"/>
+                </a:solidFill>
+              </a:rPr>
+              <a:t>Motivations</a:t>
+            </a:r>
+          </a:p>
+        </p:txBody>
+      </p:sp>
+      <p:sp>
+        <p:nvSpPr>
+          <p:cNvPr id="768" name="TextBox 767">
+            <a:extLst>
+              <a:ext uri="{FF2B5EF4-FFF2-40B4-BE49-F238E27FC236}">
+                <a16:creationId xmlns:a16="http://schemas.microsoft.com/office/drawing/2014/main" id="{29C532AC-5E15-3B7E-A363-B91A8D273872}"/>
+              </a:ext>
+            </a:extLst>
+          </p:cNvPr>
+          <p:cNvSpPr txBox="1"/>
+          <p:nvPr/>
+        </p:nvSpPr>
+        <p:spPr>
+          <a:xfrm rot="10800000" flipV="1">
+            <a:off x="522483" y="8990752"/>
+            <a:ext cx="4515716" cy="646331"/>
+          </a:xfrm>
+          <a:prstGeom prst="rect">
+            <a:avLst/>
+          </a:prstGeom>
+          <a:noFill/>
+        </p:spPr>
+        <p:txBody>
+          <a:bodyPr wrap="square" rtlCol="0">
+            <a:spAutoFit/>
+          </a:bodyPr>
+          <a:lstStyle/>
+          <a:p>
+            <a:r>
+              <a:rPr lang="en-US" sz="3600" b="1" dirty="0">
+                <a:solidFill>
+                  <a:schemeClr val="accent2"/>
+                </a:solidFill>
+              </a:rPr>
+              <a:t>Definitions</a:t>
+            </a:r>
+          </a:p>
+        </p:txBody>
+      </p:sp>
+      <p:sp>
+        <p:nvSpPr>
+          <p:cNvPr id="769" name="TextBox 768">
+            <a:extLst>
+              <a:ext uri="{FF2B5EF4-FFF2-40B4-BE49-F238E27FC236}">
+                <a16:creationId xmlns:a16="http://schemas.microsoft.com/office/drawing/2014/main" id="{57712033-79B4-D12E-E743-1ED066014C7C}"/>
+              </a:ext>
+            </a:extLst>
+          </p:cNvPr>
+          <p:cNvSpPr txBox="1"/>
+          <p:nvPr/>
+        </p:nvSpPr>
+        <p:spPr>
+          <a:xfrm>
+            <a:off x="593144" y="6682428"/>
+            <a:ext cx="9810022" cy="2308324"/>
+          </a:xfrm>
+          <a:prstGeom prst="rect">
+            <a:avLst/>
+          </a:prstGeom>
+          <a:noFill/>
+        </p:spPr>
+        <p:txBody>
+          <a:bodyPr wrap="square" rtlCol="0">
+            <a:spAutoFit/>
+          </a:bodyPr>
+          <a:lstStyle/>
+          <a:p>
+            <a:pPr marL="214307" indent="-214307">
+              <a:buFont typeface="Arial" panose="020B0604020202020204" pitchFamily="34" charset="0"/>
+              <a:buChar char="•"/>
+            </a:pPr>
+            <a:r>
+              <a:rPr lang="en-US" sz="2800" dirty="0"/>
+              <a:t>Missing data everywhere in the real world but often troublesome &amp; swept under the rug.</a:t>
+            </a:r>
+          </a:p>
+          <a:p>
+            <a:pPr marL="214307" indent="-214307">
+              <a:buFont typeface="Arial" panose="020B0604020202020204" pitchFamily="34" charset="0"/>
+              <a:buChar char="•"/>
+            </a:pPr>
+            <a:r>
+              <a:rPr lang="en-US" sz="2800" dirty="0"/>
+              <a:t>Look into modern imputation techniques &amp; their pros/cons</a:t>
+            </a:r>
+          </a:p>
+          <a:p>
+            <a:pPr marL="671507" lvl="1" indent="-214307">
+              <a:buFont typeface="Arial" panose="020B0604020202020204" pitchFamily="34" charset="0"/>
+              <a:buChar char="•"/>
+            </a:pPr>
+            <a:r>
+              <a:rPr lang="en-US" sz="2800" dirty="0"/>
+              <a:t>Specifically, runtime and how to optimize it without sacrificing bias, error, and other performance measures</a:t>
+            </a:r>
+            <a:r>
+              <a:rPr lang="en-US" sz="3200" dirty="0"/>
+              <a:t>.</a:t>
+            </a:r>
+          </a:p>
+        </p:txBody>
+      </p:sp>
+      <p:sp>
+        <p:nvSpPr>
+          <p:cNvPr id="781" name="TextBox 780">
+            <a:extLst>
+              <a:ext uri="{FF2B5EF4-FFF2-40B4-BE49-F238E27FC236}">
+                <a16:creationId xmlns:a16="http://schemas.microsoft.com/office/drawing/2014/main" id="{4F68CF3B-14CD-844D-1D3D-C384DAB5629E}"/>
+              </a:ext>
+            </a:extLst>
+          </p:cNvPr>
+          <p:cNvSpPr txBox="1"/>
+          <p:nvPr/>
+        </p:nvSpPr>
+        <p:spPr>
+          <a:xfrm>
+            <a:off x="522483" y="9527486"/>
+            <a:ext cx="4520020" cy="584775"/>
+          </a:xfrm>
+          <a:prstGeom prst="rect">
+            <a:avLst/>
+          </a:prstGeom>
+          <a:noFill/>
+        </p:spPr>
+        <p:txBody>
+          <a:bodyPr wrap="none" rtlCol="0">
+            <a:spAutoFit/>
+          </a:bodyPr>
+          <a:lstStyle/>
+          <a:p>
+            <a:r>
+              <a:rPr lang="en-US" sz="3200" dirty="0">
+                <a:solidFill>
+                  <a:schemeClr val="accent2">
+                    <a:lumMod val="75000"/>
+                  </a:schemeClr>
+                </a:solidFill>
+              </a:rPr>
+              <a:t>Missing Data Mechanisms</a:t>
+            </a:r>
+          </a:p>
+        </p:txBody>
+      </p:sp>
+      <p:sp>
+        <p:nvSpPr>
+          <p:cNvPr id="782" name="TextBox 781">
+            <a:extLst>
+              <a:ext uri="{FF2B5EF4-FFF2-40B4-BE49-F238E27FC236}">
+                <a16:creationId xmlns:a16="http://schemas.microsoft.com/office/drawing/2014/main" id="{55061B7E-2956-03FD-A530-AEAEC6B8DACC}"/>
+              </a:ext>
+            </a:extLst>
+          </p:cNvPr>
+          <p:cNvSpPr txBox="1"/>
+          <p:nvPr/>
+        </p:nvSpPr>
+        <p:spPr>
+          <a:xfrm>
+            <a:off x="11316105" y="3381752"/>
+            <a:ext cx="3999428" cy="584775"/>
+          </a:xfrm>
+          <a:prstGeom prst="rect">
+            <a:avLst/>
+          </a:prstGeom>
+          <a:noFill/>
+        </p:spPr>
+        <p:txBody>
+          <a:bodyPr wrap="none" rtlCol="0">
+            <a:spAutoFit/>
+          </a:bodyPr>
+          <a:lstStyle/>
+          <a:p>
+            <a:r>
+              <a:rPr lang="en-US" sz="3200" dirty="0">
+                <a:solidFill>
+                  <a:schemeClr val="accent2">
+                    <a:lumMod val="75000"/>
+                  </a:schemeClr>
+                </a:solidFill>
+              </a:rPr>
+              <a:t>Imputation Techniques</a:t>
+            </a:r>
+          </a:p>
+        </p:txBody>
+      </p:sp>
+      <p:sp>
+        <p:nvSpPr>
+          <p:cNvPr id="784" name="TextBox 783">
+            <a:extLst>
+              <a:ext uri="{FF2B5EF4-FFF2-40B4-BE49-F238E27FC236}">
+                <a16:creationId xmlns:a16="http://schemas.microsoft.com/office/drawing/2014/main" id="{FEEC3823-FFA9-1D60-5F75-86E754FC2310}"/>
+              </a:ext>
+            </a:extLst>
+          </p:cNvPr>
+          <p:cNvSpPr txBox="1"/>
+          <p:nvPr/>
+        </p:nvSpPr>
+        <p:spPr>
+          <a:xfrm>
+            <a:off x="593144" y="10042296"/>
+            <a:ext cx="9631373" cy="1200329"/>
+          </a:xfrm>
+          <a:prstGeom prst="rect">
+            <a:avLst/>
+          </a:prstGeom>
+          <a:noFill/>
+        </p:spPr>
+        <p:txBody>
+          <a:bodyPr wrap="square" rtlCol="0">
+            <a:spAutoFit/>
+          </a:bodyPr>
+          <a:lstStyle/>
+          <a:p>
+            <a:r>
+              <a:rPr lang="en-US" sz="2400" b="1" dirty="0"/>
+              <a:t>MCAR</a:t>
+            </a:r>
+            <a:r>
+              <a:rPr lang="en-US" sz="2400" dirty="0"/>
+              <a:t>: Probability of missingness for data points in a dataset is constant.</a:t>
+            </a:r>
+          </a:p>
+          <a:p>
+            <a:pPr marL="385763" lvl="1" indent="-214313">
+              <a:buFont typeface="Arial" panose="020B0604020202020204" pitchFamily="34" charset="0"/>
+              <a:buChar char="•"/>
+            </a:pPr>
+            <a:r>
+              <a:rPr lang="en-US" sz="2400" dirty="0"/>
+              <a:t>Each student’s mark is stored in a spreadsheet but following a computer update 10% of the data is deleted at random. </a:t>
+            </a:r>
+          </a:p>
+        </p:txBody>
+      </p:sp>
+      <p:sp>
+        <p:nvSpPr>
+          <p:cNvPr id="786" name="TextBox 785">
+            <a:extLst>
+              <a:ext uri="{FF2B5EF4-FFF2-40B4-BE49-F238E27FC236}">
+                <a16:creationId xmlns:a16="http://schemas.microsoft.com/office/drawing/2014/main" id="{6BEC09DC-2167-DB11-8847-E6164E951DDB}"/>
+              </a:ext>
+            </a:extLst>
+          </p:cNvPr>
+          <p:cNvSpPr txBox="1"/>
+          <p:nvPr/>
+        </p:nvSpPr>
+        <p:spPr>
+          <a:xfrm>
+            <a:off x="522482" y="11168159"/>
+            <a:ext cx="10003405" cy="2308324"/>
+          </a:xfrm>
+          <a:prstGeom prst="rect">
+            <a:avLst/>
+          </a:prstGeom>
+          <a:noFill/>
+        </p:spPr>
+        <p:txBody>
+          <a:bodyPr wrap="square" rtlCol="0">
+            <a:spAutoFit/>
+          </a:bodyPr>
+          <a:lstStyle/>
+          <a:p>
+            <a:r>
+              <a:rPr lang="en-US" sz="2400" b="1" dirty="0"/>
+              <a:t>MAR</a:t>
+            </a:r>
+            <a:r>
+              <a:rPr lang="en-US" sz="2400" dirty="0"/>
+              <a:t>: Probability of missingness is dependent on some observed variable of the dataset.</a:t>
+            </a:r>
+          </a:p>
+          <a:p>
+            <a:pPr marL="300038" lvl="1" indent="-128588">
+              <a:buFont typeface="Arial" panose="020B0604020202020204" pitchFamily="34" charset="0"/>
+              <a:buChar char="•"/>
+            </a:pPr>
+            <a:r>
+              <a:rPr lang="en-US" sz="2400" dirty="0"/>
+              <a:t> Most students joined a class from day 1, but some students joined late from the waitlist. 10% of students who joined on time missed submitting the first problem set, while 30% of late students missed the first problem set. </a:t>
+            </a:r>
+          </a:p>
+          <a:p>
+            <a:pPr marL="300038" lvl="1" indent="-128588">
+              <a:buFont typeface="Arial" panose="020B0604020202020204" pitchFamily="34" charset="0"/>
+              <a:buChar char="•"/>
+            </a:pPr>
+            <a:endParaRPr lang="en-US" sz="2400" dirty="0"/>
+          </a:p>
+        </p:txBody>
+      </p:sp>
+      <p:sp>
+        <p:nvSpPr>
+          <p:cNvPr id="808" name="TextBox 807">
+            <a:extLst>
+              <a:ext uri="{FF2B5EF4-FFF2-40B4-BE49-F238E27FC236}">
+                <a16:creationId xmlns:a16="http://schemas.microsoft.com/office/drawing/2014/main" id="{21AF47E1-32BF-2A27-09B4-6F544BAA453F}"/>
+              </a:ext>
+            </a:extLst>
+          </p:cNvPr>
+          <p:cNvSpPr txBox="1"/>
+          <p:nvPr/>
+        </p:nvSpPr>
+        <p:spPr>
+          <a:xfrm>
+            <a:off x="467486" y="13181331"/>
+            <a:ext cx="9970376" cy="3046988"/>
+          </a:xfrm>
+          <a:prstGeom prst="rect">
+            <a:avLst/>
+          </a:prstGeom>
+          <a:noFill/>
+        </p:spPr>
+        <p:txBody>
+          <a:bodyPr wrap="square" rtlCol="0">
+            <a:spAutoFit/>
+          </a:bodyPr>
+          <a:lstStyle/>
+          <a:p>
+            <a:r>
+              <a:rPr lang="en-US" sz="2400" b="1" dirty="0"/>
+              <a:t>MNAR</a:t>
+            </a:r>
+            <a:r>
+              <a:rPr lang="en-US" sz="2400" dirty="0"/>
+              <a:t>: Probability of missingness dependent on true value of the data point.</a:t>
+            </a:r>
+          </a:p>
+          <a:p>
+            <a:r>
+              <a:rPr lang="en-US" sz="2400" dirty="0"/>
+              <a:t>	• Due to a system failure, the instructor loses all the students’ marks. The instructor requests the students to calculate and share their final marks to the instructor. If they don’t, the instructor will input that they got a B. </a:t>
+            </a:r>
+          </a:p>
+          <a:p>
+            <a:r>
+              <a:rPr lang="en-US" sz="2400" b="1" dirty="0"/>
+              <a:t>		– </a:t>
+            </a:r>
+            <a:r>
+              <a:rPr lang="en-US" sz="2400" dirty="0"/>
+              <a:t>If a student’s true mark is an A, they are 90% likely to state their true mark. </a:t>
+            </a:r>
+          </a:p>
+          <a:p>
+            <a:r>
+              <a:rPr lang="en-US" sz="2400" b="1" dirty="0"/>
+              <a:t>	– </a:t>
+            </a:r>
+            <a:r>
+              <a:rPr lang="en-US" sz="2400" dirty="0"/>
+              <a:t>If a student’s true mark is a C, they are 50% likely to state their true mark. </a:t>
+            </a:r>
+          </a:p>
+          <a:p>
+            <a:pPr marL="128588" indent="-128588">
+              <a:buFont typeface="Arial" panose="020B0604020202020204" pitchFamily="34" charset="0"/>
+              <a:buChar char="•"/>
+            </a:pPr>
+            <a:endParaRPr lang="en-US" sz="2400" dirty="0"/>
+          </a:p>
+        </p:txBody>
+      </p:sp>
+      <p:sp>
+        <p:nvSpPr>
+          <p:cNvPr id="816" name="TextBox 815">
+            <a:extLst>
+              <a:ext uri="{FF2B5EF4-FFF2-40B4-BE49-F238E27FC236}">
+                <a16:creationId xmlns:a16="http://schemas.microsoft.com/office/drawing/2014/main" id="{F5480F97-296F-881D-D489-C84CF733F7CA}"/>
+              </a:ext>
+            </a:extLst>
+          </p:cNvPr>
+          <p:cNvSpPr txBox="1"/>
+          <p:nvPr/>
+        </p:nvSpPr>
+        <p:spPr>
+          <a:xfrm>
+            <a:off x="11414562" y="3950989"/>
+            <a:ext cx="9816797" cy="1200329"/>
+          </a:xfrm>
+          <a:prstGeom prst="rect">
+            <a:avLst/>
+          </a:prstGeom>
+          <a:noFill/>
+        </p:spPr>
+        <p:txBody>
+          <a:bodyPr wrap="square" rtlCol="0">
+            <a:spAutoFit/>
+          </a:bodyPr>
+          <a:lstStyle/>
+          <a:p>
+            <a:r>
+              <a:rPr lang="en-US" sz="2400" b="1" dirty="0"/>
+              <a:t>Listwise Deletion</a:t>
+            </a:r>
+            <a:r>
+              <a:rPr lang="en-US" sz="2400" dirty="0"/>
+              <a:t>: Eliminates all observations containing ANY missing values in variables of interest</a:t>
+            </a:r>
+          </a:p>
+          <a:p>
+            <a:r>
+              <a:rPr lang="en-US" sz="2400" dirty="0"/>
+              <a:t> </a:t>
+            </a:r>
+          </a:p>
+        </p:txBody>
+      </p:sp>
+      <p:sp>
+        <p:nvSpPr>
+          <p:cNvPr id="817" name="TextBox 816">
+            <a:extLst>
+              <a:ext uri="{FF2B5EF4-FFF2-40B4-BE49-F238E27FC236}">
+                <a16:creationId xmlns:a16="http://schemas.microsoft.com/office/drawing/2014/main" id="{F1BC8F01-AC3B-D3FB-B510-E9241D26B3A9}"/>
+              </a:ext>
+            </a:extLst>
+          </p:cNvPr>
+          <p:cNvSpPr txBox="1"/>
+          <p:nvPr/>
+        </p:nvSpPr>
+        <p:spPr>
+          <a:xfrm>
+            <a:off x="11414561" y="7360997"/>
+            <a:ext cx="9816797" cy="2308324"/>
+          </a:xfrm>
+          <a:prstGeom prst="rect">
+            <a:avLst/>
+          </a:prstGeom>
+          <a:noFill/>
+        </p:spPr>
+        <p:txBody>
+          <a:bodyPr wrap="square" rtlCol="0">
+            <a:spAutoFit/>
+          </a:bodyPr>
+          <a:lstStyle/>
+          <a:p>
+            <a:r>
+              <a:rPr lang="en-US" sz="2400" b="1" dirty="0"/>
+              <a:t>Multiple Imputation</a:t>
+            </a:r>
+            <a:r>
+              <a:rPr lang="en-US" sz="2400" dirty="0"/>
+              <a:t>:</a:t>
+            </a:r>
+          </a:p>
+          <a:p>
+            <a:pPr marL="342900" lvl="1" indent="-171450">
+              <a:buFont typeface="+mj-lt"/>
+              <a:buAutoNum type="arabicPeriod"/>
+            </a:pPr>
+            <a:r>
+              <a:rPr lang="en-US" sz="2400" dirty="0"/>
+              <a:t>Takes incomplete dataset and creates multiple copies of it.</a:t>
+            </a:r>
+          </a:p>
+          <a:p>
+            <a:pPr marL="342900" lvl="1" indent="-171450">
+              <a:buFont typeface="+mj-lt"/>
+              <a:buAutoNum type="arabicPeriod"/>
+            </a:pPr>
+            <a:r>
+              <a:rPr lang="en-US" sz="2400" dirty="0"/>
+              <a:t>Impute incomplete columns with plausible values through an iterative predictive method for each copy</a:t>
+            </a:r>
+          </a:p>
+          <a:p>
+            <a:pPr marL="342900" lvl="1" indent="-171450">
+              <a:buFont typeface="+mj-lt"/>
+              <a:buAutoNum type="arabicPeriod"/>
+            </a:pPr>
+            <a:r>
+              <a:rPr lang="en-US" sz="2400" dirty="0"/>
+              <a:t>Obtain estimate for parameter of interest for each copy</a:t>
+            </a:r>
+          </a:p>
+          <a:p>
+            <a:pPr marL="342900" lvl="1" indent="-171450">
+              <a:buFont typeface="+mj-lt"/>
+              <a:buAutoNum type="arabicPeriod"/>
+            </a:pPr>
+            <a:r>
+              <a:rPr lang="en-US" sz="2400" dirty="0"/>
+              <a:t>Pool estimators together to create a single pooled estimate.</a:t>
+            </a:r>
+          </a:p>
+        </p:txBody>
+      </p:sp>
+      <p:pic>
+        <p:nvPicPr>
+          <p:cNvPr id="818" name="Picture 817">
+            <a:extLst>
+              <a:ext uri="{FF2B5EF4-FFF2-40B4-BE49-F238E27FC236}">
+                <a16:creationId xmlns:a16="http://schemas.microsoft.com/office/drawing/2014/main" id="{CC14EB81-0EF0-2560-B837-A8A46291B9D8}"/>
+              </a:ext>
+            </a:extLst>
+          </p:cNvPr>
+          <p:cNvPicPr>
+            <a:picLocks noChangeAspect="1"/>
+          </p:cNvPicPr>
+          <p:nvPr/>
+        </p:nvPicPr>
+        <p:blipFill>
+          <a:blip r:embed="rId5"/>
+          <a:stretch>
+            <a:fillRect/>
+          </a:stretch>
+        </p:blipFill>
+        <p:spPr>
+          <a:xfrm>
+            <a:off x="12412557" y="4806760"/>
+            <a:ext cx="7780880" cy="2511181"/>
+          </a:xfrm>
+          <a:prstGeom prst="rect">
+            <a:avLst/>
+          </a:prstGeom>
+        </p:spPr>
+      </p:pic>
+      <p:pic>
+        <p:nvPicPr>
+          <p:cNvPr id="819" name="Picture 818">
+            <a:extLst>
+              <a:ext uri="{FF2B5EF4-FFF2-40B4-BE49-F238E27FC236}">
+                <a16:creationId xmlns:a16="http://schemas.microsoft.com/office/drawing/2014/main" id="{468DC013-D21F-BE92-934D-F5C1DF3CC168}"/>
+              </a:ext>
+            </a:extLst>
+          </p:cNvPr>
+          <p:cNvPicPr>
+            <a:picLocks noChangeAspect="1"/>
+          </p:cNvPicPr>
+          <p:nvPr/>
+        </p:nvPicPr>
+        <p:blipFill>
+          <a:blip r:embed="rId6"/>
+          <a:stretch>
+            <a:fillRect/>
+          </a:stretch>
+        </p:blipFill>
+        <p:spPr>
+          <a:xfrm>
+            <a:off x="13027633" y="9706922"/>
+            <a:ext cx="6118790" cy="3661714"/>
+          </a:xfrm>
+          <a:prstGeom prst="rect">
+            <a:avLst/>
+          </a:prstGeom>
+        </p:spPr>
+      </p:pic>
+      <p:sp>
+        <p:nvSpPr>
+          <p:cNvPr id="820" name="正方形/長方形 17">
+            <a:extLst>
+              <a:ext uri="{FF2B5EF4-FFF2-40B4-BE49-F238E27FC236}">
+                <a16:creationId xmlns:a16="http://schemas.microsoft.com/office/drawing/2014/main" id="{D237B2C3-4D98-988E-A393-267BDBBB8FF0}"/>
+              </a:ext>
+            </a:extLst>
+          </p:cNvPr>
+          <p:cNvSpPr/>
+          <p:nvPr/>
+        </p:nvSpPr>
+        <p:spPr>
+          <a:xfrm>
+            <a:off x="482736" y="6703193"/>
+            <a:ext cx="9920430" cy="2232289"/>
+          </a:xfrm>
+          <a:prstGeom prst="rect">
+            <a:avLst/>
+          </a:prstGeom>
+          <a:noFill/>
+          <a:ln w="34925">
+            <a:solidFill>
+              <a:schemeClr val="accent2"/>
+            </a:solidFill>
+          </a:ln>
+        </p:spPr>
+        <p:style>
+          <a:lnRef idx="2">
+            <a:schemeClr val="accent1">
+              <a:shade val="50000"/>
+            </a:schemeClr>
+          </a:lnRef>
+          <a:fillRef idx="1">
+            <a:schemeClr val="accent1"/>
+          </a:fillRef>
+          <a:effectRef idx="0">
+            <a:schemeClr val="accent1"/>
+          </a:effectRef>
+          <a:fontRef idx="minor">
+            <a:schemeClr val="lt1"/>
+          </a:fontRef>
+        </p:style>
+        <p:txBody>
+          <a:bodyPr rtlCol="0" anchor="ctr"/>
+          <a:lstStyle/>
+          <a:p>
+            <a:pPr algn="ctr"/>
+            <a:endParaRPr kumimoji="1" lang="ja-JP" altLang="en-US" sz="675"/>
+          </a:p>
+        </p:txBody>
+      </p:sp>
+    </p:spTree>
+    <p:extLst>
+      <p:ext uri="{BB962C8B-B14F-4D97-AF65-F5344CB8AC3E}">
+        <p14:creationId xmlns:p14="http://schemas.microsoft.com/office/powerpoint/2010/main" val="1525760944"/>
+      </p:ext>
+    </p:extLst>
+  </p:cSld>
+  <p:clrMapOvr>
+    <a:masterClrMapping/>
+  </p:clrMapOvr>
+</p:sld>
+</file>
+
+<file path=ppt/slides/slide5.xml><?xml version="1.0" encoding="utf-8"?>
 <p:sld xmlns:a="http://schemas.openxmlformats.org/drawingml/2006/main" xmlns:r="http://schemas.openxmlformats.org/officeDocument/2006/relationships" xmlns:p="http://schemas.openxmlformats.org/presentationml/2006/main">
   <p:cSld>
     <p:spTree>
@@ -21731,7 +26861,7 @@
 </p:sld>
 </file>
 
-<file path=ppt/slides/slide5.xml><?xml version="1.0" encoding="utf-8"?>
+<file path=ppt/slides/slide6.xml><?xml version="1.0" encoding="utf-8"?>
 <p:sld xmlns:a="http://schemas.openxmlformats.org/drawingml/2006/main" xmlns:r="http://schemas.openxmlformats.org/officeDocument/2006/relationships" xmlns:p="http://schemas.openxmlformats.org/presentationml/2006/main">
   <p:cSld>
     <p:spTree>
@@ -22592,7 +27722,7 @@
 </p:sld>
 </file>
 
-<file path=ppt/slides/slide6.xml><?xml version="1.0" encoding="utf-8"?>
+<file path=ppt/slides/slide7.xml><?xml version="1.0" encoding="utf-8"?>
 <p:sld xmlns:a="http://schemas.openxmlformats.org/drawingml/2006/main" xmlns:r="http://schemas.openxmlformats.org/officeDocument/2006/relationships" xmlns:p="http://schemas.openxmlformats.org/presentationml/2006/main">
   <p:cSld>
     <p:spTree>

--- a/presentation/Poster_Presentation.pptx
+++ b/presentation/Poster_Presentation.pptx
@@ -17844,7 +17844,7 @@
         </p:nvSpPr>
         <p:spPr>
           <a:xfrm>
-            <a:off x="22718427" y="11506759"/>
+            <a:off x="22718427" y="14101641"/>
             <a:ext cx="3158237" cy="830997"/>
           </a:xfrm>
           <a:prstGeom prst="rect">
@@ -17879,7 +17879,7 @@
         </p:nvSpPr>
         <p:spPr>
           <a:xfrm>
-            <a:off x="23480078" y="12847919"/>
+            <a:off x="23480078" y="14713619"/>
             <a:ext cx="4793172" cy="830997"/>
           </a:xfrm>
           <a:prstGeom prst="rect">
@@ -18255,7 +18255,7 @@
         <p:spPr>
           <a:xfrm>
             <a:off x="22454411" y="2341911"/>
-            <a:ext cx="10048904" cy="461665"/>
+            <a:ext cx="10048904" cy="830997"/>
           </a:xfrm>
           <a:prstGeom prst="rect">
             <a:avLst/>
@@ -18284,9 +18284,22 @@
                 <a:ea typeface="Helvetica Neue" charset="0"/>
                 <a:cs typeface="Helvetica Neue" charset="0"/>
               </a:rPr>
-              <a:t>Investigation 2</a:t>
-            </a:r>
-            <a:endParaRPr kumimoji="1" lang="ja-JP" altLang="en-US" sz="2400" b="1" dirty="0">
+              <a:t>Investigation (2):</a:t>
+            </a:r>
+          </a:p>
+          <a:p>
+            <a:r>
+              <a:rPr kumimoji="1" lang="en-US" altLang="ja-JP" sz="2400" b="1" i="1" dirty="0">
+                <a:solidFill>
+                  <a:schemeClr val="bg1"/>
+                </a:solidFill>
+                <a:latin typeface="Helvetica Neue" charset="0"/>
+                <a:ea typeface="Helvetica Neue" charset="0"/>
+                <a:cs typeface="Helvetica Neue" charset="0"/>
+              </a:rPr>
+              <a:t>When Listwise Deletion Outperforms Multiple Imputation</a:t>
+            </a:r>
+            <a:endParaRPr kumimoji="1" lang="ja-JP" altLang="en-US" sz="2400" b="1" i="1" dirty="0">
               <a:solidFill>
                 <a:schemeClr val="bg1"/>
               </a:solidFill>
@@ -19669,1050 +19682,6 @@
           </p:sp>
         </mc:Fallback>
       </mc:AlternateContent>
-      <p:pic>
-        <p:nvPicPr>
-          <p:cNvPr id="843" name="Picture 842" descr="Graphical user interface, text, application, chat or text message&#10;&#10;Description automatically generated">
-            <a:extLst>
-              <a:ext uri="{FF2B5EF4-FFF2-40B4-BE49-F238E27FC236}">
-                <a16:creationId xmlns:a16="http://schemas.microsoft.com/office/drawing/2014/main" id="{A844ED1F-C030-30C0-1B3D-D4129F011111}"/>
-              </a:ext>
-            </a:extLst>
-          </p:cNvPr>
-          <p:cNvPicPr>
-            <a:picLocks noChangeAspect="1"/>
-          </p:cNvPicPr>
-          <p:nvPr/>
-        </p:nvPicPr>
-        <p:blipFill rotWithShape="1">
-          <a:blip r:embed="rId8"/>
-          <a:srcRect l="-457" t="-577" r="35842" b="2707"/>
-          <a:stretch/>
-        </p:blipFill>
-        <p:spPr>
-          <a:xfrm>
-            <a:off x="23519768" y="6017382"/>
-            <a:ext cx="2580214" cy="1379587"/>
-          </a:xfrm>
-          <a:prstGeom prst="rect">
-            <a:avLst/>
-          </a:prstGeom>
-        </p:spPr>
-      </p:pic>
-      <p:pic>
-        <p:nvPicPr>
-          <p:cNvPr id="844" name="Picture 843" descr="A picture containing logo&#10;&#10;Description automatically generated">
-            <a:extLst>
-              <a:ext uri="{FF2B5EF4-FFF2-40B4-BE49-F238E27FC236}">
-                <a16:creationId xmlns:a16="http://schemas.microsoft.com/office/drawing/2014/main" id="{28DA62CF-4797-4753-CA5F-F9B31F62CC26}"/>
-              </a:ext>
-            </a:extLst>
-          </p:cNvPr>
-          <p:cNvPicPr>
-            <a:picLocks noChangeAspect="1"/>
-          </p:cNvPicPr>
-          <p:nvPr/>
-        </p:nvPicPr>
-        <p:blipFill rotWithShape="1">
-          <a:blip r:embed="rId9"/>
-          <a:srcRect r="39707" b="1110"/>
-          <a:stretch/>
-        </p:blipFill>
-        <p:spPr>
-          <a:xfrm>
-            <a:off x="23510954" y="5350417"/>
-            <a:ext cx="2561470" cy="757274"/>
-          </a:xfrm>
-          <a:prstGeom prst="rect">
-            <a:avLst/>
-          </a:prstGeom>
-        </p:spPr>
-      </p:pic>
-      <p:pic>
-        <p:nvPicPr>
-          <p:cNvPr id="845" name="Picture 844" descr="A picture containing graphical user interface&#10;&#10;Description automatically generated">
-            <a:extLst>
-              <a:ext uri="{FF2B5EF4-FFF2-40B4-BE49-F238E27FC236}">
-                <a16:creationId xmlns:a16="http://schemas.microsoft.com/office/drawing/2014/main" id="{0519BF7D-6703-9205-C7B3-58A43B1A401A}"/>
-              </a:ext>
-            </a:extLst>
-          </p:cNvPr>
-          <p:cNvPicPr>
-            <a:picLocks noChangeAspect="1"/>
-          </p:cNvPicPr>
-          <p:nvPr/>
-        </p:nvPicPr>
-        <p:blipFill rotWithShape="1">
-          <a:blip r:embed="rId10"/>
-          <a:srcRect r="47678" b="-494"/>
-          <a:stretch/>
-        </p:blipFill>
-        <p:spPr>
-          <a:xfrm>
-            <a:off x="23519767" y="4794436"/>
-            <a:ext cx="2222809" cy="681334"/>
-          </a:xfrm>
-          <a:prstGeom prst="rect">
-            <a:avLst/>
-          </a:prstGeom>
-        </p:spPr>
-      </p:pic>
-      <p:pic>
-        <p:nvPicPr>
-          <p:cNvPr id="846" name="Picture 845" descr="Text&#10;&#10;Description automatically generated">
-            <a:extLst>
-              <a:ext uri="{FF2B5EF4-FFF2-40B4-BE49-F238E27FC236}">
-                <a16:creationId xmlns:a16="http://schemas.microsoft.com/office/drawing/2014/main" id="{AA278546-AEC3-B2CF-632E-AE0C472B3616}"/>
-              </a:ext>
-            </a:extLst>
-          </p:cNvPr>
-          <p:cNvPicPr>
-            <a:picLocks noChangeAspect="1"/>
-          </p:cNvPicPr>
-          <p:nvPr/>
-        </p:nvPicPr>
-        <p:blipFill rotWithShape="1">
-          <a:blip r:embed="rId11"/>
-          <a:srcRect t="1" r="33869" b="460"/>
-          <a:stretch/>
-        </p:blipFill>
-        <p:spPr>
-          <a:xfrm>
-            <a:off x="23519768" y="4042544"/>
-            <a:ext cx="2574223" cy="869059"/>
-          </a:xfrm>
-          <a:prstGeom prst="rect">
-            <a:avLst/>
-          </a:prstGeom>
-        </p:spPr>
-      </p:pic>
-      <p:pic>
-        <p:nvPicPr>
-          <p:cNvPr id="847" name="Picture 846" descr="Text&#10;&#10;Description automatically generated with medium confidence">
-            <a:extLst>
-              <a:ext uri="{FF2B5EF4-FFF2-40B4-BE49-F238E27FC236}">
-                <a16:creationId xmlns:a16="http://schemas.microsoft.com/office/drawing/2014/main" id="{EBA14750-CA94-DAC3-1B69-FEB988D23C4F}"/>
-              </a:ext>
-            </a:extLst>
-          </p:cNvPr>
-          <p:cNvPicPr>
-            <a:picLocks noChangeAspect="1"/>
-          </p:cNvPicPr>
-          <p:nvPr/>
-        </p:nvPicPr>
-        <p:blipFill rotWithShape="1">
-          <a:blip r:embed="rId12"/>
-          <a:srcRect r="48588" b="1014"/>
-          <a:stretch/>
-        </p:blipFill>
-        <p:spPr>
-          <a:xfrm>
-            <a:off x="26289738" y="5197102"/>
-            <a:ext cx="2159078" cy="869059"/>
-          </a:xfrm>
-          <a:prstGeom prst="rect">
-            <a:avLst/>
-          </a:prstGeom>
-        </p:spPr>
-      </p:pic>
-      <p:pic>
-        <p:nvPicPr>
-          <p:cNvPr id="848" name="Picture 847" descr="Text&#10;&#10;Description automatically generated">
-            <a:extLst>
-              <a:ext uri="{FF2B5EF4-FFF2-40B4-BE49-F238E27FC236}">
-                <a16:creationId xmlns:a16="http://schemas.microsoft.com/office/drawing/2014/main" id="{F3EA541B-65D9-4BB8-248C-5F4B44BE2242}"/>
-              </a:ext>
-            </a:extLst>
-          </p:cNvPr>
-          <p:cNvPicPr>
-            <a:picLocks noChangeAspect="1"/>
-          </p:cNvPicPr>
-          <p:nvPr/>
-        </p:nvPicPr>
-        <p:blipFill rotWithShape="1">
-          <a:blip r:embed="rId13"/>
-          <a:srcRect r="18638" b="3007"/>
-          <a:stretch/>
-        </p:blipFill>
-        <p:spPr>
-          <a:xfrm>
-            <a:off x="26263723" y="6085341"/>
-            <a:ext cx="2580213" cy="1302246"/>
-          </a:xfrm>
-          <a:prstGeom prst="rect">
-            <a:avLst/>
-          </a:prstGeom>
-        </p:spPr>
-      </p:pic>
-      <p:pic>
-        <p:nvPicPr>
-          <p:cNvPr id="849" name="Picture 848">
-            <a:extLst>
-              <a:ext uri="{FF2B5EF4-FFF2-40B4-BE49-F238E27FC236}">
-                <a16:creationId xmlns:a16="http://schemas.microsoft.com/office/drawing/2014/main" id="{0D110C46-97EB-7E4D-DFAF-E0ADB195FB94}"/>
-              </a:ext>
-            </a:extLst>
-          </p:cNvPr>
-          <p:cNvPicPr>
-            <a:picLocks noChangeAspect="1"/>
-          </p:cNvPicPr>
-          <p:nvPr/>
-        </p:nvPicPr>
-        <p:blipFill rotWithShape="1">
-          <a:blip r:embed="rId14"/>
-          <a:srcRect t="-9705" r="42362" b="-1"/>
-          <a:stretch/>
-        </p:blipFill>
-        <p:spPr>
-          <a:xfrm>
-            <a:off x="26289738" y="5068977"/>
-            <a:ext cx="2448670" cy="165879"/>
-          </a:xfrm>
-          <a:prstGeom prst="rect">
-            <a:avLst/>
-          </a:prstGeom>
-        </p:spPr>
-      </p:pic>
-      <p:sp>
-        <p:nvSpPr>
-          <p:cNvPr id="850" name="正方形/長方形 17">
-            <a:extLst>
-              <a:ext uri="{FF2B5EF4-FFF2-40B4-BE49-F238E27FC236}">
-                <a16:creationId xmlns:a16="http://schemas.microsoft.com/office/drawing/2014/main" id="{BB35B240-CE9E-297E-EA83-72509E66AECE}"/>
-              </a:ext>
-            </a:extLst>
-          </p:cNvPr>
-          <p:cNvSpPr/>
-          <p:nvPr/>
-        </p:nvSpPr>
-        <p:spPr>
-          <a:xfrm>
-            <a:off x="23480078" y="3889504"/>
-            <a:ext cx="2661496" cy="3585312"/>
-          </a:xfrm>
-          <a:prstGeom prst="rect">
-            <a:avLst/>
-          </a:prstGeom>
-          <a:noFill/>
-          <a:ln w="34925">
-            <a:solidFill>
-              <a:schemeClr val="accent2"/>
-            </a:solidFill>
-          </a:ln>
-        </p:spPr>
-        <p:style>
-          <a:lnRef idx="2">
-            <a:schemeClr val="accent1">
-              <a:shade val="50000"/>
-            </a:schemeClr>
-          </a:lnRef>
-          <a:fillRef idx="1">
-            <a:schemeClr val="accent1"/>
-          </a:fillRef>
-          <a:effectRef idx="0">
-            <a:schemeClr val="accent1"/>
-          </a:effectRef>
-          <a:fontRef idx="minor">
-            <a:schemeClr val="lt1"/>
-          </a:fontRef>
-        </p:style>
-        <p:txBody>
-          <a:bodyPr rtlCol="0" anchor="ctr"/>
-          <a:lstStyle/>
-          <a:p>
-            <a:pPr algn="ctr"/>
-            <a:endParaRPr kumimoji="1" lang="ja-JP" altLang="en-US" sz="675"/>
-          </a:p>
-        </p:txBody>
-      </p:sp>
-      <p:sp>
-        <p:nvSpPr>
-          <p:cNvPr id="851" name="正方形/長方形 17">
-            <a:extLst>
-              <a:ext uri="{FF2B5EF4-FFF2-40B4-BE49-F238E27FC236}">
-                <a16:creationId xmlns:a16="http://schemas.microsoft.com/office/drawing/2014/main" id="{1412A99F-5006-7166-46EE-EFD8F59CF1A9}"/>
-              </a:ext>
-            </a:extLst>
-          </p:cNvPr>
-          <p:cNvSpPr/>
-          <p:nvPr/>
-        </p:nvSpPr>
-        <p:spPr>
-          <a:xfrm>
-            <a:off x="26186644" y="3884581"/>
-            <a:ext cx="2661496" cy="3585312"/>
-          </a:xfrm>
-          <a:prstGeom prst="rect">
-            <a:avLst/>
-          </a:prstGeom>
-          <a:noFill/>
-          <a:ln w="34925">
-            <a:solidFill>
-              <a:schemeClr val="accent2"/>
-            </a:solidFill>
-          </a:ln>
-        </p:spPr>
-        <p:style>
-          <a:lnRef idx="2">
-            <a:schemeClr val="accent1">
-              <a:shade val="50000"/>
-            </a:schemeClr>
-          </a:lnRef>
-          <a:fillRef idx="1">
-            <a:schemeClr val="accent1"/>
-          </a:fillRef>
-          <a:effectRef idx="0">
-            <a:schemeClr val="accent1"/>
-          </a:effectRef>
-          <a:fontRef idx="minor">
-            <a:schemeClr val="lt1"/>
-          </a:fontRef>
-        </p:style>
-        <p:txBody>
-          <a:bodyPr rtlCol="0" anchor="ctr"/>
-          <a:lstStyle/>
-          <a:p>
-            <a:pPr algn="ctr"/>
-            <a:endParaRPr kumimoji="1" lang="ja-JP" altLang="en-US" sz="675"/>
-          </a:p>
-        </p:txBody>
-      </p:sp>
-      <p:graphicFrame>
-        <p:nvGraphicFramePr>
-          <p:cNvPr id="852" name="Table 2">
-            <a:extLst>
-              <a:ext uri="{FF2B5EF4-FFF2-40B4-BE49-F238E27FC236}">
-                <a16:creationId xmlns:a16="http://schemas.microsoft.com/office/drawing/2014/main" id="{FBEDA757-8B7B-5AFE-32A6-7911EC3B7182}"/>
-              </a:ext>
-            </a:extLst>
-          </p:cNvPr>
-          <p:cNvGraphicFramePr>
-            <a:graphicFrameLocks/>
-          </p:cNvGraphicFramePr>
-          <p:nvPr>
-            <p:extLst>
-              <p:ext uri="{D42A27DB-BD31-4B8C-83A1-F6EECF244321}">
-                <p14:modId xmlns:p14="http://schemas.microsoft.com/office/powerpoint/2010/main" val="3256650668"/>
-              </p:ext>
-            </p:extLst>
-          </p:nvPr>
-        </p:nvGraphicFramePr>
-        <p:xfrm>
-          <a:off x="23905078" y="7512373"/>
-          <a:ext cx="4463070" cy="1516220"/>
-        </p:xfrm>
-        <a:graphic>
-          <a:graphicData uri="http://schemas.openxmlformats.org/drawingml/2006/table">
-            <a:tbl>
-              <a:tblPr firstRow="1" bandRow="1">
-                <a:tableStyleId>{5C22544A-7EE6-4342-B048-85BDC9FD1C3A}</a:tableStyleId>
-              </a:tblPr>
-              <a:tblGrid>
-                <a:gridCol w="892614">
-                  <a:extLst>
-                    <a:ext uri="{9D8B030D-6E8A-4147-A177-3AD203B41FA5}">
-                      <a16:colId xmlns:a16="http://schemas.microsoft.com/office/drawing/2014/main" val="2639204986"/>
-                    </a:ext>
-                  </a:extLst>
-                </a:gridCol>
-                <a:gridCol w="892614">
-                  <a:extLst>
-                    <a:ext uri="{9D8B030D-6E8A-4147-A177-3AD203B41FA5}">
-                      <a16:colId xmlns:a16="http://schemas.microsoft.com/office/drawing/2014/main" val="2690891796"/>
-                    </a:ext>
-                  </a:extLst>
-                </a:gridCol>
-                <a:gridCol w="892614">
-                  <a:extLst>
-                    <a:ext uri="{9D8B030D-6E8A-4147-A177-3AD203B41FA5}">
-                      <a16:colId xmlns:a16="http://schemas.microsoft.com/office/drawing/2014/main" val="3723378948"/>
-                    </a:ext>
-                  </a:extLst>
-                </a:gridCol>
-                <a:gridCol w="892614">
-                  <a:extLst>
-                    <a:ext uri="{9D8B030D-6E8A-4147-A177-3AD203B41FA5}">
-                      <a16:colId xmlns:a16="http://schemas.microsoft.com/office/drawing/2014/main" val="1498371569"/>
-                    </a:ext>
-                  </a:extLst>
-                </a:gridCol>
-                <a:gridCol w="892614">
-                  <a:extLst>
-                    <a:ext uri="{9D8B030D-6E8A-4147-A177-3AD203B41FA5}">
-                      <a16:colId xmlns:a16="http://schemas.microsoft.com/office/drawing/2014/main" val="889807820"/>
-                    </a:ext>
-                  </a:extLst>
-                </a:gridCol>
-              </a:tblGrid>
-              <a:tr h="175591">
-                <a:tc>
-                  <a:txBody>
-                    <a:bodyPr/>
-                    <a:lstStyle/>
-                    <a:p>
-                      <a:endParaRPr lang="en-US" sz="900" dirty="0"/>
-                    </a:p>
-                  </a:txBody>
-                  <a:tcPr marL="34290" marR="34290" marT="17145" marB="17145">
-                    <a:lnTlToBr w="12700" cap="flat" cmpd="sng" algn="ctr">
-                      <a:solidFill>
-                        <a:schemeClr val="tx1"/>
-                      </a:solidFill>
-                      <a:prstDash val="solid"/>
-                      <a:round/>
-                      <a:headEnd type="none" w="med" len="med"/>
-                      <a:tailEnd type="none" w="med" len="med"/>
-                    </a:lnTlToBr>
-                    <a:solidFill>
-                      <a:schemeClr val="tx2"/>
-                    </a:solidFill>
-                  </a:tcPr>
-                </a:tc>
-                <a:tc>
-                  <a:txBody>
-                    <a:bodyPr/>
-                    <a:lstStyle/>
-                    <a:p>
-                      <a:r>
-                        <a:rPr lang="en-US" sz="900" dirty="0"/>
-                        <a:t>Estimate</a:t>
-                      </a:r>
-                    </a:p>
-                  </a:txBody>
-                  <a:tcPr marL="34290" marR="34290" marT="17145" marB="17145"/>
-                </a:tc>
-                <a:tc>
-                  <a:txBody>
-                    <a:bodyPr/>
-                    <a:lstStyle/>
-                    <a:p>
-                      <a:r>
-                        <a:rPr lang="en-US" sz="900" dirty="0"/>
-                        <a:t>PB</a:t>
-                      </a:r>
-                    </a:p>
-                  </a:txBody>
-                  <a:tcPr marL="34290" marR="34290" marT="17145" marB="17145"/>
-                </a:tc>
-                <a:tc>
-                  <a:txBody>
-                    <a:bodyPr/>
-                    <a:lstStyle/>
-                    <a:p>
-                      <a:r>
-                        <a:rPr lang="en-US" sz="900" dirty="0"/>
-                        <a:t>CR</a:t>
-                      </a:r>
-                    </a:p>
-                  </a:txBody>
-                  <a:tcPr marL="34290" marR="34290" marT="17145" marB="17145"/>
-                </a:tc>
-                <a:tc>
-                  <a:txBody>
-                    <a:bodyPr/>
-                    <a:lstStyle/>
-                    <a:p>
-                      <a:r>
-                        <a:rPr lang="en-US" sz="900" dirty="0"/>
-                        <a:t>AW</a:t>
-                      </a:r>
-                    </a:p>
-                  </a:txBody>
-                  <a:tcPr marL="34290" marR="34290" marT="17145" marB="17145"/>
-                </a:tc>
-                <a:extLst>
-                  <a:ext uri="{0D108BD9-81ED-4DB2-BD59-A6C34878D82A}">
-                    <a16:rowId xmlns:a16="http://schemas.microsoft.com/office/drawing/2014/main" val="1025636070"/>
-                  </a:ext>
-                </a:extLst>
-              </a:tr>
-              <a:tr h="175591">
-                <a:tc>
-                  <a:txBody>
-                    <a:bodyPr/>
-                    <a:lstStyle/>
-                    <a:p>
-                      <a:r>
-                        <a:rPr lang="en-US" sz="900" dirty="0"/>
-                        <a:t>MCAR</a:t>
-                      </a:r>
-                    </a:p>
-                  </a:txBody>
-                  <a:tcPr marL="34290" marR="34290" marT="17145" marB="17145">
-                    <a:solidFill>
-                      <a:schemeClr val="accent2"/>
-                    </a:solidFill>
-                  </a:tcPr>
-                </a:tc>
-                <a:tc>
-                  <a:txBody>
-                    <a:bodyPr/>
-                    <a:lstStyle/>
-                    <a:p>
-                      <a:r>
-                        <a:rPr lang="en-US" sz="900" dirty="0"/>
-                        <a:t>0.9779</a:t>
-                      </a:r>
-                    </a:p>
-                  </a:txBody>
-                  <a:tcPr marL="34290" marR="34290" marT="17145" marB="17145"/>
-                </a:tc>
-                <a:tc>
-                  <a:txBody>
-                    <a:bodyPr/>
-                    <a:lstStyle/>
-                    <a:p>
-                      <a:r>
-                        <a:rPr lang="en-US" sz="900" dirty="0"/>
-                        <a:t>2.209</a:t>
-                      </a:r>
-                    </a:p>
-                  </a:txBody>
-                  <a:tcPr marL="34290" marR="34290" marT="17145" marB="17145"/>
-                </a:tc>
-                <a:tc>
-                  <a:txBody>
-                    <a:bodyPr/>
-                    <a:lstStyle/>
-                    <a:p>
-                      <a:r>
-                        <a:rPr lang="en-US" sz="900" dirty="0"/>
-                        <a:t>0.97</a:t>
-                      </a:r>
-                    </a:p>
-                  </a:txBody>
-                  <a:tcPr marL="34290" marR="34290" marT="17145" marB="17145"/>
-                </a:tc>
-                <a:tc>
-                  <a:txBody>
-                    <a:bodyPr/>
-                    <a:lstStyle/>
-                    <a:p>
-                      <a:r>
-                        <a:rPr lang="en-US" sz="900" dirty="0"/>
-                        <a:t>0.102</a:t>
-                      </a:r>
-                    </a:p>
-                  </a:txBody>
-                  <a:tcPr marL="34290" marR="34290" marT="17145" marB="17145"/>
-                </a:tc>
-                <a:extLst>
-                  <a:ext uri="{0D108BD9-81ED-4DB2-BD59-A6C34878D82A}">
-                    <a16:rowId xmlns:a16="http://schemas.microsoft.com/office/drawing/2014/main" val="2450062889"/>
-                  </a:ext>
-                </a:extLst>
-              </a:tr>
-              <a:tr h="175591">
-                <a:tc>
-                  <a:txBody>
-                    <a:bodyPr/>
-                    <a:lstStyle/>
-                    <a:p>
-                      <a:r>
-                        <a:rPr lang="en-US" sz="900" dirty="0"/>
-                        <a:t>MAR-light</a:t>
-                      </a:r>
-                    </a:p>
-                  </a:txBody>
-                  <a:tcPr marL="34290" marR="34290" marT="17145" marB="17145">
-                    <a:solidFill>
-                      <a:schemeClr val="accent2"/>
-                    </a:solidFill>
-                  </a:tcPr>
-                </a:tc>
-                <a:tc>
-                  <a:txBody>
-                    <a:bodyPr/>
-                    <a:lstStyle/>
-                    <a:p>
-                      <a:r>
-                        <a:rPr lang="en-US" sz="900" dirty="0"/>
-                        <a:t>0.9768</a:t>
-                      </a:r>
-                    </a:p>
-                  </a:txBody>
-                  <a:tcPr marL="34290" marR="34290" marT="17145" marB="17145"/>
-                </a:tc>
-                <a:tc>
-                  <a:txBody>
-                    <a:bodyPr/>
-                    <a:lstStyle/>
-                    <a:p>
-                      <a:r>
-                        <a:rPr lang="en-US" sz="900" dirty="0"/>
-                        <a:t>2.315</a:t>
-                      </a:r>
-                    </a:p>
-                  </a:txBody>
-                  <a:tcPr marL="34290" marR="34290" marT="17145" marB="17145"/>
-                </a:tc>
-                <a:tc>
-                  <a:txBody>
-                    <a:bodyPr/>
-                    <a:lstStyle/>
-                    <a:p>
-                      <a:r>
-                        <a:rPr lang="en-US" sz="900" dirty="0"/>
-                        <a:t>0.91</a:t>
-                      </a:r>
-                    </a:p>
-                  </a:txBody>
-                  <a:tcPr marL="34290" marR="34290" marT="17145" marB="17145"/>
-                </a:tc>
-                <a:tc>
-                  <a:txBody>
-                    <a:bodyPr/>
-                    <a:lstStyle/>
-                    <a:p>
-                      <a:r>
-                        <a:rPr lang="en-US" sz="900" dirty="0"/>
-                        <a:t>0.108</a:t>
-                      </a:r>
-                    </a:p>
-                  </a:txBody>
-                  <a:tcPr marL="34290" marR="34290" marT="17145" marB="17145"/>
-                </a:tc>
-                <a:extLst>
-                  <a:ext uri="{0D108BD9-81ED-4DB2-BD59-A6C34878D82A}">
-                    <a16:rowId xmlns:a16="http://schemas.microsoft.com/office/drawing/2014/main" val="106183214"/>
-                  </a:ext>
-                </a:extLst>
-              </a:tr>
-              <a:tr h="231337">
-                <a:tc>
-                  <a:txBody>
-                    <a:bodyPr/>
-                    <a:lstStyle/>
-                    <a:p>
-                      <a:r>
-                        <a:rPr lang="en-US" sz="900" dirty="0"/>
-                        <a:t>MAR-moderate</a:t>
-                      </a:r>
-                    </a:p>
-                  </a:txBody>
-                  <a:tcPr marL="34290" marR="34290" marT="17145" marB="17145">
-                    <a:solidFill>
-                      <a:schemeClr val="accent2"/>
-                    </a:solidFill>
-                  </a:tcPr>
-                </a:tc>
-                <a:tc>
-                  <a:txBody>
-                    <a:bodyPr/>
-                    <a:lstStyle/>
-                    <a:p>
-                      <a:r>
-                        <a:rPr lang="en-US" sz="900" dirty="0"/>
-                        <a:t>0.9799</a:t>
-                      </a:r>
-                    </a:p>
-                  </a:txBody>
-                  <a:tcPr marL="34290" marR="34290" marT="17145" marB="17145"/>
-                </a:tc>
-                <a:tc>
-                  <a:txBody>
-                    <a:bodyPr/>
-                    <a:lstStyle/>
-                    <a:p>
-                      <a:r>
-                        <a:rPr lang="en-US" sz="900" dirty="0"/>
-                        <a:t>2.011</a:t>
-                      </a:r>
-                    </a:p>
-                  </a:txBody>
-                  <a:tcPr marL="34290" marR="34290" marT="17145" marB="17145"/>
-                </a:tc>
-                <a:tc>
-                  <a:txBody>
-                    <a:bodyPr/>
-                    <a:lstStyle/>
-                    <a:p>
-                      <a:r>
-                        <a:rPr lang="en-US" sz="900" dirty="0"/>
-                        <a:t>0.91</a:t>
-                      </a:r>
-                    </a:p>
-                  </a:txBody>
-                  <a:tcPr marL="34290" marR="34290" marT="17145" marB="17145"/>
-                </a:tc>
-                <a:tc>
-                  <a:txBody>
-                    <a:bodyPr/>
-                    <a:lstStyle/>
-                    <a:p>
-                      <a:r>
-                        <a:rPr lang="en-US" sz="900" dirty="0"/>
-                        <a:t>0.095</a:t>
-                      </a:r>
-                    </a:p>
-                  </a:txBody>
-                  <a:tcPr marL="34290" marR="34290" marT="17145" marB="17145"/>
-                </a:tc>
-                <a:extLst>
-                  <a:ext uri="{0D108BD9-81ED-4DB2-BD59-A6C34878D82A}">
-                    <a16:rowId xmlns:a16="http://schemas.microsoft.com/office/drawing/2014/main" val="2167119470"/>
-                  </a:ext>
-                </a:extLst>
-              </a:tr>
-              <a:tr h="175591">
-                <a:tc>
-                  <a:txBody>
-                    <a:bodyPr/>
-                    <a:lstStyle/>
-                    <a:p>
-                      <a:r>
-                        <a:rPr lang="en-US" sz="900" dirty="0"/>
-                        <a:t>MAR-heavy</a:t>
-                      </a:r>
-                    </a:p>
-                  </a:txBody>
-                  <a:tcPr marL="34290" marR="34290" marT="17145" marB="17145">
-                    <a:solidFill>
-                      <a:schemeClr val="accent2"/>
-                    </a:solidFill>
-                  </a:tcPr>
-                </a:tc>
-                <a:tc>
-                  <a:txBody>
-                    <a:bodyPr/>
-                    <a:lstStyle/>
-                    <a:p>
-                      <a:r>
-                        <a:rPr lang="en-US" sz="900" dirty="0"/>
-                        <a:t>0.9841</a:t>
-                      </a:r>
-                    </a:p>
-                  </a:txBody>
-                  <a:tcPr marL="34290" marR="34290" marT="17145" marB="17145"/>
-                </a:tc>
-                <a:tc>
-                  <a:txBody>
-                    <a:bodyPr/>
-                    <a:lstStyle/>
-                    <a:p>
-                      <a:r>
-                        <a:rPr lang="en-US" sz="900" dirty="0"/>
-                        <a:t>1.588</a:t>
-                      </a:r>
-                    </a:p>
-                  </a:txBody>
-                  <a:tcPr marL="34290" marR="34290" marT="17145" marB="17145"/>
-                </a:tc>
-                <a:tc>
-                  <a:txBody>
-                    <a:bodyPr/>
-                    <a:lstStyle/>
-                    <a:p>
-                      <a:r>
-                        <a:rPr lang="en-US" sz="900" dirty="0"/>
-                        <a:t>0.90</a:t>
-                      </a:r>
-                    </a:p>
-                  </a:txBody>
-                  <a:tcPr marL="34290" marR="34290" marT="17145" marB="17145"/>
-                </a:tc>
-                <a:tc>
-                  <a:txBody>
-                    <a:bodyPr/>
-                    <a:lstStyle/>
-                    <a:p>
-                      <a:r>
-                        <a:rPr lang="en-US" sz="900" dirty="0"/>
-                        <a:t>0.082</a:t>
-                      </a:r>
-                    </a:p>
-                  </a:txBody>
-                  <a:tcPr marL="34290" marR="34290" marT="17145" marB="17145"/>
-                </a:tc>
-                <a:extLst>
-                  <a:ext uri="{0D108BD9-81ED-4DB2-BD59-A6C34878D82A}">
-                    <a16:rowId xmlns:a16="http://schemas.microsoft.com/office/drawing/2014/main" val="4197118472"/>
-                  </a:ext>
-                </a:extLst>
-              </a:tr>
-              <a:tr h="175591">
-                <a:tc>
-                  <a:txBody>
-                    <a:bodyPr/>
-                    <a:lstStyle/>
-                    <a:p>
-                      <a:r>
-                        <a:rPr lang="en-US" sz="900" dirty="0"/>
-                        <a:t>MNAR-light</a:t>
-                      </a:r>
-                    </a:p>
-                  </a:txBody>
-                  <a:tcPr marL="34290" marR="34290" marT="17145" marB="17145">
-                    <a:solidFill>
-                      <a:schemeClr val="accent2"/>
-                    </a:solidFill>
-                  </a:tcPr>
-                </a:tc>
-                <a:tc>
-                  <a:txBody>
-                    <a:bodyPr/>
-                    <a:lstStyle/>
-                    <a:p>
-                      <a:r>
-                        <a:rPr lang="en-US" sz="900" dirty="0"/>
-                        <a:t>1.0174</a:t>
-                      </a:r>
-                    </a:p>
-                  </a:txBody>
-                  <a:tcPr marL="34290" marR="34290" marT="17145" marB="17145"/>
-                </a:tc>
-                <a:tc>
-                  <a:txBody>
-                    <a:bodyPr/>
-                    <a:lstStyle/>
-                    <a:p>
-                      <a:r>
-                        <a:rPr lang="en-US" sz="900" dirty="0"/>
-                        <a:t>1.740</a:t>
-                      </a:r>
-                    </a:p>
-                  </a:txBody>
-                  <a:tcPr marL="34290" marR="34290" marT="17145" marB="17145"/>
-                </a:tc>
-                <a:tc>
-                  <a:txBody>
-                    <a:bodyPr/>
-                    <a:lstStyle/>
-                    <a:p>
-                      <a:r>
-                        <a:rPr lang="en-US" sz="900" dirty="0"/>
-                        <a:t>0.96</a:t>
-                      </a:r>
-                    </a:p>
-                  </a:txBody>
-                  <a:tcPr marL="34290" marR="34290" marT="17145" marB="17145"/>
-                </a:tc>
-                <a:tc>
-                  <a:txBody>
-                    <a:bodyPr/>
-                    <a:lstStyle/>
-                    <a:p>
-                      <a:r>
-                        <a:rPr lang="en-US" sz="900" dirty="0"/>
-                        <a:t>0.306</a:t>
-                      </a:r>
-                    </a:p>
-                  </a:txBody>
-                  <a:tcPr marL="34290" marR="34290" marT="17145" marB="17145"/>
-                </a:tc>
-                <a:extLst>
-                  <a:ext uri="{0D108BD9-81ED-4DB2-BD59-A6C34878D82A}">
-                    <a16:rowId xmlns:a16="http://schemas.microsoft.com/office/drawing/2014/main" val="4122388607"/>
-                  </a:ext>
-                </a:extLst>
-              </a:tr>
-              <a:tr h="231337">
-                <a:tc>
-                  <a:txBody>
-                    <a:bodyPr/>
-                    <a:lstStyle/>
-                    <a:p>
-                      <a:r>
-                        <a:rPr lang="en-US" sz="900" dirty="0"/>
-                        <a:t>MNAR-moderate</a:t>
-                      </a:r>
-                    </a:p>
-                  </a:txBody>
-                  <a:tcPr marL="34290" marR="34290" marT="17145" marB="17145">
-                    <a:solidFill>
-                      <a:schemeClr val="accent2"/>
-                    </a:solidFill>
-                  </a:tcPr>
-                </a:tc>
-                <a:tc>
-                  <a:txBody>
-                    <a:bodyPr/>
-                    <a:lstStyle/>
-                    <a:p>
-                      <a:r>
-                        <a:rPr lang="en-US" sz="900" dirty="0"/>
-                        <a:t>1.0262</a:t>
-                      </a:r>
-                    </a:p>
-                  </a:txBody>
-                  <a:tcPr marL="34290" marR="34290" marT="17145" marB="17145"/>
-                </a:tc>
-                <a:tc>
-                  <a:txBody>
-                    <a:bodyPr/>
-                    <a:lstStyle/>
-                    <a:p>
-                      <a:r>
-                        <a:rPr lang="en-US" sz="900" dirty="0"/>
-                        <a:t>2.615</a:t>
-                      </a:r>
-                    </a:p>
-                  </a:txBody>
-                  <a:tcPr marL="34290" marR="34290" marT="17145" marB="17145"/>
-                </a:tc>
-                <a:tc>
-                  <a:txBody>
-                    <a:bodyPr/>
-                    <a:lstStyle/>
-                    <a:p>
-                      <a:r>
-                        <a:rPr lang="en-US" sz="900" dirty="0"/>
-                        <a:t>0.95</a:t>
-                      </a:r>
-                    </a:p>
-                  </a:txBody>
-                  <a:tcPr marL="34290" marR="34290" marT="17145" marB="17145"/>
-                </a:tc>
-                <a:tc>
-                  <a:txBody>
-                    <a:bodyPr/>
-                    <a:lstStyle/>
-                    <a:p>
-                      <a:r>
-                        <a:rPr lang="en-US" sz="900" dirty="0"/>
-                        <a:t>0.331</a:t>
-                      </a:r>
-                    </a:p>
-                  </a:txBody>
-                  <a:tcPr marL="34290" marR="34290" marT="17145" marB="17145"/>
-                </a:tc>
-                <a:extLst>
-                  <a:ext uri="{0D108BD9-81ED-4DB2-BD59-A6C34878D82A}">
-                    <a16:rowId xmlns:a16="http://schemas.microsoft.com/office/drawing/2014/main" val="1306177704"/>
-                  </a:ext>
-                </a:extLst>
-              </a:tr>
-              <a:tr h="175591">
-                <a:tc>
-                  <a:txBody>
-                    <a:bodyPr/>
-                    <a:lstStyle/>
-                    <a:p>
-                      <a:r>
-                        <a:rPr lang="en-US" sz="900" dirty="0"/>
-                        <a:t>MNAR-heavy</a:t>
-                      </a:r>
-                    </a:p>
-                  </a:txBody>
-                  <a:tcPr marL="34290" marR="34290" marT="17145" marB="17145">
-                    <a:solidFill>
-                      <a:schemeClr val="accent2"/>
-                    </a:solidFill>
-                  </a:tcPr>
-                </a:tc>
-                <a:tc>
-                  <a:txBody>
-                    <a:bodyPr/>
-                    <a:lstStyle/>
-                    <a:p>
-                      <a:r>
-                        <a:rPr lang="en-US" sz="900" dirty="0"/>
-                        <a:t>1.0485</a:t>
-                      </a:r>
-                    </a:p>
-                  </a:txBody>
-                  <a:tcPr marL="34290" marR="34290" marT="17145" marB="17145"/>
-                </a:tc>
-                <a:tc>
-                  <a:txBody>
-                    <a:bodyPr/>
-                    <a:lstStyle/>
-                    <a:p>
-                      <a:r>
-                        <a:rPr lang="en-US" sz="900" dirty="0"/>
-                        <a:t>4.853</a:t>
-                      </a:r>
-                    </a:p>
-                  </a:txBody>
-                  <a:tcPr marL="34290" marR="34290" marT="17145" marB="17145"/>
-                </a:tc>
-                <a:tc>
-                  <a:txBody>
-                    <a:bodyPr/>
-                    <a:lstStyle/>
-                    <a:p>
-                      <a:r>
-                        <a:rPr lang="en-US" sz="900" dirty="0"/>
-                        <a:t>0.88</a:t>
-                      </a:r>
-                    </a:p>
-                  </a:txBody>
-                  <a:tcPr marL="34290" marR="34290" marT="17145" marB="17145"/>
-                </a:tc>
-                <a:tc>
-                  <a:txBody>
-                    <a:bodyPr/>
-                    <a:lstStyle/>
-                    <a:p>
-                      <a:r>
-                        <a:rPr lang="en-US" sz="900" dirty="0"/>
-                        <a:t>0.388</a:t>
-                      </a:r>
-                    </a:p>
-                  </a:txBody>
-                  <a:tcPr marL="34290" marR="34290" marT="17145" marB="17145"/>
-                </a:tc>
-                <a:extLst>
-                  <a:ext uri="{0D108BD9-81ED-4DB2-BD59-A6C34878D82A}">
-                    <a16:rowId xmlns:a16="http://schemas.microsoft.com/office/drawing/2014/main" val="4228847266"/>
-                  </a:ext>
-                </a:extLst>
-              </a:tr>
-            </a:tbl>
-          </a:graphicData>
-        </a:graphic>
-      </p:graphicFrame>
-      <p:sp>
-        <p:nvSpPr>
-          <p:cNvPr id="853" name="正方形/長方形 17">
-            <a:extLst>
-              <a:ext uri="{FF2B5EF4-FFF2-40B4-BE49-F238E27FC236}">
-                <a16:creationId xmlns:a16="http://schemas.microsoft.com/office/drawing/2014/main" id="{AB984E1A-C050-AE80-0130-21003D6A6EA3}"/>
-              </a:ext>
-            </a:extLst>
-          </p:cNvPr>
-          <p:cNvSpPr/>
-          <p:nvPr/>
-        </p:nvSpPr>
-        <p:spPr>
-          <a:xfrm>
-            <a:off x="23493842" y="7481866"/>
-            <a:ext cx="5355130" cy="1579514"/>
-          </a:xfrm>
-          <a:prstGeom prst="rect">
-            <a:avLst/>
-          </a:prstGeom>
-          <a:noFill/>
-          <a:ln w="34925">
-            <a:solidFill>
-              <a:schemeClr val="accent2"/>
-            </a:solidFill>
-          </a:ln>
-        </p:spPr>
-        <p:style>
-          <a:lnRef idx="2">
-            <a:schemeClr val="accent1">
-              <a:shade val="50000"/>
-            </a:schemeClr>
-          </a:lnRef>
-          <a:fillRef idx="1">
-            <a:schemeClr val="accent1"/>
-          </a:fillRef>
-          <a:effectRef idx="0">
-            <a:schemeClr val="accent1"/>
-          </a:effectRef>
-          <a:fontRef idx="minor">
-            <a:schemeClr val="lt1"/>
-          </a:fontRef>
-        </p:style>
-        <p:txBody>
-          <a:bodyPr rtlCol="0" anchor="ctr"/>
-          <a:lstStyle/>
-          <a:p>
-            <a:pPr algn="ctr"/>
-            <a:endParaRPr kumimoji="1" lang="ja-JP" altLang="en-US" sz="675"/>
-          </a:p>
-        </p:txBody>
-      </p:sp>
       <mc:AlternateContent xmlns:mc="http://schemas.openxmlformats.org/markup-compatibility/2006">
         <mc:Choice xmlns:a14="http://schemas.microsoft.com/office/drawing/2010/main" Requires="a14">
           <p:sp>
@@ -20759,15 +19728,7 @@
                 </a:pPr>
                 <a:r>
                   <a:rPr lang="en-US" sz="1400" dirty="0"/>
-                  <a:t>Creating data from a complete data model (specified to the </a:t>
-                </a:r>
-                <a:r>
-                  <a:rPr lang="en-US" sz="1400" dirty="0" err="1"/>
-                  <a:t>rightdddddss</a:t>
-                </a:r>
-                <a:r>
-                  <a:rPr lang="en-US" sz="1400" dirty="0"/>
-                  <a:t>)</a:t>
+                  <a:t>Creating data from a complete data model (specified to the right)</a:t>
                 </a:r>
               </a:p>
               <a:p>
@@ -20926,7 +19887,7 @@
                 <a:avLst/>
               </a:prstGeom>
               <a:blipFill>
-                <a:blip r:embed="rId15"/>
+                <a:blip r:embed="rId8"/>
                 <a:stretch>
                   <a:fillRect l="-196" t="-472"/>
                 </a:stretch>
@@ -21079,14 +20040,14 @@
           <p:nvPr>
             <p:extLst>
               <p:ext uri="{D42A27DB-BD31-4B8C-83A1-F6EECF244321}">
-                <p14:modId xmlns:p14="http://schemas.microsoft.com/office/powerpoint/2010/main" val="556610553"/>
+                <p14:modId xmlns:p14="http://schemas.microsoft.com/office/powerpoint/2010/main" val="355278212"/>
               </p:ext>
             </p:extLst>
           </p:nvPr>
         </p:nvGraphicFramePr>
         <p:xfrm>
-          <a:off x="11502465" y="7209973"/>
-          <a:ext cx="7577955" cy="2853686"/>
+          <a:off x="11597939" y="7381307"/>
+          <a:ext cx="6939820" cy="2417712"/>
         </p:xfrm>
         <a:graphic>
           <a:graphicData uri="http://schemas.openxmlformats.org/drawingml/2006/table">
@@ -21095,35 +20056,35 @@
                 <a:tableStyleId>{5C22544A-7EE6-4342-B048-85BDC9FD1C3A}</a:tableStyleId>
               </a:tblPr>
               <a:tblGrid>
-                <a:gridCol w="1515591">
+                <a:gridCol w="1387964">
                   <a:extLst>
                     <a:ext uri="{9D8B030D-6E8A-4147-A177-3AD203B41FA5}">
                       <a16:colId xmlns:a16="http://schemas.microsoft.com/office/drawing/2014/main" val="2639204986"/>
                     </a:ext>
                   </a:extLst>
                 </a:gridCol>
-                <a:gridCol w="1515591">
+                <a:gridCol w="1387964">
                   <a:extLst>
                     <a:ext uri="{9D8B030D-6E8A-4147-A177-3AD203B41FA5}">
                       <a16:colId xmlns:a16="http://schemas.microsoft.com/office/drawing/2014/main" val="2690891796"/>
                     </a:ext>
                   </a:extLst>
                 </a:gridCol>
-                <a:gridCol w="1515591">
+                <a:gridCol w="1387964">
                   <a:extLst>
                     <a:ext uri="{9D8B030D-6E8A-4147-A177-3AD203B41FA5}">
                       <a16:colId xmlns:a16="http://schemas.microsoft.com/office/drawing/2014/main" val="3723378948"/>
                     </a:ext>
                   </a:extLst>
                 </a:gridCol>
-                <a:gridCol w="1515591">
+                <a:gridCol w="1387964">
                   <a:extLst>
                     <a:ext uri="{9D8B030D-6E8A-4147-A177-3AD203B41FA5}">
                       <a16:colId xmlns:a16="http://schemas.microsoft.com/office/drawing/2014/main" val="1498371569"/>
                     </a:ext>
                   </a:extLst>
                 </a:gridCol>
-                <a:gridCol w="1515591">
+                <a:gridCol w="1387964">
                   <a:extLst>
                     <a:ext uri="{9D8B030D-6E8A-4147-A177-3AD203B41FA5}">
                       <a16:colId xmlns:a16="http://schemas.microsoft.com/office/drawing/2014/main" val="889807820"/>
@@ -21131,13 +20092,13 @@
                   </a:extLst>
                 </a:gridCol>
               </a:tblGrid>
-              <a:tr h="311078">
+              <a:tr h="247639">
                 <a:tc>
                   <a:txBody>
                     <a:bodyPr/>
                     <a:lstStyle/>
                     <a:p>
-                      <a:endParaRPr lang="en-US" sz="1800" dirty="0"/>
+                      <a:endParaRPr lang="en-US" sz="1400" dirty="0"/>
                     </a:p>
                   </a:txBody>
                   <a:tcPr marL="34290" marR="34290" marT="17145" marB="17145">
@@ -21161,10 +20122,10 @@
                     <a:lstStyle/>
                     <a:p>
                       <a:r>
-                        <a:rPr lang="en-US" sz="1800"/>
+                        <a:rPr lang="en-US" sz="1400"/>
                         <a:t>Estimate</a:t>
                       </a:r>
-                      <a:endParaRPr lang="en-US" sz="1800" dirty="0"/>
+                      <a:endParaRPr lang="en-US" sz="1400" dirty="0"/>
                     </a:p>
                   </a:txBody>
                   <a:tcPr marL="34290" marR="34290" marT="17145" marB="17145"/>
@@ -21175,10 +20136,10 @@
                     <a:lstStyle/>
                     <a:p>
                       <a:r>
-                        <a:rPr lang="en-US" sz="1800"/>
+                        <a:rPr lang="en-US" sz="1400"/>
                         <a:t>Percent Bias</a:t>
                       </a:r>
-                      <a:endParaRPr lang="en-US" sz="1800" dirty="0"/>
+                      <a:endParaRPr lang="en-US" sz="1400" dirty="0"/>
                     </a:p>
                   </a:txBody>
                   <a:tcPr marL="34290" marR="34290" marT="17145" marB="17145"/>
@@ -21189,10 +20150,10 @@
                     <a:lstStyle/>
                     <a:p>
                       <a:r>
-                        <a:rPr lang="en-US" sz="1800"/>
+                        <a:rPr lang="en-US" sz="1400"/>
                         <a:t>Coverage Rate</a:t>
                       </a:r>
-                      <a:endParaRPr lang="en-US" sz="1800" dirty="0"/>
+                      <a:endParaRPr lang="en-US" sz="1400" dirty="0"/>
                     </a:p>
                   </a:txBody>
                   <a:tcPr marL="34290" marR="34290" marT="17145" marB="17145"/>
@@ -21203,7 +20164,7 @@
                     <a:lstStyle/>
                     <a:p>
                       <a:r>
-                        <a:rPr lang="en-US" sz="1800" dirty="0"/>
+                        <a:rPr lang="en-US" sz="1400" dirty="0"/>
                         <a:t>Average Width</a:t>
                       </a:r>
                     </a:p>
@@ -21216,17 +20177,16 @@
                   </a:ext>
                 </a:extLst>
               </a:tr>
-              <a:tr h="311078">
+              <a:tr h="247639">
                 <a:tc>
                   <a:txBody>
                     <a:bodyPr/>
                     <a:lstStyle/>
                     <a:p>
                       <a:r>
-                        <a:rPr lang="en-US" sz="1800"/>
+                        <a:rPr lang="en-US" sz="1400" dirty="0"/>
                         <a:t>MCAR</a:t>
                       </a:r>
-                      <a:endParaRPr lang="en-US" sz="1800" dirty="0"/>
                     </a:p>
                   </a:txBody>
                   <a:tcPr marL="34290" marR="34290" marT="17145" marB="17145">
@@ -21241,10 +20201,9 @@
                     <a:lstStyle/>
                     <a:p>
                       <a:r>
-                        <a:rPr lang="en-US" sz="1800"/>
+                        <a:rPr lang="en-US" sz="1400" dirty="0"/>
                         <a:t>0.9779</a:t>
                       </a:r>
-                      <a:endParaRPr lang="en-US" sz="1800" dirty="0"/>
                     </a:p>
                   </a:txBody>
                   <a:tcPr marL="34290" marR="34290" marT="17145" marB="17145"/>
@@ -21255,10 +20214,10 @@
                     <a:lstStyle/>
                     <a:p>
                       <a:r>
-                        <a:rPr lang="en-US" sz="1800"/>
+                        <a:rPr lang="en-US" sz="1400"/>
                         <a:t>2.209</a:t>
                       </a:r>
-                      <a:endParaRPr lang="en-US" sz="1800" dirty="0"/>
+                      <a:endParaRPr lang="en-US" sz="1400" dirty="0"/>
                     </a:p>
                   </a:txBody>
                   <a:tcPr marL="34290" marR="34290" marT="17145" marB="17145"/>
@@ -21269,10 +20228,10 @@
                     <a:lstStyle/>
                     <a:p>
                       <a:r>
-                        <a:rPr lang="en-US" sz="1800"/>
+                        <a:rPr lang="en-US" sz="1400"/>
                         <a:t>0.97</a:t>
                       </a:r>
-                      <a:endParaRPr lang="en-US" sz="1800" dirty="0"/>
+                      <a:endParaRPr lang="en-US" sz="1400" dirty="0"/>
                     </a:p>
                   </a:txBody>
                   <a:tcPr marL="34290" marR="34290" marT="17145" marB="17145"/>
@@ -21283,10 +20242,10 @@
                     <a:lstStyle/>
                     <a:p>
                       <a:r>
-                        <a:rPr lang="en-US" sz="1800"/>
+                        <a:rPr lang="en-US" sz="1400"/>
                         <a:t>0.102</a:t>
                       </a:r>
-                      <a:endParaRPr lang="en-US" sz="1800" dirty="0"/>
+                      <a:endParaRPr lang="en-US" sz="1400" dirty="0"/>
                     </a:p>
                   </a:txBody>
                   <a:tcPr marL="34290" marR="34290" marT="17145" marB="17145"/>
@@ -21297,17 +20256,16 @@
                   </a:ext>
                 </a:extLst>
               </a:tr>
-              <a:tr h="311078">
+              <a:tr h="247639">
                 <a:tc>
                   <a:txBody>
                     <a:bodyPr/>
                     <a:lstStyle/>
                     <a:p>
                       <a:r>
-                        <a:rPr lang="en-US" sz="1800"/>
+                        <a:rPr lang="en-US" sz="1400" dirty="0"/>
                         <a:t>MAR-light</a:t>
                       </a:r>
-                      <a:endParaRPr lang="en-US" sz="1800" dirty="0"/>
                     </a:p>
                   </a:txBody>
                   <a:tcPr marL="34290" marR="34290" marT="17145" marB="17145">
@@ -21322,10 +20280,9 @@
                     <a:lstStyle/>
                     <a:p>
                       <a:r>
-                        <a:rPr lang="en-US" sz="1800"/>
+                        <a:rPr lang="en-US" sz="1400" dirty="0"/>
                         <a:t>0.9768</a:t>
                       </a:r>
-                      <a:endParaRPr lang="en-US" sz="1800" dirty="0"/>
                     </a:p>
                   </a:txBody>
                   <a:tcPr marL="34290" marR="34290" marT="17145" marB="17145"/>
@@ -21336,10 +20293,10 @@
                     <a:lstStyle/>
                     <a:p>
                       <a:r>
-                        <a:rPr lang="en-US" sz="1800"/>
+                        <a:rPr lang="en-US" sz="1400"/>
                         <a:t>2.315</a:t>
                       </a:r>
-                      <a:endParaRPr lang="en-US" sz="1800" dirty="0"/>
+                      <a:endParaRPr lang="en-US" sz="1400" dirty="0"/>
                     </a:p>
                   </a:txBody>
                   <a:tcPr marL="34290" marR="34290" marT="17145" marB="17145"/>
@@ -21350,10 +20307,9 @@
                     <a:lstStyle/>
                     <a:p>
                       <a:r>
-                        <a:rPr lang="en-US" sz="1800"/>
+                        <a:rPr lang="en-US" sz="1400" dirty="0"/>
                         <a:t>0.91</a:t>
                       </a:r>
-                      <a:endParaRPr lang="en-US" sz="1800" dirty="0"/>
                     </a:p>
                   </a:txBody>
                   <a:tcPr marL="34290" marR="34290" marT="17145" marB="17145"/>
@@ -21364,10 +20320,10 @@
                     <a:lstStyle/>
                     <a:p>
                       <a:r>
-                        <a:rPr lang="en-US" sz="1800"/>
+                        <a:rPr lang="en-US" sz="1400"/>
                         <a:t>0.108</a:t>
                       </a:r>
-                      <a:endParaRPr lang="en-US" sz="1800" dirty="0"/>
+                      <a:endParaRPr lang="en-US" sz="1400" dirty="0"/>
                     </a:p>
                   </a:txBody>
                   <a:tcPr marL="34290" marR="34290" marT="17145" marB="17145"/>
@@ -21378,17 +20334,17 @@
                   </a:ext>
                 </a:extLst>
               </a:tr>
-              <a:tr h="399626">
+              <a:tr h="464050">
                 <a:tc>
                   <a:txBody>
                     <a:bodyPr/>
                     <a:lstStyle/>
                     <a:p>
                       <a:r>
-                        <a:rPr lang="en-US" sz="1800"/>
+                        <a:rPr lang="en-US" sz="1400"/>
                         <a:t>MAR-moderate</a:t>
                       </a:r>
-                      <a:endParaRPr lang="en-US" sz="1800" dirty="0"/>
+                      <a:endParaRPr lang="en-US" sz="1400" dirty="0"/>
                     </a:p>
                   </a:txBody>
                   <a:tcPr marL="34290" marR="34290" marT="17145" marB="17145">
@@ -21403,10 +20359,9 @@
                     <a:lstStyle/>
                     <a:p>
                       <a:r>
-                        <a:rPr lang="en-US" sz="1800"/>
+                        <a:rPr lang="en-US" sz="1400" dirty="0"/>
                         <a:t>0.9799</a:t>
                       </a:r>
-                      <a:endParaRPr lang="en-US" sz="1800" dirty="0"/>
                     </a:p>
                   </a:txBody>
                   <a:tcPr marL="34290" marR="34290" marT="17145" marB="17145"/>
@@ -21417,10 +20372,9 @@
                     <a:lstStyle/>
                     <a:p>
                       <a:r>
-                        <a:rPr lang="en-US" sz="1800"/>
+                        <a:rPr lang="en-US" sz="1400" dirty="0"/>
                         <a:t>2.011</a:t>
                       </a:r>
-                      <a:endParaRPr lang="en-US" sz="1800" dirty="0"/>
                     </a:p>
                   </a:txBody>
                   <a:tcPr marL="34290" marR="34290" marT="17145" marB="17145"/>
@@ -21431,10 +20385,10 @@
                     <a:lstStyle/>
                     <a:p>
                       <a:r>
-                        <a:rPr lang="en-US" sz="1800"/>
+                        <a:rPr lang="en-US" sz="1400"/>
                         <a:t>0.91</a:t>
                       </a:r>
-                      <a:endParaRPr lang="en-US" sz="1800" dirty="0"/>
+                      <a:endParaRPr lang="en-US" sz="1400" dirty="0"/>
                     </a:p>
                   </a:txBody>
                   <a:tcPr marL="34290" marR="34290" marT="17145" marB="17145"/>
@@ -21445,10 +20399,9 @@
                     <a:lstStyle/>
                     <a:p>
                       <a:r>
-                        <a:rPr lang="en-US" sz="1800"/>
+                        <a:rPr lang="en-US" sz="1400" dirty="0"/>
                         <a:t>0.095</a:t>
                       </a:r>
-                      <a:endParaRPr lang="en-US" sz="1800" dirty="0"/>
                     </a:p>
                   </a:txBody>
                   <a:tcPr marL="34290" marR="34290" marT="17145" marB="17145"/>
@@ -21459,17 +20412,17 @@
                   </a:ext>
                 </a:extLst>
               </a:tr>
-              <a:tr h="311078">
+              <a:tr h="247639">
                 <a:tc>
                   <a:txBody>
                     <a:bodyPr/>
                     <a:lstStyle/>
                     <a:p>
                       <a:r>
-                        <a:rPr lang="en-US" sz="1800"/>
+                        <a:rPr lang="en-US" sz="1400"/>
                         <a:t>MAR-heavy</a:t>
                       </a:r>
-                      <a:endParaRPr lang="en-US" sz="1800" dirty="0"/>
+                      <a:endParaRPr lang="en-US" sz="1400" dirty="0"/>
                     </a:p>
                   </a:txBody>
                   <a:tcPr marL="34290" marR="34290" marT="17145" marB="17145">
@@ -21484,10 +20437,10 @@
                     <a:lstStyle/>
                     <a:p>
                       <a:r>
-                        <a:rPr lang="en-US" sz="1800"/>
+                        <a:rPr lang="en-US" sz="1400"/>
                         <a:t>0.9841</a:t>
                       </a:r>
-                      <a:endParaRPr lang="en-US" sz="1800" dirty="0"/>
+                      <a:endParaRPr lang="en-US" sz="1400" dirty="0"/>
                     </a:p>
                   </a:txBody>
                   <a:tcPr marL="34290" marR="34290" marT="17145" marB="17145"/>
@@ -21498,10 +20451,9 @@
                     <a:lstStyle/>
                     <a:p>
                       <a:r>
-                        <a:rPr lang="en-US" sz="1800"/>
+                        <a:rPr lang="en-US" sz="1400" dirty="0"/>
                         <a:t>1.588</a:t>
                       </a:r>
-                      <a:endParaRPr lang="en-US" sz="1800" dirty="0"/>
                     </a:p>
                   </a:txBody>
                   <a:tcPr marL="34290" marR="34290" marT="17145" marB="17145"/>
@@ -21512,10 +20464,9 @@
                     <a:lstStyle/>
                     <a:p>
                       <a:r>
-                        <a:rPr lang="en-US" sz="1800"/>
+                        <a:rPr lang="en-US" sz="1400" dirty="0"/>
                         <a:t>0.90</a:t>
                       </a:r>
-                      <a:endParaRPr lang="en-US" sz="1800" dirty="0"/>
                     </a:p>
                   </a:txBody>
                   <a:tcPr marL="34290" marR="34290" marT="17145" marB="17145"/>
@@ -21526,10 +20477,10 @@
                     <a:lstStyle/>
                     <a:p>
                       <a:r>
-                        <a:rPr lang="en-US" sz="1800"/>
+                        <a:rPr lang="en-US" sz="1400"/>
                         <a:t>0.082</a:t>
                       </a:r>
-                      <a:endParaRPr lang="en-US" sz="1800" dirty="0"/>
+                      <a:endParaRPr lang="en-US" sz="1400" dirty="0"/>
                     </a:p>
                   </a:txBody>
                   <a:tcPr marL="34290" marR="34290" marT="17145" marB="17145"/>
@@ -21540,17 +20491,17 @@
                   </a:ext>
                 </a:extLst>
               </a:tr>
-              <a:tr h="311078">
+              <a:tr h="247639">
                 <a:tc>
                   <a:txBody>
                     <a:bodyPr/>
                     <a:lstStyle/>
                     <a:p>
                       <a:r>
-                        <a:rPr lang="en-US" sz="1800"/>
+                        <a:rPr lang="en-US" sz="1400"/>
                         <a:t>MNAR-light</a:t>
                       </a:r>
-                      <a:endParaRPr lang="en-US" sz="1800" dirty="0"/>
+                      <a:endParaRPr lang="en-US" sz="1400" dirty="0"/>
                     </a:p>
                   </a:txBody>
                   <a:tcPr marL="34290" marR="34290" marT="17145" marB="17145">
@@ -21565,10 +20516,10 @@
                     <a:lstStyle/>
                     <a:p>
                       <a:r>
-                        <a:rPr lang="en-US" sz="1800"/>
+                        <a:rPr lang="en-US" sz="1400"/>
                         <a:t>1.0174</a:t>
                       </a:r>
-                      <a:endParaRPr lang="en-US" sz="1800" dirty="0"/>
+                      <a:endParaRPr lang="en-US" sz="1400" dirty="0"/>
                     </a:p>
                   </a:txBody>
                   <a:tcPr marL="34290" marR="34290" marT="17145" marB="17145"/>
@@ -21579,10 +20530,10 @@
                     <a:lstStyle/>
                     <a:p>
                       <a:r>
-                        <a:rPr lang="en-US" sz="1800"/>
+                        <a:rPr lang="en-US" sz="1400"/>
                         <a:t>1.740</a:t>
                       </a:r>
-                      <a:endParaRPr lang="en-US" sz="1800" dirty="0"/>
+                      <a:endParaRPr lang="en-US" sz="1400" dirty="0"/>
                     </a:p>
                   </a:txBody>
                   <a:tcPr marL="34290" marR="34290" marT="17145" marB="17145"/>
@@ -21593,10 +20544,9 @@
                     <a:lstStyle/>
                     <a:p>
                       <a:r>
-                        <a:rPr lang="en-US" sz="1800"/>
+                        <a:rPr lang="en-US" sz="1400" dirty="0"/>
                         <a:t>0.96</a:t>
                       </a:r>
-                      <a:endParaRPr lang="en-US" sz="1800" dirty="0"/>
                     </a:p>
                   </a:txBody>
                   <a:tcPr marL="34290" marR="34290" marT="17145" marB="17145"/>
@@ -21607,10 +20557,9 @@
                     <a:lstStyle/>
                     <a:p>
                       <a:r>
-                        <a:rPr lang="en-US" sz="1800"/>
+                        <a:rPr lang="en-US" sz="1400" dirty="0"/>
                         <a:t>0.306</a:t>
                       </a:r>
-                      <a:endParaRPr lang="en-US" sz="1800" dirty="0"/>
                     </a:p>
                   </a:txBody>
                   <a:tcPr marL="34290" marR="34290" marT="17145" marB="17145"/>
@@ -21621,17 +20570,17 @@
                   </a:ext>
                 </a:extLst>
               </a:tr>
-              <a:tr h="587592">
+              <a:tr h="467762">
                 <a:tc>
                   <a:txBody>
                     <a:bodyPr/>
                     <a:lstStyle/>
                     <a:p>
                       <a:r>
-                        <a:rPr lang="en-US" sz="1800"/>
+                        <a:rPr lang="en-US" sz="1400"/>
                         <a:t>MNAR-moderate</a:t>
                       </a:r>
-                      <a:endParaRPr lang="en-US" sz="1800" dirty="0"/>
+                      <a:endParaRPr lang="en-US" sz="1400" dirty="0"/>
                     </a:p>
                   </a:txBody>
                   <a:tcPr marL="34290" marR="34290" marT="17145" marB="17145">
@@ -21646,10 +20595,9 @@
                     <a:lstStyle/>
                     <a:p>
                       <a:r>
-                        <a:rPr lang="en-US" sz="1800"/>
+                        <a:rPr lang="en-US" sz="1400" dirty="0"/>
                         <a:t>1.0262</a:t>
                       </a:r>
-                      <a:endParaRPr lang="en-US" sz="1800" dirty="0"/>
                     </a:p>
                   </a:txBody>
                   <a:tcPr marL="34290" marR="34290" marT="17145" marB="17145"/>
@@ -21660,10 +20608,10 @@
                     <a:lstStyle/>
                     <a:p>
                       <a:r>
-                        <a:rPr lang="en-US" sz="1800"/>
+                        <a:rPr lang="en-US" sz="1400"/>
                         <a:t>2.615</a:t>
                       </a:r>
-                      <a:endParaRPr lang="en-US" sz="1800" dirty="0"/>
+                      <a:endParaRPr lang="en-US" sz="1400" dirty="0"/>
                     </a:p>
                   </a:txBody>
                   <a:tcPr marL="34290" marR="34290" marT="17145" marB="17145"/>
@@ -21674,10 +20622,10 @@
                     <a:lstStyle/>
                     <a:p>
                       <a:r>
-                        <a:rPr lang="en-US" sz="1800"/>
+                        <a:rPr lang="en-US" sz="1400"/>
                         <a:t>0.95</a:t>
                       </a:r>
-                      <a:endParaRPr lang="en-US" sz="1800" dirty="0"/>
+                      <a:endParaRPr lang="en-US" sz="1400" dirty="0"/>
                     </a:p>
                   </a:txBody>
                   <a:tcPr marL="34290" marR="34290" marT="17145" marB="17145"/>
@@ -21688,10 +20636,9 @@
                     <a:lstStyle/>
                     <a:p>
                       <a:r>
-                        <a:rPr lang="en-US" sz="1800"/>
+                        <a:rPr lang="en-US" sz="1400" dirty="0"/>
                         <a:t>0.331</a:t>
                       </a:r>
-                      <a:endParaRPr lang="en-US" sz="1800" dirty="0"/>
                     </a:p>
                   </a:txBody>
                   <a:tcPr marL="34290" marR="34290" marT="17145" marB="17145"/>
@@ -21702,17 +20649,17 @@
                   </a:ext>
                 </a:extLst>
               </a:tr>
-              <a:tr h="311078">
+              <a:tr h="247639">
                 <a:tc>
                   <a:txBody>
                     <a:bodyPr/>
                     <a:lstStyle/>
                     <a:p>
                       <a:r>
-                        <a:rPr lang="en-US" sz="1800"/>
+                        <a:rPr lang="en-US" sz="1400"/>
                         <a:t>MNAR-heavy</a:t>
                       </a:r>
-                      <a:endParaRPr lang="en-US" sz="1800" dirty="0"/>
+                      <a:endParaRPr lang="en-US" sz="1400" dirty="0"/>
                     </a:p>
                   </a:txBody>
                   <a:tcPr marL="34290" marR="34290" marT="17145" marB="17145">
@@ -21727,10 +20674,9 @@
                     <a:lstStyle/>
                     <a:p>
                       <a:r>
-                        <a:rPr lang="en-US" sz="1800"/>
-                        <a:t>1.0485</a:t>
+                        <a:rPr lang="en-US" sz="1400" dirty="0"/>
+                        <a:t>1.3146</a:t>
                       </a:r>
-                      <a:endParaRPr lang="en-US" sz="1800" dirty="0"/>
                     </a:p>
                   </a:txBody>
                   <a:tcPr marL="34290" marR="34290" marT="17145" marB="17145"/>
@@ -21741,10 +20687,9 @@
                     <a:lstStyle/>
                     <a:p>
                       <a:r>
-                        <a:rPr lang="en-US" sz="1800"/>
-                        <a:t>4.853</a:t>
+                        <a:rPr lang="en-US" sz="1400" dirty="0"/>
+                        <a:t>31.463</a:t>
                       </a:r>
-                      <a:endParaRPr lang="en-US" sz="1800" dirty="0"/>
                     </a:p>
                   </a:txBody>
                   <a:tcPr marL="34290" marR="34290" marT="17145" marB="17145"/>
@@ -21755,10 +20700,9 @@
                     <a:lstStyle/>
                     <a:p>
                       <a:r>
-                        <a:rPr lang="en-US" sz="1800"/>
-                        <a:t>0.88</a:t>
+                        <a:rPr lang="en-US" sz="1400" dirty="0"/>
+                        <a:t>0.57</a:t>
                       </a:r>
-                      <a:endParaRPr lang="en-US" sz="1800" dirty="0"/>
                     </a:p>
                   </a:txBody>
                   <a:tcPr marL="34290" marR="34290" marT="17145" marB="17145"/>
@@ -21769,8 +20713,8 @@
                     <a:lstStyle/>
                     <a:p>
                       <a:r>
-                        <a:rPr lang="en-US" sz="1800" dirty="0"/>
-                        <a:t>0.388</a:t>
+                        <a:rPr lang="en-US" sz="1400" dirty="0"/>
+                        <a:t>0.806</a:t>
                       </a:r>
                     </a:p>
                   </a:txBody>
@@ -21825,6 +20769,2054 @@
           </a:p>
         </p:txBody>
       </p:sp>
+      <p:pic>
+        <p:nvPicPr>
+          <p:cNvPr id="862" name="Picture 861" descr="Chart, box and whisker chart&#10;&#10;Description automatically generated">
+            <a:extLst>
+              <a:ext uri="{FF2B5EF4-FFF2-40B4-BE49-F238E27FC236}">
+                <a16:creationId xmlns:a16="http://schemas.microsoft.com/office/drawing/2014/main" id="{9410FDE2-C78B-4915-3449-1C4ED8DE2DA2}"/>
+              </a:ext>
+            </a:extLst>
+          </p:cNvPr>
+          <p:cNvPicPr>
+            <a:picLocks noChangeAspect="1"/>
+          </p:cNvPicPr>
+          <p:nvPr/>
+        </p:nvPicPr>
+        <p:blipFill>
+          <a:blip r:embed="rId9">
+            <a:alphaModFix/>
+          </a:blip>
+          <a:stretch>
+            <a:fillRect/>
+          </a:stretch>
+        </p:blipFill>
+        <p:spPr>
+          <a:xfrm>
+            <a:off x="14610327" y="10183977"/>
+            <a:ext cx="6372232" cy="3425761"/>
+          </a:xfrm>
+          <a:prstGeom prst="rect">
+            <a:avLst/>
+          </a:prstGeom>
+        </p:spPr>
+      </p:pic>
+      <p:sp>
+        <p:nvSpPr>
+          <p:cNvPr id="863" name="TextBox 862">
+            <a:extLst>
+              <a:ext uri="{FF2B5EF4-FFF2-40B4-BE49-F238E27FC236}">
+                <a16:creationId xmlns:a16="http://schemas.microsoft.com/office/drawing/2014/main" id="{AAB41BC9-7B5F-7DF3-168B-DBB58AB88406}"/>
+              </a:ext>
+            </a:extLst>
+          </p:cNvPr>
+          <p:cNvSpPr txBox="1"/>
+          <p:nvPr/>
+        </p:nvSpPr>
+        <p:spPr>
+          <a:xfrm>
+            <a:off x="11375581" y="13732309"/>
+            <a:ext cx="1359668" cy="369332"/>
+          </a:xfrm>
+          <a:prstGeom prst="rect">
+            <a:avLst/>
+          </a:prstGeom>
+          <a:noFill/>
+        </p:spPr>
+        <p:txBody>
+          <a:bodyPr wrap="none" rtlCol="0">
+            <a:spAutoFit/>
+          </a:bodyPr>
+          <a:lstStyle/>
+          <a:p>
+            <a:r>
+              <a:rPr lang="en-US" b="1" u="sng" dirty="0">
+                <a:solidFill>
+                  <a:schemeClr val="accent2"/>
+                </a:solidFill>
+              </a:rPr>
+              <a:t>DISCUSSION</a:t>
+            </a:r>
+          </a:p>
+        </p:txBody>
+      </p:sp>
+      <p:sp>
+        <p:nvSpPr>
+          <p:cNvPr id="864" name="TextBox 863">
+            <a:extLst>
+              <a:ext uri="{FF2B5EF4-FFF2-40B4-BE49-F238E27FC236}">
+                <a16:creationId xmlns:a16="http://schemas.microsoft.com/office/drawing/2014/main" id="{DCA08361-4B4C-0542-108A-6C06875EE2CE}"/>
+              </a:ext>
+            </a:extLst>
+          </p:cNvPr>
+          <p:cNvSpPr txBox="1"/>
+          <p:nvPr/>
+        </p:nvSpPr>
+        <p:spPr>
+          <a:xfrm>
+            <a:off x="11964692" y="14117289"/>
+            <a:ext cx="9080939" cy="1754326"/>
+          </a:xfrm>
+          <a:prstGeom prst="rect">
+            <a:avLst/>
+          </a:prstGeom>
+          <a:noFill/>
+        </p:spPr>
+        <p:txBody>
+          <a:bodyPr wrap="square" rtlCol="0">
+            <a:spAutoFit/>
+          </a:bodyPr>
+          <a:lstStyle/>
+          <a:p>
+            <a:pPr marL="285750" indent="-285750">
+              <a:buFont typeface="Arial" panose="020B0604020202020204" pitchFamily="34" charset="0"/>
+              <a:buChar char="•"/>
+            </a:pPr>
+            <a:r>
+              <a:rPr lang="en-US" dirty="0"/>
+              <a:t>Bias and average confidence interval width tended to increase as the mechanism’s severity increased. </a:t>
+            </a:r>
+          </a:p>
+          <a:p>
+            <a:pPr marL="285750" indent="-285750">
+              <a:buFont typeface="Arial" panose="020B0604020202020204" pitchFamily="34" charset="0"/>
+              <a:buChar char="•"/>
+            </a:pPr>
+            <a:r>
+              <a:rPr lang="en-US" dirty="0"/>
+              <a:t>Although true MAR had the lowest average coverage rate, once we consider how MNAR had much larger confidence intervals, MNAR is clearly the worst at accurately estimating our parameter</a:t>
+            </a:r>
+          </a:p>
+          <a:p>
+            <a:pPr marL="285750" indent="-285750">
+              <a:buFont typeface="Arial" panose="020B0604020202020204" pitchFamily="34" charset="0"/>
+              <a:buChar char="•"/>
+            </a:pPr>
+            <a:endParaRPr lang="en-US" dirty="0"/>
+          </a:p>
+        </p:txBody>
+      </p:sp>
+      <p:sp>
+        <p:nvSpPr>
+          <p:cNvPr id="865" name="TextBox 864">
+            <a:extLst>
+              <a:ext uri="{FF2B5EF4-FFF2-40B4-BE49-F238E27FC236}">
+                <a16:creationId xmlns:a16="http://schemas.microsoft.com/office/drawing/2014/main" id="{E2EEE3A7-764D-A342-4B80-78A777112790}"/>
+              </a:ext>
+            </a:extLst>
+          </p:cNvPr>
+          <p:cNvSpPr txBox="1"/>
+          <p:nvPr/>
+        </p:nvSpPr>
+        <p:spPr>
+          <a:xfrm>
+            <a:off x="22534417" y="3313740"/>
+            <a:ext cx="4085029" cy="369332"/>
+          </a:xfrm>
+          <a:prstGeom prst="rect">
+            <a:avLst/>
+          </a:prstGeom>
+          <a:noFill/>
+        </p:spPr>
+        <p:txBody>
+          <a:bodyPr wrap="none" rtlCol="0">
+            <a:spAutoFit/>
+          </a:bodyPr>
+          <a:lstStyle/>
+          <a:p>
+            <a:r>
+              <a:rPr lang="en-US" b="1" dirty="0">
+                <a:solidFill>
+                  <a:schemeClr val="accent2">
+                    <a:lumMod val="75000"/>
+                  </a:schemeClr>
+                </a:solidFill>
+              </a:rPr>
+              <a:t>Case 1: Missing Data only in Response </a:t>
+            </a:r>
+            <a:r>
+              <a:rPr lang="en-US" b="1" i="1" dirty="0">
+                <a:solidFill>
+                  <a:schemeClr val="accent2">
+                    <a:lumMod val="75000"/>
+                  </a:schemeClr>
+                </a:solidFill>
+              </a:rPr>
+              <a:t>Y</a:t>
+            </a:r>
+            <a:r>
+              <a:rPr lang="en-US" b="1" dirty="0">
+                <a:solidFill>
+                  <a:schemeClr val="accent2">
+                    <a:lumMod val="75000"/>
+                  </a:schemeClr>
+                </a:solidFill>
+              </a:rPr>
+              <a:t>  </a:t>
+            </a:r>
+          </a:p>
+        </p:txBody>
+      </p:sp>
+      <mc:AlternateContent xmlns:mc="http://schemas.openxmlformats.org/markup-compatibility/2006">
+        <mc:Choice xmlns:a14="http://schemas.microsoft.com/office/drawing/2010/main" Requires="a14">
+          <p:sp>
+            <p:nvSpPr>
+              <p:cNvPr id="866" name="TextBox 865">
+                <a:extLst>
+                  <a:ext uri="{FF2B5EF4-FFF2-40B4-BE49-F238E27FC236}">
+                    <a16:creationId xmlns:a16="http://schemas.microsoft.com/office/drawing/2014/main" id="{C7D4E343-7ECF-5508-C316-F7FAA70EE3B2}"/>
+                  </a:ext>
+                </a:extLst>
+              </p:cNvPr>
+              <p:cNvSpPr txBox="1"/>
+              <p:nvPr/>
+            </p:nvSpPr>
+            <p:spPr>
+              <a:xfrm>
+                <a:off x="22770814" y="3683071"/>
+                <a:ext cx="9708673" cy="2546851"/>
+              </a:xfrm>
+              <a:prstGeom prst="rect">
+                <a:avLst/>
+              </a:prstGeom>
+              <a:noFill/>
+            </p:spPr>
+            <p:txBody>
+              <a:bodyPr wrap="square">
+                <a:spAutoFit/>
+              </a:bodyPr>
+              <a:lstStyle/>
+              <a:p>
+                <a:pPr>
+                  <a:lnSpc>
+                    <a:spcPct val="150000"/>
+                  </a:lnSpc>
+                </a:pPr>
+                <a:r>
+                  <a:rPr lang="en-US" sz="1400" b="1" u="sng" dirty="0">
+                    <a:solidFill>
+                      <a:schemeClr val="accent2"/>
+                    </a:solidFill>
+                  </a:rPr>
+                  <a:t>HYPOTHESIS</a:t>
+                </a:r>
+                <a:r>
+                  <a:rPr lang="en-US" sz="1400" b="1" dirty="0">
+                    <a:solidFill>
+                      <a:schemeClr val="accent2"/>
+                    </a:solidFill>
+                  </a:rPr>
+                  <a:t>: </a:t>
+                </a:r>
+                <a:r>
+                  <a:rPr lang="en-US" sz="1400" b="1" dirty="0"/>
+                  <a:t>If the missing data occurs only in </a:t>
+                </a:r>
+                <a:r>
+                  <a:rPr lang="en-US" sz="1400" b="1" i="1" dirty="0"/>
+                  <a:t>Y, </a:t>
+                </a:r>
+                <a:r>
+                  <a:rPr lang="en-US" sz="1400" b="1" dirty="0"/>
+                  <a:t>listwise deletion is preferred as it’s faster, efficient, and statistically equivalent.</a:t>
+                </a:r>
+                <a:endParaRPr lang="en-US" sz="1088" b="1" dirty="0"/>
+              </a:p>
+              <a:p>
+                <a:pPr>
+                  <a:lnSpc>
+                    <a:spcPct val="150000"/>
+                  </a:lnSpc>
+                </a:pPr>
+                <a:r>
+                  <a:rPr lang="en-US" sz="1400" b="1" u="sng" dirty="0">
+                    <a:solidFill>
+                      <a:schemeClr val="accent2"/>
+                    </a:solidFill>
+                  </a:rPr>
+                  <a:t>METHODS:</a:t>
+                </a:r>
+                <a:endParaRPr lang="en-US" sz="1400" b="1" dirty="0"/>
+              </a:p>
+              <a:p>
+                <a:pPr marL="228600" indent="-228600">
+                  <a:lnSpc>
+                    <a:spcPct val="150000"/>
+                  </a:lnSpc>
+                  <a:buFont typeface="+mj-lt"/>
+                  <a:buAutoNum type="arabicPeriod"/>
+                </a:pPr>
+                <a:r>
+                  <a:rPr lang="en-US" sz="1088" dirty="0"/>
+                  <a:t>Create data from model </a:t>
+                </a:r>
+                <a14:m>
+                  <m:oMath xmlns:m="http://schemas.openxmlformats.org/officeDocument/2006/math">
+                    <m:sSub>
+                      <m:sSubPr>
+                        <m:ctrlPr>
+                          <a:rPr lang="en-US" sz="1088" b="1" i="1">
+                            <a:latin typeface="Cambria Math" panose="02040503050406030204" pitchFamily="18" charset="0"/>
+                          </a:rPr>
+                        </m:ctrlPr>
+                      </m:sSubPr>
+                      <m:e>
+                        <m:r>
+                          <a:rPr lang="en-US" sz="1088" b="1" i="1">
+                            <a:latin typeface="Cambria Math" panose="02040503050406030204" pitchFamily="18" charset="0"/>
+                          </a:rPr>
+                          <m:t>𝒚</m:t>
+                        </m:r>
+                      </m:e>
+                      <m:sub>
+                        <m:r>
+                          <a:rPr lang="en-US" sz="1088" b="1" i="1">
+                            <a:latin typeface="Cambria Math" panose="02040503050406030204" pitchFamily="18" charset="0"/>
+                          </a:rPr>
+                          <m:t>𝒊</m:t>
+                        </m:r>
+                      </m:sub>
+                    </m:sSub>
+                    <m:r>
+                      <a:rPr lang="en-US" sz="1088" b="1" i="1">
+                        <a:latin typeface="Cambria Math" panose="02040503050406030204" pitchFamily="18" charset="0"/>
+                      </a:rPr>
+                      <m:t>=</m:t>
+                    </m:r>
+                    <m:sSub>
+                      <m:sSubPr>
+                        <m:ctrlPr>
+                          <a:rPr lang="en-US" sz="1088" b="1" i="1">
+                            <a:latin typeface="Cambria Math" panose="02040503050406030204" pitchFamily="18" charset="0"/>
+                          </a:rPr>
+                        </m:ctrlPr>
+                      </m:sSubPr>
+                      <m:e>
+                        <m:r>
+                          <a:rPr lang="en-US" sz="1088" b="1" i="1">
+                            <a:latin typeface="Cambria Math" panose="02040503050406030204" pitchFamily="18" charset="0"/>
+                          </a:rPr>
+                          <m:t>𝒙</m:t>
+                        </m:r>
+                      </m:e>
+                      <m:sub>
+                        <m:r>
+                          <a:rPr lang="en-US" sz="1088" b="1" i="1">
+                            <a:latin typeface="Cambria Math" panose="02040503050406030204" pitchFamily="18" charset="0"/>
+                          </a:rPr>
+                          <m:t>𝟏</m:t>
+                        </m:r>
+                        <m:r>
+                          <a:rPr lang="en-US" sz="1088" b="1" i="1">
+                            <a:latin typeface="Cambria Math" panose="02040503050406030204" pitchFamily="18" charset="0"/>
+                          </a:rPr>
+                          <m:t>,</m:t>
+                        </m:r>
+                        <m:r>
+                          <a:rPr lang="en-US" sz="1088" b="1" i="1">
+                            <a:latin typeface="Cambria Math" panose="02040503050406030204" pitchFamily="18" charset="0"/>
+                          </a:rPr>
+                          <m:t>𝒊</m:t>
+                        </m:r>
+                      </m:sub>
+                    </m:sSub>
+                    <m:sSub>
+                      <m:sSubPr>
+                        <m:ctrlPr>
+                          <a:rPr lang="en-US" sz="1088" b="1" i="1">
+                            <a:latin typeface="Cambria Math" panose="02040503050406030204" pitchFamily="18" charset="0"/>
+                          </a:rPr>
+                        </m:ctrlPr>
+                      </m:sSubPr>
+                      <m:e>
+                        <m:r>
+                          <a:rPr lang="en-US" sz="1088" b="1" i="1">
+                            <a:latin typeface="Cambria Math" panose="02040503050406030204" pitchFamily="18" charset="0"/>
+                          </a:rPr>
+                          <m:t>𝜷</m:t>
+                        </m:r>
+                      </m:e>
+                      <m:sub>
+                        <m:r>
+                          <a:rPr lang="en-US" sz="1088" b="1" i="1">
+                            <a:latin typeface="Cambria Math" panose="02040503050406030204" pitchFamily="18" charset="0"/>
+                          </a:rPr>
+                          <m:t>𝟏</m:t>
+                        </m:r>
+                      </m:sub>
+                    </m:sSub>
+                    <m:r>
+                      <a:rPr lang="en-US" sz="1088" b="1" i="1">
+                        <a:latin typeface="Cambria Math" panose="02040503050406030204" pitchFamily="18" charset="0"/>
+                      </a:rPr>
+                      <m:t>+</m:t>
+                    </m:r>
+                    <m:sSub>
+                      <m:sSubPr>
+                        <m:ctrlPr>
+                          <a:rPr lang="en-US" sz="1088" b="1" i="1">
+                            <a:latin typeface="Cambria Math" panose="02040503050406030204" pitchFamily="18" charset="0"/>
+                          </a:rPr>
+                        </m:ctrlPr>
+                      </m:sSubPr>
+                      <m:e>
+                        <m:r>
+                          <a:rPr lang="en-US" sz="1088" b="1" i="1">
+                            <a:latin typeface="Cambria Math" panose="02040503050406030204" pitchFamily="18" charset="0"/>
+                          </a:rPr>
+                          <m:t>𝒙</m:t>
+                        </m:r>
+                      </m:e>
+                      <m:sub>
+                        <m:r>
+                          <a:rPr lang="en-US" sz="1088" b="1" i="1">
+                            <a:latin typeface="Cambria Math" panose="02040503050406030204" pitchFamily="18" charset="0"/>
+                          </a:rPr>
+                          <m:t>𝟐</m:t>
+                        </m:r>
+                        <m:r>
+                          <a:rPr lang="en-US" sz="1088" b="1" i="1">
+                            <a:latin typeface="Cambria Math" panose="02040503050406030204" pitchFamily="18" charset="0"/>
+                          </a:rPr>
+                          <m:t>,</m:t>
+                        </m:r>
+                        <m:r>
+                          <a:rPr lang="en-US" sz="1088" b="1" i="1">
+                            <a:latin typeface="Cambria Math" panose="02040503050406030204" pitchFamily="18" charset="0"/>
+                          </a:rPr>
+                          <m:t>𝒊</m:t>
+                        </m:r>
+                      </m:sub>
+                    </m:sSub>
+                    <m:sSub>
+                      <m:sSubPr>
+                        <m:ctrlPr>
+                          <a:rPr lang="en-US" sz="1088" b="1" i="1">
+                            <a:latin typeface="Cambria Math" panose="02040503050406030204" pitchFamily="18" charset="0"/>
+                          </a:rPr>
+                        </m:ctrlPr>
+                      </m:sSubPr>
+                      <m:e>
+                        <m:r>
+                          <a:rPr lang="en-US" sz="1088" b="1" i="1">
+                            <a:latin typeface="Cambria Math" panose="02040503050406030204" pitchFamily="18" charset="0"/>
+                          </a:rPr>
+                          <m:t>𝜷</m:t>
+                        </m:r>
+                      </m:e>
+                      <m:sub>
+                        <m:r>
+                          <a:rPr lang="en-US" sz="1088" b="1" i="1">
+                            <a:latin typeface="Cambria Math" panose="02040503050406030204" pitchFamily="18" charset="0"/>
+                          </a:rPr>
+                          <m:t>𝟐</m:t>
+                        </m:r>
+                      </m:sub>
+                    </m:sSub>
+                    <m:r>
+                      <a:rPr lang="en-US" sz="1088" b="1" i="1">
+                        <a:latin typeface="Cambria Math" panose="02040503050406030204" pitchFamily="18" charset="0"/>
+                      </a:rPr>
+                      <m:t>+</m:t>
+                    </m:r>
+                    <m:sSub>
+                      <m:sSubPr>
+                        <m:ctrlPr>
+                          <a:rPr lang="en-US" sz="1088" b="1" i="1">
+                            <a:latin typeface="Cambria Math" panose="02040503050406030204" pitchFamily="18" charset="0"/>
+                          </a:rPr>
+                        </m:ctrlPr>
+                      </m:sSubPr>
+                      <m:e>
+                        <m:r>
+                          <a:rPr lang="en-US" sz="1088" b="1" i="1">
+                            <a:latin typeface="Cambria Math" panose="02040503050406030204" pitchFamily="18" charset="0"/>
+                          </a:rPr>
+                          <m:t>𝒙</m:t>
+                        </m:r>
+                      </m:e>
+                      <m:sub>
+                        <m:r>
+                          <a:rPr lang="en-US" sz="1088" b="1" i="1">
+                            <a:latin typeface="Cambria Math" panose="02040503050406030204" pitchFamily="18" charset="0"/>
+                          </a:rPr>
+                          <m:t>𝟑</m:t>
+                        </m:r>
+                        <m:r>
+                          <a:rPr lang="en-US" sz="1088" b="1" i="1">
+                            <a:latin typeface="Cambria Math" panose="02040503050406030204" pitchFamily="18" charset="0"/>
+                          </a:rPr>
+                          <m:t>,</m:t>
+                        </m:r>
+                        <m:r>
+                          <a:rPr lang="en-US" sz="1088" b="1" i="1">
+                            <a:latin typeface="Cambria Math" panose="02040503050406030204" pitchFamily="18" charset="0"/>
+                          </a:rPr>
+                          <m:t>𝒊</m:t>
+                        </m:r>
+                      </m:sub>
+                    </m:sSub>
+                    <m:sSub>
+                      <m:sSubPr>
+                        <m:ctrlPr>
+                          <a:rPr lang="en-US" sz="1088" b="1" i="1">
+                            <a:latin typeface="Cambria Math" panose="02040503050406030204" pitchFamily="18" charset="0"/>
+                          </a:rPr>
+                        </m:ctrlPr>
+                      </m:sSubPr>
+                      <m:e>
+                        <m:r>
+                          <a:rPr lang="en-US" sz="1088" b="1" i="1">
+                            <a:latin typeface="Cambria Math" panose="02040503050406030204" pitchFamily="18" charset="0"/>
+                          </a:rPr>
+                          <m:t>𝜷</m:t>
+                        </m:r>
+                      </m:e>
+                      <m:sub>
+                        <m:r>
+                          <a:rPr lang="en-US" sz="1088" b="1" i="1">
+                            <a:latin typeface="Cambria Math" panose="02040503050406030204" pitchFamily="18" charset="0"/>
+                          </a:rPr>
+                          <m:t>𝟑</m:t>
+                        </m:r>
+                      </m:sub>
+                    </m:sSub>
+                    <m:r>
+                      <a:rPr lang="en-US" sz="1088" b="1" i="1">
+                        <a:latin typeface="Cambria Math" panose="02040503050406030204" pitchFamily="18" charset="0"/>
+                      </a:rPr>
+                      <m:t>+</m:t>
+                    </m:r>
+                    <m:sSub>
+                      <m:sSubPr>
+                        <m:ctrlPr>
+                          <a:rPr lang="en-US" sz="1088" b="1" i="1">
+                            <a:latin typeface="Cambria Math" panose="02040503050406030204" pitchFamily="18" charset="0"/>
+                          </a:rPr>
+                        </m:ctrlPr>
+                      </m:sSubPr>
+                      <m:e>
+                        <m:r>
+                          <a:rPr lang="en-US" sz="1088" b="1" i="1">
+                            <a:latin typeface="Cambria Math" panose="02040503050406030204" pitchFamily="18" charset="0"/>
+                          </a:rPr>
+                          <m:t>𝒙</m:t>
+                        </m:r>
+                      </m:e>
+                      <m:sub>
+                        <m:r>
+                          <a:rPr lang="en-US" sz="1088" b="1" i="1">
+                            <a:latin typeface="Cambria Math" panose="02040503050406030204" pitchFamily="18" charset="0"/>
+                          </a:rPr>
+                          <m:t>𝟒</m:t>
+                        </m:r>
+                        <m:r>
+                          <a:rPr lang="en-US" sz="1088" b="1" i="1">
+                            <a:latin typeface="Cambria Math" panose="02040503050406030204" pitchFamily="18" charset="0"/>
+                          </a:rPr>
+                          <m:t>,</m:t>
+                        </m:r>
+                        <m:r>
+                          <a:rPr lang="en-US" sz="1088" b="1" i="1">
+                            <a:latin typeface="Cambria Math" panose="02040503050406030204" pitchFamily="18" charset="0"/>
+                          </a:rPr>
+                          <m:t>𝒊</m:t>
+                        </m:r>
+                      </m:sub>
+                    </m:sSub>
+                    <m:sSub>
+                      <m:sSubPr>
+                        <m:ctrlPr>
+                          <a:rPr lang="en-US" sz="1088" b="1" i="1">
+                            <a:latin typeface="Cambria Math" panose="02040503050406030204" pitchFamily="18" charset="0"/>
+                          </a:rPr>
+                        </m:ctrlPr>
+                      </m:sSubPr>
+                      <m:e>
+                        <m:r>
+                          <a:rPr lang="en-US" sz="1088" b="1" i="1">
+                            <a:latin typeface="Cambria Math" panose="02040503050406030204" pitchFamily="18" charset="0"/>
+                          </a:rPr>
+                          <m:t>𝜷</m:t>
+                        </m:r>
+                      </m:e>
+                      <m:sub>
+                        <m:r>
+                          <a:rPr lang="en-US" sz="1088" b="1" i="1">
+                            <a:latin typeface="Cambria Math" panose="02040503050406030204" pitchFamily="18" charset="0"/>
+                          </a:rPr>
+                          <m:t>𝟒</m:t>
+                        </m:r>
+                      </m:sub>
+                    </m:sSub>
+                    <m:r>
+                      <a:rPr lang="en-US" sz="1088" b="1" i="1">
+                        <a:latin typeface="Cambria Math" panose="02040503050406030204" pitchFamily="18" charset="0"/>
+                      </a:rPr>
+                      <m:t>+</m:t>
+                    </m:r>
+                    <m:sSub>
+                      <m:sSubPr>
+                        <m:ctrlPr>
+                          <a:rPr lang="en-US" sz="1088" b="1" i="1">
+                            <a:latin typeface="Cambria Math" panose="02040503050406030204" pitchFamily="18" charset="0"/>
+                          </a:rPr>
+                        </m:ctrlPr>
+                      </m:sSubPr>
+                      <m:e>
+                        <m:r>
+                          <a:rPr lang="en-US" sz="1088" b="1" i="1">
+                            <a:latin typeface="Cambria Math" panose="02040503050406030204" pitchFamily="18" charset="0"/>
+                          </a:rPr>
+                          <m:t>𝝐</m:t>
+                        </m:r>
+                      </m:e>
+                      <m:sub>
+                        <m:r>
+                          <a:rPr lang="en-US" sz="1088" b="1" i="1">
+                            <a:latin typeface="Cambria Math" panose="02040503050406030204" pitchFamily="18" charset="0"/>
+                          </a:rPr>
+                          <m:t>𝒊</m:t>
+                        </m:r>
+                      </m:sub>
+                    </m:sSub>
+                  </m:oMath>
+                </a14:m>
+                <a:r>
+                  <a:rPr lang="en-US" sz="1088" b="1" dirty="0"/>
+                  <a:t> ,</a:t>
+                </a:r>
+                <a:r>
+                  <a:rPr lang="en-US" sz="1088" dirty="0"/>
+                  <a:t> </a:t>
+                </a:r>
+                <a:r>
+                  <a:rPr lang="en-US" sz="1088" b="1" dirty="0"/>
+                  <a:t>where </a:t>
+                </a:r>
+                <a14:m>
+                  <m:oMath xmlns:m="http://schemas.openxmlformats.org/officeDocument/2006/math">
+                    <m:sSub>
+                      <m:sSubPr>
+                        <m:ctrlPr>
+                          <a:rPr lang="en-US" sz="1088" b="1" i="1">
+                            <a:latin typeface="Cambria Math" panose="02040503050406030204" pitchFamily="18" charset="0"/>
+                          </a:rPr>
+                        </m:ctrlPr>
+                      </m:sSubPr>
+                      <m:e>
+                        <m:r>
+                          <a:rPr lang="en-US" sz="1088" b="1" i="1">
+                            <a:latin typeface="Cambria Math" panose="02040503050406030204" pitchFamily="18" charset="0"/>
+                          </a:rPr>
+                          <m:t>𝜷</m:t>
+                        </m:r>
+                      </m:e>
+                      <m:sub>
+                        <m:r>
+                          <a:rPr lang="en-US" sz="1088" b="1" i="1">
+                            <a:latin typeface="Cambria Math" panose="02040503050406030204" pitchFamily="18" charset="0"/>
+                          </a:rPr>
+                          <m:t>𝟏</m:t>
+                        </m:r>
+                      </m:sub>
+                    </m:sSub>
+                    <m:r>
+                      <a:rPr lang="en-US" sz="1088" b="1" i="1">
+                        <a:latin typeface="Cambria Math" panose="02040503050406030204" pitchFamily="18" charset="0"/>
+                      </a:rPr>
+                      <m:t>=</m:t>
+                    </m:r>
+                    <m:r>
+                      <a:rPr lang="en-US" sz="1088" b="1" i="1">
+                        <a:latin typeface="Cambria Math" panose="02040503050406030204" pitchFamily="18" charset="0"/>
+                      </a:rPr>
+                      <m:t>𝟏</m:t>
+                    </m:r>
+                  </m:oMath>
+                </a14:m>
+                <a:r>
+                  <a:rPr lang="en-US" sz="1088" b="1" dirty="0"/>
+                  <a:t>, </a:t>
+                </a:r>
+                <a14:m>
+                  <m:oMath xmlns:m="http://schemas.openxmlformats.org/officeDocument/2006/math">
+                    <m:sSub>
+                      <m:sSubPr>
+                        <m:ctrlPr>
+                          <a:rPr lang="en-US" sz="1088" b="1" i="1">
+                            <a:latin typeface="Cambria Math" panose="02040503050406030204" pitchFamily="18" charset="0"/>
+                          </a:rPr>
+                        </m:ctrlPr>
+                      </m:sSubPr>
+                      <m:e>
+                        <m:r>
+                          <a:rPr lang="en-US" sz="1088" b="1" i="1">
+                            <a:latin typeface="Cambria Math" panose="02040503050406030204" pitchFamily="18" charset="0"/>
+                          </a:rPr>
+                          <m:t>𝜷</m:t>
+                        </m:r>
+                      </m:e>
+                      <m:sub>
+                        <m:r>
+                          <a:rPr lang="en-US" sz="1088" b="1" i="1">
+                            <a:latin typeface="Cambria Math" panose="02040503050406030204" pitchFamily="18" charset="0"/>
+                          </a:rPr>
+                          <m:t>𝟐</m:t>
+                        </m:r>
+                      </m:sub>
+                    </m:sSub>
+                  </m:oMath>
+                </a14:m>
+                <a:r>
+                  <a:rPr lang="en-US" sz="1088" b="1" dirty="0"/>
+                  <a:t> = 2, </a:t>
+                </a:r>
+                <a14:m>
+                  <m:oMath xmlns:m="http://schemas.openxmlformats.org/officeDocument/2006/math">
+                    <m:sSub>
+                      <m:sSubPr>
+                        <m:ctrlPr>
+                          <a:rPr lang="en-US" sz="1088" b="1" i="1">
+                            <a:latin typeface="Cambria Math" panose="02040503050406030204" pitchFamily="18" charset="0"/>
+                          </a:rPr>
+                        </m:ctrlPr>
+                      </m:sSubPr>
+                      <m:e>
+                        <m:r>
+                          <a:rPr lang="en-US" sz="1088" b="1" i="1">
+                            <a:latin typeface="Cambria Math" panose="02040503050406030204" pitchFamily="18" charset="0"/>
+                          </a:rPr>
+                          <m:t>𝜷</m:t>
+                        </m:r>
+                      </m:e>
+                      <m:sub>
+                        <m:r>
+                          <a:rPr lang="en-US" sz="1088" b="1" i="1">
+                            <a:latin typeface="Cambria Math" panose="02040503050406030204" pitchFamily="18" charset="0"/>
+                          </a:rPr>
+                          <m:t>𝟑</m:t>
+                        </m:r>
+                      </m:sub>
+                    </m:sSub>
+                  </m:oMath>
+                </a14:m>
+                <a:r>
+                  <a:rPr lang="en-US" sz="1088" b="1" dirty="0"/>
+                  <a:t> = 3, </a:t>
+                </a:r>
+                <a14:m>
+                  <m:oMath xmlns:m="http://schemas.openxmlformats.org/officeDocument/2006/math">
+                    <m:sSub>
+                      <m:sSubPr>
+                        <m:ctrlPr>
+                          <a:rPr lang="en-US" sz="1088" b="1" i="1">
+                            <a:latin typeface="Cambria Math" panose="02040503050406030204" pitchFamily="18" charset="0"/>
+                          </a:rPr>
+                        </m:ctrlPr>
+                      </m:sSubPr>
+                      <m:e>
+                        <m:r>
+                          <a:rPr lang="en-US" sz="1088" b="1" i="1">
+                            <a:latin typeface="Cambria Math" panose="02040503050406030204" pitchFamily="18" charset="0"/>
+                          </a:rPr>
+                          <m:t>𝜷</m:t>
+                        </m:r>
+                      </m:e>
+                      <m:sub>
+                        <m:r>
+                          <a:rPr lang="en-US" sz="1088" b="1" i="1">
+                            <a:latin typeface="Cambria Math" panose="02040503050406030204" pitchFamily="18" charset="0"/>
+                          </a:rPr>
+                          <m:t>𝟒</m:t>
+                        </m:r>
+                      </m:sub>
+                    </m:sSub>
+                  </m:oMath>
+                </a14:m>
+                <a:r>
+                  <a:rPr lang="en-US" sz="1088" b="1" dirty="0"/>
+                  <a:t> = 4 .</a:t>
+                </a:r>
+              </a:p>
+              <a:p>
+                <a:pPr marL="228600" indent="-228600">
+                  <a:lnSpc>
+                    <a:spcPct val="150000"/>
+                  </a:lnSpc>
+                  <a:buFont typeface="+mj-lt"/>
+                  <a:buAutoNum type="arabicPeriod"/>
+                </a:pPr>
+                <a:r>
+                  <a:rPr lang="en-US" sz="1088" dirty="0"/>
+                  <a:t>Remove data from </a:t>
+                </a:r>
+                <a:r>
+                  <a:rPr lang="en-US" sz="1088" i="1" dirty="0"/>
+                  <a:t>only</a:t>
+                </a:r>
+                <a:r>
+                  <a:rPr lang="en-US" sz="1088" dirty="0"/>
+                  <a:t> response </a:t>
+                </a:r>
+                <a:r>
+                  <a:rPr lang="en-US" sz="1088" i="1" dirty="0"/>
+                  <a:t>Y (</a:t>
+                </a:r>
+                <a:r>
+                  <a:rPr lang="en-US" sz="1088" dirty="0"/>
+                  <a:t>MCAR in this simulation example).</a:t>
+                </a:r>
+              </a:p>
+              <a:p>
+                <a:pPr marL="228600" indent="-228600">
+                  <a:lnSpc>
+                    <a:spcPct val="150000"/>
+                  </a:lnSpc>
+                  <a:buFont typeface="+mj-lt"/>
+                  <a:buAutoNum type="arabicPeriod"/>
+                </a:pPr>
+                <a:r>
+                  <a:rPr lang="en-US" sz="1088" dirty="0"/>
+                  <a:t>Impute the data using multiple imputation, measuring the runtime</a:t>
+                </a:r>
+              </a:p>
+              <a:p>
+                <a:pPr marL="228600" indent="-228600">
+                  <a:lnSpc>
+                    <a:spcPct val="150000"/>
+                  </a:lnSpc>
+                  <a:buFont typeface="+mj-lt"/>
+                  <a:buAutoNum type="arabicPeriod"/>
+                </a:pPr>
+                <a:r>
+                  <a:rPr lang="en-US" sz="1088" dirty="0"/>
+                  <a:t>Apply listwise deletion to data, measuring the runtime</a:t>
+                </a:r>
+              </a:p>
+              <a:p>
+                <a:pPr marL="228600" indent="-228600">
+                  <a:lnSpc>
+                    <a:spcPct val="150000"/>
+                  </a:lnSpc>
+                  <a:buFont typeface="+mj-lt"/>
+                  <a:buAutoNum type="arabicPeriod"/>
+                </a:pPr>
+                <a:r>
+                  <a:rPr lang="en-US" sz="1088" dirty="0"/>
+                  <a:t>Repeat 1-4 for lots of iterations (</a:t>
+                </a:r>
+                <a:r>
+                  <a:rPr lang="en-US" sz="1088" i="1" dirty="0"/>
+                  <a:t>n = 1000</a:t>
+                </a:r>
+                <a:r>
+                  <a:rPr lang="en-US" sz="1088" dirty="0"/>
+                  <a:t>)</a:t>
+                </a:r>
+              </a:p>
+              <a:p>
+                <a:pPr marL="228600" indent="-228600">
+                  <a:lnSpc>
+                    <a:spcPct val="150000"/>
+                  </a:lnSpc>
+                  <a:buFont typeface="+mj-lt"/>
+                  <a:buAutoNum type="arabicPeriod"/>
+                </a:pPr>
+                <a:r>
+                  <a:rPr lang="en-US" sz="1088" dirty="0"/>
+                  <a:t>Compare the average runtime &amp; pooled performance measures for multiple imputation and listwise deletion.</a:t>
+                </a:r>
+              </a:p>
+              <a:p>
+                <a:pPr>
+                  <a:lnSpc>
+                    <a:spcPct val="150000"/>
+                  </a:lnSpc>
+                </a:pPr>
+                <a:r>
+                  <a:rPr lang="en-US" sz="1400" b="1" u="sng" dirty="0">
+                    <a:solidFill>
+                      <a:schemeClr val="accent2"/>
+                    </a:solidFill>
+                  </a:rPr>
+                  <a:t>RESULTS:</a:t>
+                </a:r>
+              </a:p>
+            </p:txBody>
+          </p:sp>
+        </mc:Choice>
+        <mc:Fallback>
+          <p:sp>
+            <p:nvSpPr>
+              <p:cNvPr id="866" name="TextBox 865">
+                <a:extLst>
+                  <a:ext uri="{FF2B5EF4-FFF2-40B4-BE49-F238E27FC236}">
+                    <a16:creationId xmlns:a16="http://schemas.microsoft.com/office/drawing/2014/main" id="{C7D4E343-7ECF-5508-C316-F7FAA70EE3B2}"/>
+                  </a:ext>
+                </a:extLst>
+              </p:cNvPr>
+              <p:cNvSpPr txBox="1">
+                <a:spLocks noRot="1" noChangeAspect="1" noMove="1" noResize="1" noEditPoints="1" noAdjustHandles="1" noChangeArrowheads="1" noChangeShapeType="1" noTextEdit="1"/>
+              </p:cNvSpPr>
+              <p:nvPr/>
+            </p:nvSpPr>
+            <p:spPr>
+              <a:xfrm>
+                <a:off x="22770814" y="3683071"/>
+                <a:ext cx="9708673" cy="2546851"/>
+              </a:xfrm>
+              <a:prstGeom prst="rect">
+                <a:avLst/>
+              </a:prstGeom>
+              <a:blipFill>
+                <a:blip r:embed="rId10"/>
+                <a:stretch>
+                  <a:fillRect l="-131" b="-1980"/>
+                </a:stretch>
+              </a:blipFill>
+            </p:spPr>
+            <p:txBody>
+              <a:bodyPr/>
+              <a:lstStyle/>
+              <a:p>
+                <a:r>
+                  <a:rPr lang="en-US">
+                    <a:noFill/>
+                  </a:rPr>
+                  <a:t> </a:t>
+                </a:r>
+              </a:p>
+            </p:txBody>
+          </p:sp>
+        </mc:Fallback>
+      </mc:AlternateContent>
+      <p:pic>
+        <p:nvPicPr>
+          <p:cNvPr id="867" name="Picture 866" descr="Table&#10;&#10;Description automatically generated">
+            <a:extLst>
+              <a:ext uri="{FF2B5EF4-FFF2-40B4-BE49-F238E27FC236}">
+                <a16:creationId xmlns:a16="http://schemas.microsoft.com/office/drawing/2014/main" id="{0FE89693-49DA-98C1-1D30-55FE44F58A7D}"/>
+              </a:ext>
+            </a:extLst>
+          </p:cNvPr>
+          <p:cNvPicPr>
+            <a:picLocks noChangeAspect="1"/>
+          </p:cNvPicPr>
+          <p:nvPr/>
+        </p:nvPicPr>
+        <p:blipFill>
+          <a:blip r:embed="rId11"/>
+          <a:stretch>
+            <a:fillRect/>
+          </a:stretch>
+        </p:blipFill>
+        <p:spPr>
+          <a:xfrm>
+            <a:off x="29517976" y="4511091"/>
+            <a:ext cx="2770725" cy="1148012"/>
+          </a:xfrm>
+          <a:prstGeom prst="rect">
+            <a:avLst/>
+          </a:prstGeom>
+        </p:spPr>
+      </p:pic>
+      <p:sp>
+        <p:nvSpPr>
+          <p:cNvPr id="868" name="TextBox 867">
+            <a:extLst>
+              <a:ext uri="{FF2B5EF4-FFF2-40B4-BE49-F238E27FC236}">
+                <a16:creationId xmlns:a16="http://schemas.microsoft.com/office/drawing/2014/main" id="{9A3F0316-1FB1-716B-2FCC-B7CB21516AF9}"/>
+              </a:ext>
+            </a:extLst>
+          </p:cNvPr>
+          <p:cNvSpPr txBox="1"/>
+          <p:nvPr/>
+        </p:nvSpPr>
+        <p:spPr>
+          <a:xfrm>
+            <a:off x="22721329" y="8365694"/>
+            <a:ext cx="4758610" cy="369332"/>
+          </a:xfrm>
+          <a:prstGeom prst="rect">
+            <a:avLst/>
+          </a:prstGeom>
+          <a:noFill/>
+        </p:spPr>
+        <p:txBody>
+          <a:bodyPr wrap="none" rtlCol="0">
+            <a:spAutoFit/>
+          </a:bodyPr>
+          <a:lstStyle/>
+          <a:p>
+            <a:r>
+              <a:rPr lang="en-US" b="1" dirty="0">
+                <a:solidFill>
+                  <a:schemeClr val="accent2">
+                    <a:lumMod val="75000"/>
+                  </a:schemeClr>
+                </a:solidFill>
+              </a:rPr>
+              <a:t>Case 2: Missing Data independent of response </a:t>
+            </a:r>
+            <a:r>
+              <a:rPr lang="en-US" b="1" i="1" dirty="0">
+                <a:solidFill>
+                  <a:schemeClr val="accent2">
+                    <a:lumMod val="75000"/>
+                  </a:schemeClr>
+                </a:solidFill>
+              </a:rPr>
+              <a:t>Y</a:t>
+            </a:r>
+            <a:endParaRPr lang="en-US" b="1" dirty="0">
+              <a:solidFill>
+                <a:schemeClr val="accent2">
+                  <a:lumMod val="75000"/>
+                </a:schemeClr>
+              </a:solidFill>
+            </a:endParaRPr>
+          </a:p>
+        </p:txBody>
+      </p:sp>
+      <p:sp>
+        <p:nvSpPr>
+          <p:cNvPr id="870" name="TextBox 869">
+            <a:extLst>
+              <a:ext uri="{FF2B5EF4-FFF2-40B4-BE49-F238E27FC236}">
+                <a16:creationId xmlns:a16="http://schemas.microsoft.com/office/drawing/2014/main" id="{791C5C84-1590-A464-C6F4-D80BDB60A6DB}"/>
+              </a:ext>
+            </a:extLst>
+          </p:cNvPr>
+          <p:cNvSpPr txBox="1"/>
+          <p:nvPr/>
+        </p:nvSpPr>
+        <p:spPr>
+          <a:xfrm>
+            <a:off x="22859282" y="12743886"/>
+            <a:ext cx="7746095" cy="369332"/>
+          </a:xfrm>
+          <a:prstGeom prst="rect">
+            <a:avLst/>
+          </a:prstGeom>
+          <a:noFill/>
+        </p:spPr>
+        <p:txBody>
+          <a:bodyPr wrap="none" rtlCol="0">
+            <a:spAutoFit/>
+          </a:bodyPr>
+          <a:lstStyle/>
+          <a:p>
+            <a:r>
+              <a:rPr lang="en-US" b="1" dirty="0">
+                <a:solidFill>
+                  <a:schemeClr val="accent2">
+                    <a:lumMod val="75000"/>
+                  </a:schemeClr>
+                </a:solidFill>
+              </a:rPr>
+              <a:t>Case 3: Logistic regression model &amp; probability to be missing depends </a:t>
+            </a:r>
+            <a:r>
+              <a:rPr lang="en-US" b="1" i="1" dirty="0">
+                <a:solidFill>
+                  <a:schemeClr val="accent2">
+                    <a:lumMod val="75000"/>
+                  </a:schemeClr>
+                </a:solidFill>
+              </a:rPr>
+              <a:t>only</a:t>
+            </a:r>
+            <a:r>
+              <a:rPr lang="en-US" b="1" dirty="0">
+                <a:solidFill>
+                  <a:schemeClr val="accent2">
+                    <a:lumMod val="75000"/>
+                  </a:schemeClr>
+                </a:solidFill>
+              </a:rPr>
+              <a:t> on </a:t>
+            </a:r>
+            <a:r>
+              <a:rPr lang="en-US" b="1" i="1" dirty="0">
+                <a:solidFill>
+                  <a:schemeClr val="accent2">
+                    <a:lumMod val="75000"/>
+                  </a:schemeClr>
+                </a:solidFill>
+              </a:rPr>
+              <a:t>Y</a:t>
+            </a:r>
+            <a:endParaRPr lang="en-US" b="1" dirty="0">
+              <a:solidFill>
+                <a:schemeClr val="accent2">
+                  <a:lumMod val="75000"/>
+                </a:schemeClr>
+              </a:solidFill>
+            </a:endParaRPr>
+          </a:p>
+        </p:txBody>
+      </p:sp>
+      <mc:AlternateContent xmlns:mc="http://schemas.openxmlformats.org/markup-compatibility/2006">
+        <mc:Choice xmlns:a14="http://schemas.microsoft.com/office/drawing/2010/main" Requires="a14">
+          <p:sp>
+            <p:nvSpPr>
+              <p:cNvPr id="871" name="TextBox 870">
+                <a:extLst>
+                  <a:ext uri="{FF2B5EF4-FFF2-40B4-BE49-F238E27FC236}">
+                    <a16:creationId xmlns:a16="http://schemas.microsoft.com/office/drawing/2014/main" id="{21000F19-35B8-51DE-CD31-CA67B689E6B7}"/>
+                  </a:ext>
+                </a:extLst>
+              </p:cNvPr>
+              <p:cNvSpPr txBox="1"/>
+              <p:nvPr/>
+            </p:nvSpPr>
+            <p:spPr>
+              <a:xfrm>
+                <a:off x="22770814" y="13180759"/>
+                <a:ext cx="9988577" cy="971548"/>
+              </a:xfrm>
+              <a:prstGeom prst="rect">
+                <a:avLst/>
+              </a:prstGeom>
+              <a:noFill/>
+            </p:spPr>
+            <p:txBody>
+              <a:bodyPr wrap="square">
+                <a:spAutoFit/>
+              </a:bodyPr>
+              <a:lstStyle/>
+              <a:p>
+                <a:pPr>
+                  <a:lnSpc>
+                    <a:spcPct val="150000"/>
+                  </a:lnSpc>
+                </a:pPr>
+                <a:r>
+                  <a:rPr lang="en-US" sz="1400" b="1" u="sng" dirty="0">
+                    <a:solidFill>
+                      <a:schemeClr val="accent2"/>
+                    </a:solidFill>
+                  </a:rPr>
+                  <a:t>HYPOTHESIS:</a:t>
+                </a:r>
+                <a:r>
+                  <a:rPr lang="en-US" sz="1125" b="1" dirty="0"/>
+                  <a:t> </a:t>
+                </a:r>
+                <a:r>
+                  <a:rPr lang="en-US" sz="1125" b="1" i="1" dirty="0"/>
+                  <a:t>If </a:t>
+                </a:r>
+                <a:r>
+                  <a:rPr lang="en-US" sz="1125" b="1" dirty="0"/>
+                  <a:t>missingness confined to predictors </a:t>
+                </a:r>
+                <a:r>
+                  <a:rPr lang="en-US" sz="1125" b="1" i="1" dirty="0"/>
+                  <a:t>X</a:t>
+                </a:r>
+                <a:r>
+                  <a:rPr lang="en-US" sz="1125" b="1" dirty="0"/>
+                  <a:t> and depends only on </a:t>
+                </a:r>
+                <a:r>
+                  <a:rPr lang="en-US" sz="1125" b="1" i="1" dirty="0"/>
+                  <a:t>Y </a:t>
+                </a:r>
+                <a:r>
+                  <a:rPr lang="en-US" sz="1125" b="1" dirty="0"/>
+                  <a:t>for a logistic regression model, listwise deletion regression coefficients are unbiased.</a:t>
+                </a:r>
+              </a:p>
+              <a:p>
+                <a:pPr>
+                  <a:lnSpc>
+                    <a:spcPct val="150000"/>
+                  </a:lnSpc>
+                </a:pPr>
+                <a:r>
+                  <a:rPr lang="en-US" sz="1400" b="1" u="sng">
+                    <a:solidFill>
+                      <a:schemeClr val="accent2"/>
+                    </a:solidFill>
+                  </a:rPr>
+                  <a:t>METHODS</a:t>
+                </a:r>
+                <a:r>
+                  <a:rPr lang="en-US" sz="1125" b="1">
+                    <a:solidFill>
+                      <a:schemeClr val="accent2"/>
+                    </a:solidFill>
+                  </a:rPr>
+                  <a:t>:</a:t>
+                </a:r>
+                <a:r>
+                  <a:rPr lang="en-US" sz="1125" b="1" dirty="0">
+                    <a:solidFill>
+                      <a:schemeClr val="accent2"/>
+                    </a:solidFill>
+                  </a:rPr>
+                  <a:t> </a:t>
+                </a:r>
+                <a:r>
+                  <a:rPr lang="en-US" sz="1125" b="1"/>
+                  <a:t>Determining </a:t>
+                </a:r>
+                <a14:m>
+                  <m:oMath xmlns:m="http://schemas.openxmlformats.org/officeDocument/2006/math">
+                    <m:sSub>
+                      <m:sSubPr>
+                        <m:ctrlPr>
+                          <a:rPr lang="en-US" sz="1125" b="1" i="1">
+                            <a:latin typeface="Cambria Math" panose="02040503050406030204" pitchFamily="18" charset="0"/>
+                          </a:rPr>
+                        </m:ctrlPr>
+                      </m:sSubPr>
+                      <m:e>
+                        <m:r>
+                          <a:rPr lang="en-US" sz="1125" b="1" i="1">
+                            <a:latin typeface="Cambria Math" panose="02040503050406030204" pitchFamily="18" charset="0"/>
+                          </a:rPr>
+                          <m:t>𝜷</m:t>
+                        </m:r>
+                      </m:e>
+                      <m:sub>
+                        <m:r>
+                          <a:rPr lang="en-US" sz="1125" b="1" i="1">
+                            <a:latin typeface="Cambria Math" panose="02040503050406030204" pitchFamily="18" charset="0"/>
+                          </a:rPr>
+                          <m:t>𝟏</m:t>
+                        </m:r>
+                      </m:sub>
+                    </m:sSub>
+                    <m:r>
+                      <a:rPr lang="en-US" sz="1125" b="1" i="1">
+                        <a:latin typeface="Cambria Math" panose="02040503050406030204" pitchFamily="18" charset="0"/>
+                      </a:rPr>
+                      <m:t>=</m:t>
+                    </m:r>
+                    <m:r>
+                      <a:rPr lang="en-US" sz="1125" b="1" i="1">
+                        <a:latin typeface="Cambria Math" panose="02040503050406030204" pitchFamily="18" charset="0"/>
+                      </a:rPr>
+                      <m:t>𝟏</m:t>
+                    </m:r>
+                  </m:oMath>
+                </a14:m>
+                <a:r>
+                  <a:rPr lang="en-US" sz="1125" b="1" dirty="0"/>
+                  <a:t>, </a:t>
+                </a:r>
+                <a14:m>
+                  <m:oMath xmlns:m="http://schemas.openxmlformats.org/officeDocument/2006/math">
+                    <m:sSub>
+                      <m:sSubPr>
+                        <m:ctrlPr>
+                          <a:rPr lang="en-US" sz="1125" b="1" i="1">
+                            <a:latin typeface="Cambria Math" panose="02040503050406030204" pitchFamily="18" charset="0"/>
+                          </a:rPr>
+                        </m:ctrlPr>
+                      </m:sSubPr>
+                      <m:e>
+                        <m:r>
+                          <a:rPr lang="en-US" sz="1125" b="1" i="1">
+                            <a:latin typeface="Cambria Math" panose="02040503050406030204" pitchFamily="18" charset="0"/>
+                          </a:rPr>
+                          <m:t>𝜷</m:t>
+                        </m:r>
+                      </m:e>
+                      <m:sub>
+                        <m:r>
+                          <a:rPr lang="en-US" sz="1125" b="1" i="1">
+                            <a:latin typeface="Cambria Math" panose="02040503050406030204" pitchFamily="18" charset="0"/>
+                          </a:rPr>
+                          <m:t>𝟐</m:t>
+                        </m:r>
+                      </m:sub>
+                    </m:sSub>
+                  </m:oMath>
+                </a14:m>
+                <a:r>
+                  <a:rPr lang="en-US" sz="1125" b="1" dirty="0"/>
+                  <a:t> = 2  </a:t>
+                </a:r>
+                <a:r>
+                  <a:rPr lang="en-US" sz="1125" dirty="0"/>
+                  <a:t>in logistic regression model. MNAR missingness where </a:t>
+                </a:r>
+                <a:r>
+                  <a:rPr lang="en-US" sz="1125" i="1" dirty="0"/>
+                  <a:t>Y = 0 </a:t>
+                </a:r>
+                <a:r>
+                  <a:rPr lang="en-US" sz="1125" dirty="0"/>
+                  <a:t>observations have greater missingness probability for predictors than </a:t>
+                </a:r>
+                <a:r>
+                  <a:rPr lang="en-US" sz="1125" i="1" dirty="0"/>
+                  <a:t>Y = 1 </a:t>
+                </a:r>
+                <a:r>
+                  <a:rPr lang="en-US" sz="1125" dirty="0"/>
+                  <a:t>cases</a:t>
+                </a:r>
+              </a:p>
+            </p:txBody>
+          </p:sp>
+        </mc:Choice>
+        <mc:Fallback>
+          <p:sp>
+            <p:nvSpPr>
+              <p:cNvPr id="871" name="TextBox 870">
+                <a:extLst>
+                  <a:ext uri="{FF2B5EF4-FFF2-40B4-BE49-F238E27FC236}">
+                    <a16:creationId xmlns:a16="http://schemas.microsoft.com/office/drawing/2014/main" id="{21000F19-35B8-51DE-CD31-CA67B689E6B7}"/>
+                  </a:ext>
+                </a:extLst>
+              </p:cNvPr>
+              <p:cNvSpPr txBox="1">
+                <a:spLocks noRot="1" noChangeAspect="1" noMove="1" noResize="1" noEditPoints="1" noAdjustHandles="1" noChangeArrowheads="1" noChangeShapeType="1" noTextEdit="1"/>
+              </p:cNvSpPr>
+              <p:nvPr/>
+            </p:nvSpPr>
+            <p:spPr>
+              <a:xfrm>
+                <a:off x="22770814" y="13180759"/>
+                <a:ext cx="9988577" cy="971548"/>
+              </a:xfrm>
+              <a:prstGeom prst="rect">
+                <a:avLst/>
+              </a:prstGeom>
+              <a:blipFill>
+                <a:blip r:embed="rId12"/>
+                <a:stretch>
+                  <a:fillRect l="-127" b="-3846"/>
+                </a:stretch>
+              </a:blipFill>
+            </p:spPr>
+            <p:txBody>
+              <a:bodyPr/>
+              <a:lstStyle/>
+              <a:p>
+                <a:r>
+                  <a:rPr lang="en-US">
+                    <a:noFill/>
+                  </a:rPr>
+                  <a:t> </a:t>
+                </a:r>
+              </a:p>
+            </p:txBody>
+          </p:sp>
+        </mc:Fallback>
+      </mc:AlternateContent>
+      <p:pic>
+        <p:nvPicPr>
+          <p:cNvPr id="875" name="Picture 874" descr="Graphical user interface, text, application, email&#10;&#10;Description automatically generated">
+            <a:extLst>
+              <a:ext uri="{FF2B5EF4-FFF2-40B4-BE49-F238E27FC236}">
+                <a16:creationId xmlns:a16="http://schemas.microsoft.com/office/drawing/2014/main" id="{2274BA73-27F7-8FAF-5352-B5B1C9F3E6E0}"/>
+              </a:ext>
+            </a:extLst>
+          </p:cNvPr>
+          <p:cNvPicPr>
+            <a:picLocks noChangeAspect="1"/>
+          </p:cNvPicPr>
+          <p:nvPr/>
+        </p:nvPicPr>
+        <p:blipFill>
+          <a:blip r:embed="rId13"/>
+          <a:stretch>
+            <a:fillRect/>
+          </a:stretch>
+        </p:blipFill>
+        <p:spPr>
+          <a:xfrm>
+            <a:off x="26470582" y="7489782"/>
+            <a:ext cx="1892300" cy="736600"/>
+          </a:xfrm>
+          <a:prstGeom prst="rect">
+            <a:avLst/>
+          </a:prstGeom>
+        </p:spPr>
+      </p:pic>
+      <p:pic>
+        <p:nvPicPr>
+          <p:cNvPr id="877" name="Picture 876" descr="Table&#10;&#10;Description automatically generated">
+            <a:extLst>
+              <a:ext uri="{FF2B5EF4-FFF2-40B4-BE49-F238E27FC236}">
+                <a16:creationId xmlns:a16="http://schemas.microsoft.com/office/drawing/2014/main" id="{19793D02-8A5A-EA1E-90D7-182F01A721F0}"/>
+              </a:ext>
+            </a:extLst>
+          </p:cNvPr>
+          <p:cNvPicPr>
+            <a:picLocks noChangeAspect="1"/>
+          </p:cNvPicPr>
+          <p:nvPr/>
+        </p:nvPicPr>
+        <p:blipFill>
+          <a:blip r:embed="rId14"/>
+          <a:stretch>
+            <a:fillRect/>
+          </a:stretch>
+        </p:blipFill>
+        <p:spPr>
+          <a:xfrm>
+            <a:off x="23050719" y="6702024"/>
+            <a:ext cx="3213415" cy="1046145"/>
+          </a:xfrm>
+          <a:prstGeom prst="rect">
+            <a:avLst/>
+          </a:prstGeom>
+        </p:spPr>
+      </p:pic>
+      <p:sp>
+        <p:nvSpPr>
+          <p:cNvPr id="878" name="TextBox 877">
+            <a:extLst>
+              <a:ext uri="{FF2B5EF4-FFF2-40B4-BE49-F238E27FC236}">
+                <a16:creationId xmlns:a16="http://schemas.microsoft.com/office/drawing/2014/main" id="{6763A3BE-7021-DB76-9B0E-F10346C92647}"/>
+              </a:ext>
+            </a:extLst>
+          </p:cNvPr>
+          <p:cNvSpPr txBox="1"/>
+          <p:nvPr/>
+        </p:nvSpPr>
+        <p:spPr>
+          <a:xfrm>
+            <a:off x="23645893" y="6221278"/>
+            <a:ext cx="1596719" cy="338554"/>
+          </a:xfrm>
+          <a:prstGeom prst="rect">
+            <a:avLst/>
+          </a:prstGeom>
+          <a:noFill/>
+        </p:spPr>
+        <p:txBody>
+          <a:bodyPr wrap="none" rtlCol="0">
+            <a:spAutoFit/>
+          </a:bodyPr>
+          <a:lstStyle/>
+          <a:p>
+            <a:r>
+              <a:rPr lang="en-US" sz="1600" u="sng" dirty="0">
+                <a:solidFill>
+                  <a:schemeClr val="accent2"/>
+                </a:solidFill>
+              </a:rPr>
+              <a:t>Listwise Deletion</a:t>
+            </a:r>
+          </a:p>
+        </p:txBody>
+      </p:sp>
+      <p:pic>
+        <p:nvPicPr>
+          <p:cNvPr id="880" name="Picture 879" descr="Table&#10;&#10;Description automatically generated">
+            <a:extLst>
+              <a:ext uri="{FF2B5EF4-FFF2-40B4-BE49-F238E27FC236}">
+                <a16:creationId xmlns:a16="http://schemas.microsoft.com/office/drawing/2014/main" id="{C8807349-BCE2-1BE3-D2A5-601D38721901}"/>
+              </a:ext>
+            </a:extLst>
+          </p:cNvPr>
+          <p:cNvPicPr>
+            <a:picLocks noChangeAspect="1"/>
+          </p:cNvPicPr>
+          <p:nvPr/>
+        </p:nvPicPr>
+        <p:blipFill>
+          <a:blip r:embed="rId15"/>
+          <a:stretch>
+            <a:fillRect/>
+          </a:stretch>
+        </p:blipFill>
+        <p:spPr>
+          <a:xfrm>
+            <a:off x="28569331" y="6709411"/>
+            <a:ext cx="3477049" cy="1037344"/>
+          </a:xfrm>
+          <a:prstGeom prst="rect">
+            <a:avLst/>
+          </a:prstGeom>
+        </p:spPr>
+      </p:pic>
+      <p:sp>
+        <p:nvSpPr>
+          <p:cNvPr id="881" name="TextBox 880">
+            <a:extLst>
+              <a:ext uri="{FF2B5EF4-FFF2-40B4-BE49-F238E27FC236}">
+                <a16:creationId xmlns:a16="http://schemas.microsoft.com/office/drawing/2014/main" id="{7DF7A709-3FE6-C688-A059-79B505CB9076}"/>
+              </a:ext>
+            </a:extLst>
+          </p:cNvPr>
+          <p:cNvSpPr txBox="1"/>
+          <p:nvPr/>
+        </p:nvSpPr>
+        <p:spPr>
+          <a:xfrm>
+            <a:off x="29380683" y="6193066"/>
+            <a:ext cx="1855380" cy="338554"/>
+          </a:xfrm>
+          <a:prstGeom prst="rect">
+            <a:avLst/>
+          </a:prstGeom>
+          <a:noFill/>
+        </p:spPr>
+        <p:txBody>
+          <a:bodyPr wrap="none" rtlCol="0">
+            <a:spAutoFit/>
+          </a:bodyPr>
+          <a:lstStyle/>
+          <a:p>
+            <a:r>
+              <a:rPr lang="en-US" sz="1600" u="sng" dirty="0">
+                <a:solidFill>
+                  <a:schemeClr val="accent2"/>
+                </a:solidFill>
+              </a:rPr>
+              <a:t>Multiple Imputation</a:t>
+            </a:r>
+          </a:p>
+        </p:txBody>
+      </p:sp>
+      <mc:AlternateContent xmlns:mc="http://schemas.openxmlformats.org/markup-compatibility/2006">
+        <mc:Choice xmlns:a14="http://schemas.microsoft.com/office/drawing/2010/main" Requires="a14">
+          <p:sp>
+            <p:nvSpPr>
+              <p:cNvPr id="883" name="TextBox 882">
+                <a:extLst>
+                  <a:ext uri="{FF2B5EF4-FFF2-40B4-BE49-F238E27FC236}">
+                    <a16:creationId xmlns:a16="http://schemas.microsoft.com/office/drawing/2014/main" id="{038FC468-B98D-44F6-34F4-B1BF8C294B6C}"/>
+                  </a:ext>
+                </a:extLst>
+              </p:cNvPr>
+              <p:cNvSpPr txBox="1"/>
+              <p:nvPr/>
+            </p:nvSpPr>
+            <p:spPr>
+              <a:xfrm>
+                <a:off x="22859282" y="8810480"/>
+                <a:ext cx="6467779" cy="1688347"/>
+              </a:xfrm>
+              <a:prstGeom prst="rect">
+                <a:avLst/>
+              </a:prstGeom>
+              <a:noFill/>
+            </p:spPr>
+            <p:txBody>
+              <a:bodyPr wrap="square" rtlCol="0">
+                <a:spAutoFit/>
+              </a:bodyPr>
+              <a:lstStyle/>
+              <a:p>
+                <a:pPr>
+                  <a:lnSpc>
+                    <a:spcPct val="150000"/>
+                  </a:lnSpc>
+                </a:pPr>
+                <a:r>
+                  <a:rPr lang="en-US" sz="1400" b="1" u="sng" dirty="0">
+                    <a:solidFill>
+                      <a:schemeClr val="accent2"/>
+                    </a:solidFill>
+                  </a:rPr>
+                  <a:t>HYPOTHESIS</a:t>
+                </a:r>
+                <a:r>
+                  <a:rPr lang="en-US" sz="1400" b="1" dirty="0">
+                    <a:solidFill>
+                      <a:schemeClr val="accent2"/>
+                    </a:solidFill>
+                  </a:rPr>
+                  <a:t>:</a:t>
+                </a:r>
+                <a:r>
+                  <a:rPr lang="en-US" sz="1400" b="1" dirty="0"/>
+                  <a:t> If missingness isn’t dependent on </a:t>
+                </a:r>
+                <a:r>
+                  <a:rPr lang="en-US" sz="1400" b="1" i="1" dirty="0"/>
+                  <a:t>Y</a:t>
+                </a:r>
+                <a:r>
+                  <a:rPr lang="en-US" sz="1400" b="1" dirty="0"/>
+                  <a:t>, regression coefficients are free of bias.</a:t>
+                </a:r>
+              </a:p>
+              <a:p>
+                <a:pPr>
+                  <a:lnSpc>
+                    <a:spcPct val="150000"/>
+                  </a:lnSpc>
+                </a:pPr>
+                <a:r>
+                  <a:rPr lang="en-US" sz="1400" b="1" u="sng" dirty="0">
+                    <a:solidFill>
+                      <a:schemeClr val="accent2"/>
+                    </a:solidFill>
+                  </a:rPr>
+                  <a:t>METHODS:</a:t>
+                </a:r>
+                <a:endParaRPr lang="en-US" sz="1400" b="1" dirty="0"/>
+              </a:p>
+              <a:p>
+                <a:pPr marL="285750" indent="-285750">
+                  <a:lnSpc>
+                    <a:spcPct val="150000"/>
+                  </a:lnSpc>
+                  <a:buFont typeface="Arial" panose="020B0604020202020204" pitchFamily="34" charset="0"/>
+                  <a:buChar char="•"/>
+                </a:pPr>
+                <a:r>
+                  <a:rPr lang="en-US" sz="1400" dirty="0"/>
+                  <a:t>Replicating Case 1 Methods but in step (2), </a:t>
+                </a:r>
+                <a:r>
+                  <a:rPr lang="en-US" sz="1400" b="1" dirty="0"/>
+                  <a:t>create missingness in </a:t>
+                </a:r>
+                <a14:m>
+                  <m:oMath xmlns:m="http://schemas.openxmlformats.org/officeDocument/2006/math">
+                    <m:sSub>
+                      <m:sSubPr>
+                        <m:ctrlPr>
+                          <a:rPr lang="en-US" sz="1400" b="1" i="1">
+                            <a:latin typeface="Cambria Math" panose="02040503050406030204" pitchFamily="18" charset="0"/>
+                          </a:rPr>
+                        </m:ctrlPr>
+                      </m:sSubPr>
+                      <m:e>
+                        <m:r>
+                          <a:rPr lang="en-US" sz="1400" b="1" i="1" smtClean="0">
+                            <a:latin typeface="Cambria Math" panose="02040503050406030204" pitchFamily="18" charset="0"/>
+                          </a:rPr>
+                          <m:t>𝑿</m:t>
+                        </m:r>
+                      </m:e>
+                      <m:sub>
+                        <m:r>
+                          <a:rPr lang="en-US" sz="1400" b="1" i="1">
+                            <a:latin typeface="Cambria Math" panose="02040503050406030204" pitchFamily="18" charset="0"/>
+                          </a:rPr>
+                          <m:t>𝟏</m:t>
+                        </m:r>
+                        <m:r>
+                          <a:rPr lang="en-US" sz="1400" b="1" i="1">
+                            <a:latin typeface="Cambria Math" panose="02040503050406030204" pitchFamily="18" charset="0"/>
+                          </a:rPr>
+                          <m:t>,</m:t>
+                        </m:r>
+                      </m:sub>
+                    </m:sSub>
+                    <m:r>
+                      <a:rPr lang="en-US" sz="1400" b="1" i="1" smtClean="0">
+                        <a:latin typeface="Cambria Math" panose="02040503050406030204" pitchFamily="18" charset="0"/>
+                      </a:rPr>
+                      <m:t>, </m:t>
+                    </m:r>
+                    <m:sSub>
+                      <m:sSubPr>
+                        <m:ctrlPr>
+                          <a:rPr lang="en-US" sz="1400" b="1" i="1" smtClean="0">
+                            <a:latin typeface="Cambria Math" panose="02040503050406030204" pitchFamily="18" charset="0"/>
+                          </a:rPr>
+                        </m:ctrlPr>
+                      </m:sSubPr>
+                      <m:e>
+                        <m:r>
+                          <a:rPr lang="en-US" sz="1400" b="1" i="1" smtClean="0">
+                            <a:latin typeface="Cambria Math" panose="02040503050406030204" pitchFamily="18" charset="0"/>
+                          </a:rPr>
+                          <m:t>𝑿</m:t>
+                        </m:r>
+                      </m:e>
+                      <m:sub>
+                        <m:r>
+                          <a:rPr lang="en-US" sz="1400" b="1" i="1" smtClean="0">
+                            <a:latin typeface="Cambria Math" panose="02040503050406030204" pitchFamily="18" charset="0"/>
+                          </a:rPr>
+                          <m:t>𝟑</m:t>
+                        </m:r>
+                      </m:sub>
+                    </m:sSub>
+                    <m:r>
+                      <a:rPr lang="en-US" sz="1400" b="1" i="1" smtClean="0">
+                        <a:latin typeface="Cambria Math" panose="02040503050406030204" pitchFamily="18" charset="0"/>
+                      </a:rPr>
+                      <m:t>, </m:t>
+                    </m:r>
+                    <m:sSub>
+                      <m:sSubPr>
+                        <m:ctrlPr>
+                          <a:rPr lang="en-US" sz="1400" b="1" i="1" smtClean="0">
+                            <a:latin typeface="Cambria Math" panose="02040503050406030204" pitchFamily="18" charset="0"/>
+                          </a:rPr>
+                        </m:ctrlPr>
+                      </m:sSubPr>
+                      <m:e>
+                        <m:r>
+                          <a:rPr lang="en-US" sz="1400" b="1" i="1" smtClean="0">
+                            <a:latin typeface="Cambria Math" panose="02040503050406030204" pitchFamily="18" charset="0"/>
+                          </a:rPr>
+                          <m:t>𝑿</m:t>
+                        </m:r>
+                      </m:e>
+                      <m:sub>
+                        <m:r>
+                          <a:rPr lang="en-US" sz="1400" b="1" i="1" smtClean="0">
+                            <a:latin typeface="Cambria Math" panose="02040503050406030204" pitchFamily="18" charset="0"/>
+                          </a:rPr>
+                          <m:t>𝟒</m:t>
+                        </m:r>
+                      </m:sub>
+                    </m:sSub>
+                  </m:oMath>
+                </a14:m>
+                <a:r>
+                  <a:rPr lang="en-US" sz="1400" b="1" i="1" dirty="0"/>
+                  <a:t> </a:t>
+                </a:r>
+                <a:r>
+                  <a:rPr lang="en-US" sz="1400" b="1" dirty="0"/>
+                  <a:t>dependent </a:t>
+                </a:r>
+                <a:r>
+                  <a:rPr lang="en-US" sz="1400" b="1" i="1" dirty="0"/>
+                  <a:t>on </a:t>
+                </a:r>
+                <a14:m>
+                  <m:oMath xmlns:m="http://schemas.openxmlformats.org/officeDocument/2006/math">
+                    <m:sSub>
+                      <m:sSubPr>
+                        <m:ctrlPr>
+                          <a:rPr lang="en-US" sz="1400" b="1" i="1">
+                            <a:latin typeface="Cambria Math" panose="02040503050406030204" pitchFamily="18" charset="0"/>
+                          </a:rPr>
+                        </m:ctrlPr>
+                      </m:sSubPr>
+                      <m:e>
+                        <m:r>
+                          <a:rPr lang="en-US" sz="1400" b="1" i="1">
+                            <a:latin typeface="Cambria Math" panose="02040503050406030204" pitchFamily="18" charset="0"/>
+                          </a:rPr>
+                          <m:t>𝑿</m:t>
+                        </m:r>
+                      </m:e>
+                      <m:sub>
+                        <m:r>
+                          <a:rPr lang="en-US" sz="1400" b="1" i="1" smtClean="0">
+                            <a:latin typeface="Cambria Math" panose="02040503050406030204" pitchFamily="18" charset="0"/>
+                          </a:rPr>
+                          <m:t>𝟐</m:t>
+                        </m:r>
+                      </m:sub>
+                    </m:sSub>
+                  </m:oMath>
+                </a14:m>
+                <a:r>
+                  <a:rPr lang="en-US" sz="1400" b="1" i="1" dirty="0"/>
+                  <a:t> </a:t>
+                </a:r>
+                <a:r>
+                  <a:rPr lang="en-US" sz="1400" b="1" dirty="0"/>
+                  <a:t>value</a:t>
+                </a:r>
+              </a:p>
+            </p:txBody>
+          </p:sp>
+        </mc:Choice>
+        <mc:Fallback>
+          <p:sp>
+            <p:nvSpPr>
+              <p:cNvPr id="883" name="TextBox 882">
+                <a:extLst>
+                  <a:ext uri="{FF2B5EF4-FFF2-40B4-BE49-F238E27FC236}">
+                    <a16:creationId xmlns:a16="http://schemas.microsoft.com/office/drawing/2014/main" id="{038FC468-B98D-44F6-34F4-B1BF8C294B6C}"/>
+                  </a:ext>
+                </a:extLst>
+              </p:cNvPr>
+              <p:cNvSpPr txBox="1">
+                <a:spLocks noRot="1" noChangeAspect="1" noMove="1" noResize="1" noEditPoints="1" noAdjustHandles="1" noChangeArrowheads="1" noChangeShapeType="1" noTextEdit="1"/>
+              </p:cNvSpPr>
+              <p:nvPr/>
+            </p:nvSpPr>
+            <p:spPr>
+              <a:xfrm>
+                <a:off x="22859282" y="8810480"/>
+                <a:ext cx="6467779" cy="1688347"/>
+              </a:xfrm>
+              <a:prstGeom prst="rect">
+                <a:avLst/>
+              </a:prstGeom>
+              <a:blipFill>
+                <a:blip r:embed="rId16"/>
+                <a:stretch>
+                  <a:fillRect l="-392" b="-2985"/>
+                </a:stretch>
+              </a:blipFill>
+            </p:spPr>
+            <p:txBody>
+              <a:bodyPr/>
+              <a:lstStyle/>
+              <a:p>
+                <a:r>
+                  <a:rPr lang="en-US">
+                    <a:noFill/>
+                  </a:rPr>
+                  <a:t> </a:t>
+                </a:r>
+              </a:p>
+            </p:txBody>
+          </p:sp>
+        </mc:Fallback>
+      </mc:AlternateContent>
+      <p:grpSp>
+        <p:nvGrpSpPr>
+          <p:cNvPr id="886" name="Group 885">
+            <a:extLst>
+              <a:ext uri="{FF2B5EF4-FFF2-40B4-BE49-F238E27FC236}">
+                <a16:creationId xmlns:a16="http://schemas.microsoft.com/office/drawing/2014/main" id="{ABF1A6BE-58CB-E9CB-BACA-DE6A62E81E73}"/>
+              </a:ext>
+            </a:extLst>
+          </p:cNvPr>
+          <p:cNvGrpSpPr/>
+          <p:nvPr/>
+        </p:nvGrpSpPr>
+        <p:grpSpPr>
+          <a:xfrm>
+            <a:off x="29417645" y="8924029"/>
+            <a:ext cx="2865243" cy="1283150"/>
+            <a:chOff x="17773348" y="35135411"/>
+            <a:chExt cx="4882079" cy="1606985"/>
+          </a:xfrm>
+        </p:grpSpPr>
+        <p:pic>
+          <p:nvPicPr>
+            <p:cNvPr id="887" name="Picture 886" descr="Table, Excel&#10;&#10;Description automatically generated">
+              <a:extLst>
+                <a:ext uri="{FF2B5EF4-FFF2-40B4-BE49-F238E27FC236}">
+                  <a16:creationId xmlns:a16="http://schemas.microsoft.com/office/drawing/2014/main" id="{AC213293-7F59-B87B-0D8A-2FDD8FED854D}"/>
+                </a:ext>
+              </a:extLst>
+            </p:cNvPr>
+            <p:cNvPicPr>
+              <a:picLocks noChangeAspect="1"/>
+            </p:cNvPicPr>
+            <p:nvPr/>
+          </p:nvPicPr>
+          <p:blipFill rotWithShape="1">
+            <a:blip r:embed="rId17"/>
+            <a:srcRect l="149" t="42257" r="-1" b="33373"/>
+            <a:stretch/>
+          </p:blipFill>
+          <p:spPr>
+            <a:xfrm>
+              <a:off x="17773348" y="35407434"/>
+              <a:ext cx="4882079" cy="1334962"/>
+            </a:xfrm>
+            <a:prstGeom prst="rect">
+              <a:avLst/>
+            </a:prstGeom>
+          </p:spPr>
+        </p:pic>
+        <p:pic>
+          <p:nvPicPr>
+            <p:cNvPr id="888" name="Picture 887">
+              <a:extLst>
+                <a:ext uri="{FF2B5EF4-FFF2-40B4-BE49-F238E27FC236}">
+                  <a16:creationId xmlns:a16="http://schemas.microsoft.com/office/drawing/2014/main" id="{EC7D255C-6564-32DE-B05D-93CB6DD27BD3}"/>
+                </a:ext>
+              </a:extLst>
+            </p:cNvPr>
+            <p:cNvPicPr>
+              <a:picLocks noChangeAspect="1"/>
+            </p:cNvPicPr>
+            <p:nvPr/>
+          </p:nvPicPr>
+          <p:blipFill>
+            <a:blip r:embed="rId18"/>
+            <a:stretch>
+              <a:fillRect/>
+            </a:stretch>
+          </p:blipFill>
+          <p:spPr>
+            <a:xfrm>
+              <a:off x="17773348" y="35135411"/>
+              <a:ext cx="4882079" cy="272023"/>
+            </a:xfrm>
+            <a:prstGeom prst="rect">
+              <a:avLst/>
+            </a:prstGeom>
+          </p:spPr>
+        </p:pic>
+      </p:grpSp>
+      <p:sp>
+        <p:nvSpPr>
+          <p:cNvPr id="889" name="TextBox 888">
+            <a:extLst>
+              <a:ext uri="{FF2B5EF4-FFF2-40B4-BE49-F238E27FC236}">
+                <a16:creationId xmlns:a16="http://schemas.microsoft.com/office/drawing/2014/main" id="{9FB99765-383D-2A13-C580-CF8CEE7DB045}"/>
+              </a:ext>
+            </a:extLst>
+          </p:cNvPr>
+          <p:cNvSpPr txBox="1"/>
+          <p:nvPr/>
+        </p:nvSpPr>
+        <p:spPr>
+          <a:xfrm>
+            <a:off x="23870367" y="10418972"/>
+            <a:ext cx="1596719" cy="338554"/>
+          </a:xfrm>
+          <a:prstGeom prst="rect">
+            <a:avLst/>
+          </a:prstGeom>
+          <a:noFill/>
+        </p:spPr>
+        <p:txBody>
+          <a:bodyPr wrap="none" rtlCol="0">
+            <a:spAutoFit/>
+          </a:bodyPr>
+          <a:lstStyle/>
+          <a:p>
+            <a:r>
+              <a:rPr lang="en-US" sz="1600" u="sng" dirty="0">
+                <a:solidFill>
+                  <a:schemeClr val="accent2"/>
+                </a:solidFill>
+              </a:rPr>
+              <a:t>Listwise Deletion</a:t>
+            </a:r>
+          </a:p>
+        </p:txBody>
+      </p:sp>
+      <p:sp>
+        <p:nvSpPr>
+          <p:cNvPr id="890" name="TextBox 889">
+            <a:extLst>
+              <a:ext uri="{FF2B5EF4-FFF2-40B4-BE49-F238E27FC236}">
+                <a16:creationId xmlns:a16="http://schemas.microsoft.com/office/drawing/2014/main" id="{33956F3D-38A6-FED2-F3C6-99FB6C523359}"/>
+              </a:ext>
+            </a:extLst>
+          </p:cNvPr>
+          <p:cNvSpPr txBox="1"/>
+          <p:nvPr/>
+        </p:nvSpPr>
+        <p:spPr>
+          <a:xfrm>
+            <a:off x="28994886" y="10447324"/>
+            <a:ext cx="1855380" cy="338554"/>
+          </a:xfrm>
+          <a:prstGeom prst="rect">
+            <a:avLst/>
+          </a:prstGeom>
+          <a:noFill/>
+        </p:spPr>
+        <p:txBody>
+          <a:bodyPr wrap="none" rtlCol="0">
+            <a:spAutoFit/>
+          </a:bodyPr>
+          <a:lstStyle/>
+          <a:p>
+            <a:r>
+              <a:rPr lang="en-US" sz="1600" u="sng" dirty="0">
+                <a:solidFill>
+                  <a:schemeClr val="accent2"/>
+                </a:solidFill>
+              </a:rPr>
+              <a:t>Multiple Imputation</a:t>
+            </a:r>
+          </a:p>
+        </p:txBody>
+      </p:sp>
+      <p:pic>
+        <p:nvPicPr>
+          <p:cNvPr id="892" name="Picture 891" descr="Table&#10;&#10;Description automatically generated">
+            <a:extLst>
+              <a:ext uri="{FF2B5EF4-FFF2-40B4-BE49-F238E27FC236}">
+                <a16:creationId xmlns:a16="http://schemas.microsoft.com/office/drawing/2014/main" id="{409C6659-0EB1-8BDD-A28C-2C2525FEF22C}"/>
+              </a:ext>
+            </a:extLst>
+          </p:cNvPr>
+          <p:cNvPicPr>
+            <a:picLocks noChangeAspect="1"/>
+          </p:cNvPicPr>
+          <p:nvPr/>
+        </p:nvPicPr>
+        <p:blipFill>
+          <a:blip r:embed="rId19"/>
+          <a:stretch>
+            <a:fillRect/>
+          </a:stretch>
+        </p:blipFill>
+        <p:spPr>
+          <a:xfrm>
+            <a:off x="22756469" y="10861493"/>
+            <a:ext cx="4468116" cy="939800"/>
+          </a:xfrm>
+          <a:prstGeom prst="rect">
+            <a:avLst/>
+          </a:prstGeom>
+        </p:spPr>
+      </p:pic>
+      <p:pic>
+        <p:nvPicPr>
+          <p:cNvPr id="896" name="Picture 895" descr="Table&#10;&#10;Description automatically generated">
+            <a:extLst>
+              <a:ext uri="{FF2B5EF4-FFF2-40B4-BE49-F238E27FC236}">
+                <a16:creationId xmlns:a16="http://schemas.microsoft.com/office/drawing/2014/main" id="{08D7D0B1-E044-BADB-D74D-FF7D323B04A6}"/>
+              </a:ext>
+            </a:extLst>
+          </p:cNvPr>
+          <p:cNvPicPr>
+            <a:picLocks noChangeAspect="1"/>
+          </p:cNvPicPr>
+          <p:nvPr/>
+        </p:nvPicPr>
+        <p:blipFill>
+          <a:blip r:embed="rId20"/>
+          <a:stretch>
+            <a:fillRect/>
+          </a:stretch>
+        </p:blipFill>
+        <p:spPr>
+          <a:xfrm>
+            <a:off x="27848716" y="10880543"/>
+            <a:ext cx="4508500" cy="901700"/>
+          </a:xfrm>
+          <a:prstGeom prst="rect">
+            <a:avLst/>
+          </a:prstGeom>
+        </p:spPr>
+      </p:pic>
+      <p:pic>
+        <p:nvPicPr>
+          <p:cNvPr id="898" name="Picture 897" descr="Table&#10;&#10;Description automatically generated">
+            <a:extLst>
+              <a:ext uri="{FF2B5EF4-FFF2-40B4-BE49-F238E27FC236}">
+                <a16:creationId xmlns:a16="http://schemas.microsoft.com/office/drawing/2014/main" id="{C45121D3-8BB8-12B1-038E-51D9332152E9}"/>
+              </a:ext>
+            </a:extLst>
+          </p:cNvPr>
+          <p:cNvPicPr>
+            <a:picLocks noChangeAspect="1"/>
+          </p:cNvPicPr>
+          <p:nvPr/>
+        </p:nvPicPr>
+        <p:blipFill>
+          <a:blip r:embed="rId21"/>
+          <a:stretch>
+            <a:fillRect/>
+          </a:stretch>
+        </p:blipFill>
+        <p:spPr>
+          <a:xfrm>
+            <a:off x="26470582" y="12004383"/>
+            <a:ext cx="2364916" cy="561330"/>
+          </a:xfrm>
+          <a:prstGeom prst="rect">
+            <a:avLst/>
+          </a:prstGeom>
+        </p:spPr>
+      </p:pic>
     </p:spTree>
     <p:extLst>
       <p:ext uri="{BB962C8B-B14F-4D97-AF65-F5344CB8AC3E}">
